--- a/select_digital_methods/week11-12_distant_reading/Week 12. Text Analysis/SLIDES/Text Analysis, Part 2.pptx
+++ b/select_digital_methods/week11-12_distant_reading/Week 12. Text Analysis/SLIDES/Text Analysis, Part 2.pptx
@@ -1,36 +1,36 @@
 
 <file path=ppt/presentation.xml><?xml version="1.0" encoding="utf-8"?>
-<p:presentation xmlns:a="http://schemas.openxmlformats.org/drawingml/2006/main" xmlns:r="http://schemas.openxmlformats.org/officeDocument/2006/relationships" xmlns:mc="http://schemas.openxmlformats.org/markup-compatibility/2006" xmlns:mv="urn:schemas-microsoft-com:mac:vml" xmlns:p="http://schemas.openxmlformats.org/presentationml/2006/main" xmlns:c="http://schemas.openxmlformats.org/drawingml/2006/chart" xmlns:dgm="http://schemas.openxmlformats.org/drawingml/2006/diagram" xmlns:o="urn:schemas-microsoft-com:office:office" xmlns:v="urn:schemas-microsoft-com:vml" xmlns:pvml="urn:schemas-microsoft-com:office:powerpoint" xmlns:com="http://schemas.openxmlformats.org/drawingml/2006/compatibility" xmlns:p14="http://schemas.microsoft.com/office/powerpoint/2010/main" xmlns:p15="http://schemas.microsoft.com/office/powerpoint/2012/main" xmlns:ahyp="http://schemas.microsoft.com/office/drawing/2018/hyperlinkcolor" autoCompressPictures="0" embedTrueTypeFonts="1" strictFirstAndLastChars="0" saveSubsetFonts="1">
+<p:presentation xmlns:a="http://schemas.openxmlformats.org/drawingml/2006/main" xmlns:r="http://schemas.openxmlformats.org/officeDocument/2006/relationships" xmlns:p="http://schemas.openxmlformats.org/presentationml/2006/main" strictFirstAndLastChars="0" embedTrueTypeFonts="1" saveSubsetFonts="1" autoCompressPictures="0">
   <p:sldMasterIdLst>
-    <p:sldMasterId id="2147483659" r:id="rId4"/>
+    <p:sldMasterId id="2147483659" r:id="rId1"/>
   </p:sldMasterIdLst>
   <p:notesMasterIdLst>
-    <p:notesMasterId r:id="rId5"/>
+    <p:notesMasterId r:id="rId11"/>
   </p:notesMasterIdLst>
   <p:sldIdLst>
-    <p:sldId id="256" r:id="rId6"/>
-    <p:sldId id="257" r:id="rId7"/>
-    <p:sldId id="258" r:id="rId8"/>
-    <p:sldId id="259" r:id="rId9"/>
-    <p:sldId id="260" r:id="rId10"/>
-    <p:sldId id="261" r:id="rId11"/>
-    <p:sldId id="262" r:id="rId12"/>
-    <p:sldId id="263" r:id="rId13"/>
-    <p:sldId id="264" r:id="rId14"/>
+    <p:sldId id="256" r:id="rId2"/>
+    <p:sldId id="257" r:id="rId3"/>
+    <p:sldId id="258" r:id="rId4"/>
+    <p:sldId id="259" r:id="rId5"/>
+    <p:sldId id="260" r:id="rId6"/>
+    <p:sldId id="261" r:id="rId7"/>
+    <p:sldId id="262" r:id="rId8"/>
+    <p:sldId id="263" r:id="rId9"/>
+    <p:sldId id="264" r:id="rId10"/>
   </p:sldIdLst>
-  <p:sldSz cy="5143500" cx="9144000"/>
+  <p:sldSz cx="9144000" cy="5143500" type="screen16x9"/>
   <p:notesSz cx="6858000" cy="9144000"/>
   <p:embeddedFontLst>
     <p:embeddedFont>
-      <p:font typeface="Lato"/>
-      <p:regular r:id="rId15"/>
-      <p:bold r:id="rId16"/>
-      <p:italic r:id="rId17"/>
-      <p:boldItalic r:id="rId18"/>
+      <p:font typeface="Lato" panose="020F0502020204030203" pitchFamily="34" charset="77"/>
+      <p:regular r:id="rId12"/>
+      <p:bold r:id="rId13"/>
+      <p:italic r:id="rId14"/>
+      <p:boldItalic r:id="rId15"/>
     </p:embeddedFont>
   </p:embeddedFontLst>
   <p:defaultTextStyle>
-    <a:defPPr lvl="0" marR="0" rtl="0" algn="l">
+    <a:defPPr marR="0" lvl="0" algn="l" rtl="0">
       <a:lnSpc>
         <a:spcPct val="100000"/>
       </a:lnSpc>
@@ -41,7 +41,7 @@
         <a:spcPts val="0"/>
       </a:spcAft>
     </a:defPPr>
-    <a:lvl1pPr lvl="0" marR="0" rtl="0" algn="l">
+    <a:lvl1pPr marR="0" lvl="0" algn="l" rtl="0">
       <a:lnSpc>
         <a:spcPct val="100000"/>
       </a:lnSpc>
@@ -55,7 +55,7 @@
         <a:srgbClr val="000000"/>
       </a:buClr>
       <a:buFont typeface="Arial"/>
-      <a:defRPr b="0" i="0" sz="1400" u="none" cap="none" strike="noStrike">
+      <a:defRPr sz="1400" b="0" i="0" u="none" strike="noStrike" cap="none">
         <a:solidFill>
           <a:srgbClr val="000000"/>
         </a:solidFill>
@@ -65,7 +65,7 @@
         <a:sym typeface="Arial"/>
       </a:defRPr>
     </a:lvl1pPr>
-    <a:lvl2pPr lvl="1" marR="0" rtl="0" algn="l">
+    <a:lvl2pPr marR="0" lvl="1" algn="l" rtl="0">
       <a:lnSpc>
         <a:spcPct val="100000"/>
       </a:lnSpc>
@@ -79,7 +79,7 @@
         <a:srgbClr val="000000"/>
       </a:buClr>
       <a:buFont typeface="Arial"/>
-      <a:defRPr b="0" i="0" sz="1400" u="none" cap="none" strike="noStrike">
+      <a:defRPr sz="1400" b="0" i="0" u="none" strike="noStrike" cap="none">
         <a:solidFill>
           <a:srgbClr val="000000"/>
         </a:solidFill>
@@ -89,7 +89,7 @@
         <a:sym typeface="Arial"/>
       </a:defRPr>
     </a:lvl2pPr>
-    <a:lvl3pPr lvl="2" marR="0" rtl="0" algn="l">
+    <a:lvl3pPr marR="0" lvl="2" algn="l" rtl="0">
       <a:lnSpc>
         <a:spcPct val="100000"/>
       </a:lnSpc>
@@ -103,7 +103,7 @@
         <a:srgbClr val="000000"/>
       </a:buClr>
       <a:buFont typeface="Arial"/>
-      <a:defRPr b="0" i="0" sz="1400" u="none" cap="none" strike="noStrike">
+      <a:defRPr sz="1400" b="0" i="0" u="none" strike="noStrike" cap="none">
         <a:solidFill>
           <a:srgbClr val="000000"/>
         </a:solidFill>
@@ -113,7 +113,7 @@
         <a:sym typeface="Arial"/>
       </a:defRPr>
     </a:lvl3pPr>
-    <a:lvl4pPr lvl="3" marR="0" rtl="0" algn="l">
+    <a:lvl4pPr marR="0" lvl="3" algn="l" rtl="0">
       <a:lnSpc>
         <a:spcPct val="100000"/>
       </a:lnSpc>
@@ -127,7 +127,7 @@
         <a:srgbClr val="000000"/>
       </a:buClr>
       <a:buFont typeface="Arial"/>
-      <a:defRPr b="0" i="0" sz="1400" u="none" cap="none" strike="noStrike">
+      <a:defRPr sz="1400" b="0" i="0" u="none" strike="noStrike" cap="none">
         <a:solidFill>
           <a:srgbClr val="000000"/>
         </a:solidFill>
@@ -137,7 +137,7 @@
         <a:sym typeface="Arial"/>
       </a:defRPr>
     </a:lvl4pPr>
-    <a:lvl5pPr lvl="4" marR="0" rtl="0" algn="l">
+    <a:lvl5pPr marR="0" lvl="4" algn="l" rtl="0">
       <a:lnSpc>
         <a:spcPct val="100000"/>
       </a:lnSpc>
@@ -151,7 +151,7 @@
         <a:srgbClr val="000000"/>
       </a:buClr>
       <a:buFont typeface="Arial"/>
-      <a:defRPr b="0" i="0" sz="1400" u="none" cap="none" strike="noStrike">
+      <a:defRPr sz="1400" b="0" i="0" u="none" strike="noStrike" cap="none">
         <a:solidFill>
           <a:srgbClr val="000000"/>
         </a:solidFill>
@@ -161,7 +161,7 @@
         <a:sym typeface="Arial"/>
       </a:defRPr>
     </a:lvl5pPr>
-    <a:lvl6pPr lvl="5" marR="0" rtl="0" algn="l">
+    <a:lvl6pPr marR="0" lvl="5" algn="l" rtl="0">
       <a:lnSpc>
         <a:spcPct val="100000"/>
       </a:lnSpc>
@@ -175,7 +175,7 @@
         <a:srgbClr val="000000"/>
       </a:buClr>
       <a:buFont typeface="Arial"/>
-      <a:defRPr b="0" i="0" sz="1400" u="none" cap="none" strike="noStrike">
+      <a:defRPr sz="1400" b="0" i="0" u="none" strike="noStrike" cap="none">
         <a:solidFill>
           <a:srgbClr val="000000"/>
         </a:solidFill>
@@ -185,7 +185,7 @@
         <a:sym typeface="Arial"/>
       </a:defRPr>
     </a:lvl6pPr>
-    <a:lvl7pPr lvl="6" marR="0" rtl="0" algn="l">
+    <a:lvl7pPr marR="0" lvl="6" algn="l" rtl="0">
       <a:lnSpc>
         <a:spcPct val="100000"/>
       </a:lnSpc>
@@ -199,7 +199,7 @@
         <a:srgbClr val="000000"/>
       </a:buClr>
       <a:buFont typeface="Arial"/>
-      <a:defRPr b="0" i="0" sz="1400" u="none" cap="none" strike="noStrike">
+      <a:defRPr sz="1400" b="0" i="0" u="none" strike="noStrike" cap="none">
         <a:solidFill>
           <a:srgbClr val="000000"/>
         </a:solidFill>
@@ -209,7 +209,7 @@
         <a:sym typeface="Arial"/>
       </a:defRPr>
     </a:lvl7pPr>
-    <a:lvl8pPr lvl="7" marR="0" rtl="0" algn="l">
+    <a:lvl8pPr marR="0" lvl="7" algn="l" rtl="0">
       <a:lnSpc>
         <a:spcPct val="100000"/>
       </a:lnSpc>
@@ -223,7 +223,7 @@
         <a:srgbClr val="000000"/>
       </a:buClr>
       <a:buFont typeface="Arial"/>
-      <a:defRPr b="0" i="0" sz="1400" u="none" cap="none" strike="noStrike">
+      <a:defRPr sz="1400" b="0" i="0" u="none" strike="noStrike" cap="none">
         <a:solidFill>
           <a:srgbClr val="000000"/>
         </a:solidFill>
@@ -233,7 +233,7 @@
         <a:sym typeface="Arial"/>
       </a:defRPr>
     </a:lvl8pPr>
-    <a:lvl9pPr lvl="8" marR="0" rtl="0" algn="l">
+    <a:lvl9pPr marR="0" lvl="8" algn="l" rtl="0">
       <a:lnSpc>
         <a:spcPct val="100000"/>
       </a:lnSpc>
@@ -247,7 +247,7 @@
         <a:srgbClr val="000000"/>
       </a:buClr>
       <a:buFont typeface="Arial"/>
-      <a:defRPr b="0" i="0" sz="1400" u="none" cap="none" strike="noStrike">
+      <a:defRPr sz="1400" b="0" i="0" u="none" strike="noStrike" cap="none">
         <a:solidFill>
           <a:srgbClr val="000000"/>
         </a:solidFill>
@@ -260,7 +260,7 @@
   </p:defaultTextStyle>
   <p:extLst>
     <p:ext uri="{EFAFB233-063F-42B5-8137-9DF3F51BA10A}">
-      <p15:sldGuideLst>
+      <p15:sldGuideLst xmlns:p15="http://schemas.microsoft.com/office/powerpoint/2012/main">
         <p15:guide id="1" orient="horz" pos="1620">
           <p15:clr>
             <a:srgbClr val="A4A3A4"/>
@@ -278,11 +278,16 @@
 </file>
 
 <file path=ppt/notesMasters/notesMaster1.xml><?xml version="1.0" encoding="utf-8"?>
-<p:notesMaster xmlns:a="http://schemas.openxmlformats.org/drawingml/2006/main" xmlns:r="http://schemas.openxmlformats.org/officeDocument/2006/relationships" xmlns:mc="http://schemas.openxmlformats.org/markup-compatibility/2006" xmlns:mv="urn:schemas-microsoft-com:mac:vml" xmlns:p="http://schemas.openxmlformats.org/presentationml/2006/main" xmlns:c="http://schemas.openxmlformats.org/drawingml/2006/chart" xmlns:dgm="http://schemas.openxmlformats.org/drawingml/2006/diagram" xmlns:o="urn:schemas-microsoft-com:office:office" xmlns:v="urn:schemas-microsoft-com:vml" xmlns:pvml="urn:schemas-microsoft-com:office:powerpoint" xmlns:com="http://schemas.openxmlformats.org/drawingml/2006/compatibility" xmlns:p14="http://schemas.microsoft.com/office/powerpoint/2010/main" xmlns:p15="http://schemas.microsoft.com/office/powerpoint/2012/main" xmlns:ahyp="http://schemas.microsoft.com/office/drawing/2018/hyperlinkcolor">
+<p:notesMaster xmlns:a="http://schemas.openxmlformats.org/drawingml/2006/main" xmlns:r="http://schemas.openxmlformats.org/officeDocument/2006/relationships" xmlns:p="http://schemas.openxmlformats.org/presentationml/2006/main">
   <p:cSld>
+    <p:bg>
+      <p:bgRef idx="1001">
+        <a:schemeClr val="bg1"/>
+      </p:bgRef>
+    </p:bg>
     <p:spTree>
       <p:nvGrpSpPr>
-        <p:cNvPr id="2" name="Shape 2"/>
+        <p:cNvPr id="1" name="Shape 2"/>
         <p:cNvGrpSpPr/>
         <p:nvPr/>
       </p:nvGrpSpPr>
@@ -297,9 +302,11 @@
       <p:sp>
         <p:nvSpPr>
           <p:cNvPr id="3" name="Google Shape;3;n"/>
-          <p:cNvSpPr/>
+          <p:cNvSpPr>
+            <a:spLocks noGrp="1" noRot="1" noChangeAspect="1"/>
+          </p:cNvSpPr>
           <p:nvPr>
-            <p:ph idx="2" type="sldImg"/>
+            <p:ph type="sldImg" idx="2"/>
           </p:nvPr>
         </p:nvSpPr>
         <p:spPr>
@@ -308,9 +315,13 @@
             <a:ext cx="6096075" cy="3429000"/>
           </a:xfrm>
           <a:custGeom>
-            <a:rect b="b" l="l" r="r" t="t"/>
+            <a:avLst/>
+            <a:gdLst/>
+            <a:ahLst/>
+            <a:cxnLst/>
+            <a:rect l="l" t="t" r="r" b="b"/>
             <a:pathLst>
-              <a:path extrusionOk="0" h="120000" w="120000">
+              <a:path w="120000" h="120000" extrusionOk="0">
                 <a:moveTo>
                   <a:pt x="0" y="0"/>
                 </a:moveTo>
@@ -328,23 +339,25 @@
             </a:pathLst>
           </a:custGeom>
           <a:noFill/>
-          <a:ln cap="flat" cmpd="sng" w="9525">
+          <a:ln w="9525" cap="flat" cmpd="sng">
             <a:solidFill>
               <a:srgbClr val="000000"/>
             </a:solidFill>
             <a:prstDash val="solid"/>
             <a:round/>
-            <a:headEnd len="sm" w="sm" type="none"/>
-            <a:tailEnd len="sm" w="sm" type="none"/>
+            <a:headEnd type="none" w="sm" len="sm"/>
+            <a:tailEnd type="none" w="sm" len="sm"/>
           </a:ln>
         </p:spPr>
       </p:sp>
       <p:sp>
         <p:nvSpPr>
           <p:cNvPr id="4" name="Google Shape;4;n"/>
-          <p:cNvSpPr txBox="1"/>
+          <p:cNvSpPr txBox="1">
+            <a:spLocks noGrp="1"/>
+          </p:cNvSpPr>
           <p:nvPr>
-            <p:ph idx="1" type="body"/>
+            <p:ph type="body" idx="1"/>
           </p:nvPr>
         </p:nvSpPr>
         <p:spPr>
@@ -361,11 +374,11 @@
           </a:ln>
         </p:spPr>
         <p:txBody>
-          <a:bodyPr anchorCtr="0" anchor="t" bIns="91425" lIns="91425" spcFirstLastPara="1" rIns="91425" wrap="square" tIns="91425">
+          <a:bodyPr spcFirstLastPara="1" wrap="square" lIns="91425" tIns="91425" rIns="91425" bIns="91425" anchor="t" anchorCtr="0">
             <a:noAutofit/>
           </a:bodyPr>
           <a:lstStyle>
-            <a:lvl1pPr indent="-298450" lvl="0" marL="457200">
+            <a:lvl1pPr marL="457200" lvl="0" indent="-298450">
               <a:spcBef>
                 <a:spcPts val="0"/>
               </a:spcBef>
@@ -376,7 +389,7 @@
               <a:buChar char="●"/>
               <a:defRPr sz="1100"/>
             </a:lvl1pPr>
-            <a:lvl2pPr indent="-298450" lvl="1" marL="914400">
+            <a:lvl2pPr marL="914400" lvl="1" indent="-298450">
               <a:spcBef>
                 <a:spcPts val="0"/>
               </a:spcBef>
@@ -387,7 +400,7 @@
               <a:buChar char="○"/>
               <a:defRPr sz="1100"/>
             </a:lvl2pPr>
-            <a:lvl3pPr indent="-298450" lvl="2" marL="1371600">
+            <a:lvl3pPr marL="1371600" lvl="2" indent="-298450">
               <a:spcBef>
                 <a:spcPts val="0"/>
               </a:spcBef>
@@ -398,7 +411,7 @@
               <a:buChar char="■"/>
               <a:defRPr sz="1100"/>
             </a:lvl3pPr>
-            <a:lvl4pPr indent="-298450" lvl="3" marL="1828800">
+            <a:lvl4pPr marL="1828800" lvl="3" indent="-298450">
               <a:spcBef>
                 <a:spcPts val="0"/>
               </a:spcBef>
@@ -409,7 +422,7 @@
               <a:buChar char="●"/>
               <a:defRPr sz="1100"/>
             </a:lvl4pPr>
-            <a:lvl5pPr indent="-298450" lvl="4" marL="2286000">
+            <a:lvl5pPr marL="2286000" lvl="4" indent="-298450">
               <a:spcBef>
                 <a:spcPts val="0"/>
               </a:spcBef>
@@ -420,7 +433,7 @@
               <a:buChar char="○"/>
               <a:defRPr sz="1100"/>
             </a:lvl5pPr>
-            <a:lvl6pPr indent="-298450" lvl="5" marL="2743200">
+            <a:lvl6pPr marL="2743200" lvl="5" indent="-298450">
               <a:spcBef>
                 <a:spcPts val="0"/>
               </a:spcBef>
@@ -431,7 +444,7 @@
               <a:buChar char="■"/>
               <a:defRPr sz="1100"/>
             </a:lvl6pPr>
-            <a:lvl7pPr indent="-298450" lvl="6" marL="3200400">
+            <a:lvl7pPr marL="3200400" lvl="6" indent="-298450">
               <a:spcBef>
                 <a:spcPts val="0"/>
               </a:spcBef>
@@ -442,7 +455,7 @@
               <a:buChar char="●"/>
               <a:defRPr sz="1100"/>
             </a:lvl7pPr>
-            <a:lvl8pPr indent="-298450" lvl="7" marL="3657600">
+            <a:lvl8pPr marL="3657600" lvl="7" indent="-298450">
               <a:spcBef>
                 <a:spcPts val="0"/>
               </a:spcBef>
@@ -453,7 +466,7 @@
               <a:buChar char="○"/>
               <a:defRPr sz="1100"/>
             </a:lvl8pPr>
-            <a:lvl9pPr indent="-298450" lvl="8" marL="4114800">
+            <a:lvl9pPr marL="4114800" lvl="8" indent="-298450">
               <a:spcBef>
                 <a:spcPts val="0"/>
               </a:spcBef>
@@ -465,14 +478,16 @@
               <a:defRPr sz="1100"/>
             </a:lvl9pPr>
           </a:lstStyle>
-          <a:p/>
+          <a:p>
+            <a:endParaRPr/>
+          </a:p>
         </p:txBody>
       </p:sp>
     </p:spTree>
   </p:cSld>
-  <p:clrMap accent1="accent1" accent2="accent2" accent3="accent3" accent4="accent4" accent5="accent5" accent6="accent6" bg1="lt1" bg2="dk2" tx1="dk1" tx2="lt2" folHlink="folHlink" hlink="hlink"/>
+  <p:clrMap bg1="lt1" tx1="dk1" bg2="dk2" tx2="lt2" accent1="accent1" accent2="accent2" accent3="accent3" accent4="accent4" accent5="accent5" accent6="accent6" hlink="hlink" folHlink="folHlink"/>
   <p:notesStyle>
-    <a:defPPr lvl="0" marR="0" rtl="0" algn="l">
+    <a:defPPr marR="0" lvl="0" algn="l" rtl="0">
       <a:lnSpc>
         <a:spcPct val="100000"/>
       </a:lnSpc>
@@ -483,7 +498,7 @@
         <a:spcPts val="0"/>
       </a:spcAft>
     </a:defPPr>
-    <a:lvl1pPr lvl="0" marR="0" rtl="0" algn="l">
+    <a:lvl1pPr marR="0" lvl="0" algn="l" rtl="0">
       <a:lnSpc>
         <a:spcPct val="100000"/>
       </a:lnSpc>
@@ -497,7 +512,7 @@
         <a:srgbClr val="000000"/>
       </a:buClr>
       <a:buFont typeface="Arial"/>
-      <a:defRPr b="0" i="0" sz="1400" u="none" cap="none" strike="noStrike">
+      <a:defRPr sz="1400" b="0" i="0" u="none" strike="noStrike" cap="none">
         <a:solidFill>
           <a:srgbClr val="000000"/>
         </a:solidFill>
@@ -507,7 +522,7 @@
         <a:sym typeface="Arial"/>
       </a:defRPr>
     </a:lvl1pPr>
-    <a:lvl2pPr lvl="1" marR="0" rtl="0" algn="l">
+    <a:lvl2pPr marR="0" lvl="1" algn="l" rtl="0">
       <a:lnSpc>
         <a:spcPct val="100000"/>
       </a:lnSpc>
@@ -521,7 +536,7 @@
         <a:srgbClr val="000000"/>
       </a:buClr>
       <a:buFont typeface="Arial"/>
-      <a:defRPr b="0" i="0" sz="1400" u="none" cap="none" strike="noStrike">
+      <a:defRPr sz="1400" b="0" i="0" u="none" strike="noStrike" cap="none">
         <a:solidFill>
           <a:srgbClr val="000000"/>
         </a:solidFill>
@@ -531,7 +546,7 @@
         <a:sym typeface="Arial"/>
       </a:defRPr>
     </a:lvl2pPr>
-    <a:lvl3pPr lvl="2" marR="0" rtl="0" algn="l">
+    <a:lvl3pPr marR="0" lvl="2" algn="l" rtl="0">
       <a:lnSpc>
         <a:spcPct val="100000"/>
       </a:lnSpc>
@@ -545,7 +560,7 @@
         <a:srgbClr val="000000"/>
       </a:buClr>
       <a:buFont typeface="Arial"/>
-      <a:defRPr b="0" i="0" sz="1400" u="none" cap="none" strike="noStrike">
+      <a:defRPr sz="1400" b="0" i="0" u="none" strike="noStrike" cap="none">
         <a:solidFill>
           <a:srgbClr val="000000"/>
         </a:solidFill>
@@ -555,7 +570,7 @@
         <a:sym typeface="Arial"/>
       </a:defRPr>
     </a:lvl3pPr>
-    <a:lvl4pPr lvl="3" marR="0" rtl="0" algn="l">
+    <a:lvl4pPr marR="0" lvl="3" algn="l" rtl="0">
       <a:lnSpc>
         <a:spcPct val="100000"/>
       </a:lnSpc>
@@ -569,7 +584,7 @@
         <a:srgbClr val="000000"/>
       </a:buClr>
       <a:buFont typeface="Arial"/>
-      <a:defRPr b="0" i="0" sz="1400" u="none" cap="none" strike="noStrike">
+      <a:defRPr sz="1400" b="0" i="0" u="none" strike="noStrike" cap="none">
         <a:solidFill>
           <a:srgbClr val="000000"/>
         </a:solidFill>
@@ -579,7 +594,7 @@
         <a:sym typeface="Arial"/>
       </a:defRPr>
     </a:lvl4pPr>
-    <a:lvl5pPr lvl="4" marR="0" rtl="0" algn="l">
+    <a:lvl5pPr marR="0" lvl="4" algn="l" rtl="0">
       <a:lnSpc>
         <a:spcPct val="100000"/>
       </a:lnSpc>
@@ -593,7 +608,7 @@
         <a:srgbClr val="000000"/>
       </a:buClr>
       <a:buFont typeface="Arial"/>
-      <a:defRPr b="0" i="0" sz="1400" u="none" cap="none" strike="noStrike">
+      <a:defRPr sz="1400" b="0" i="0" u="none" strike="noStrike" cap="none">
         <a:solidFill>
           <a:srgbClr val="000000"/>
         </a:solidFill>
@@ -603,7 +618,7 @@
         <a:sym typeface="Arial"/>
       </a:defRPr>
     </a:lvl5pPr>
-    <a:lvl6pPr lvl="5" marR="0" rtl="0" algn="l">
+    <a:lvl6pPr marR="0" lvl="5" algn="l" rtl="0">
       <a:lnSpc>
         <a:spcPct val="100000"/>
       </a:lnSpc>
@@ -617,7 +632,7 @@
         <a:srgbClr val="000000"/>
       </a:buClr>
       <a:buFont typeface="Arial"/>
-      <a:defRPr b="0" i="0" sz="1400" u="none" cap="none" strike="noStrike">
+      <a:defRPr sz="1400" b="0" i="0" u="none" strike="noStrike" cap="none">
         <a:solidFill>
           <a:srgbClr val="000000"/>
         </a:solidFill>
@@ -627,7 +642,7 @@
         <a:sym typeface="Arial"/>
       </a:defRPr>
     </a:lvl6pPr>
-    <a:lvl7pPr lvl="6" marR="0" rtl="0" algn="l">
+    <a:lvl7pPr marR="0" lvl="6" algn="l" rtl="0">
       <a:lnSpc>
         <a:spcPct val="100000"/>
       </a:lnSpc>
@@ -641,7 +656,7 @@
         <a:srgbClr val="000000"/>
       </a:buClr>
       <a:buFont typeface="Arial"/>
-      <a:defRPr b="0" i="0" sz="1400" u="none" cap="none" strike="noStrike">
+      <a:defRPr sz="1400" b="0" i="0" u="none" strike="noStrike" cap="none">
         <a:solidFill>
           <a:srgbClr val="000000"/>
         </a:solidFill>
@@ -651,7 +666,7 @@
         <a:sym typeface="Arial"/>
       </a:defRPr>
     </a:lvl7pPr>
-    <a:lvl8pPr lvl="7" marR="0" rtl="0" algn="l">
+    <a:lvl8pPr marR="0" lvl="7" algn="l" rtl="0">
       <a:lnSpc>
         <a:spcPct val="100000"/>
       </a:lnSpc>
@@ -665,7 +680,7 @@
         <a:srgbClr val="000000"/>
       </a:buClr>
       <a:buFont typeface="Arial"/>
-      <a:defRPr b="0" i="0" sz="1400" u="none" cap="none" strike="noStrike">
+      <a:defRPr sz="1400" b="0" i="0" u="none" strike="noStrike" cap="none">
         <a:solidFill>
           <a:srgbClr val="000000"/>
         </a:solidFill>
@@ -675,7 +690,7 @@
         <a:sym typeface="Arial"/>
       </a:defRPr>
     </a:lvl8pPr>
-    <a:lvl9pPr lvl="8" marR="0" rtl="0" algn="l">
+    <a:lvl9pPr marR="0" lvl="8" algn="l" rtl="0">
       <a:lnSpc>
         <a:spcPct val="100000"/>
       </a:lnSpc>
@@ -689,7 +704,7 @@
         <a:srgbClr val="000000"/>
       </a:buClr>
       <a:buFont typeface="Arial"/>
-      <a:defRPr b="0" i="0" sz="1400" u="none" cap="none" strike="noStrike">
+      <a:defRPr sz="1400" b="0" i="0" u="none" strike="noStrike" cap="none">
         <a:solidFill>
           <a:srgbClr val="000000"/>
         </a:solidFill>
@@ -704,11 +719,11 @@
 </file>
 
 <file path=ppt/notesSlides/notesSlide1.xml><?xml version="1.0" encoding="utf-8"?>
-<p:notes xmlns:a="http://schemas.openxmlformats.org/drawingml/2006/main" xmlns:r="http://schemas.openxmlformats.org/officeDocument/2006/relationships" xmlns:mc="http://schemas.openxmlformats.org/markup-compatibility/2006" xmlns:mv="urn:schemas-microsoft-com:mac:vml" xmlns:p="http://schemas.openxmlformats.org/presentationml/2006/main" xmlns:c="http://schemas.openxmlformats.org/drawingml/2006/chart" xmlns:dgm="http://schemas.openxmlformats.org/drawingml/2006/diagram" xmlns:o="urn:schemas-microsoft-com:office:office" xmlns:v="urn:schemas-microsoft-com:vml" xmlns:pvml="urn:schemas-microsoft-com:office:powerpoint" xmlns:com="http://schemas.openxmlformats.org/drawingml/2006/compatibility" xmlns:p14="http://schemas.microsoft.com/office/powerpoint/2010/main" xmlns:p15="http://schemas.microsoft.com/office/powerpoint/2012/main" xmlns:ahyp="http://schemas.microsoft.com/office/drawing/2018/hyperlinkcolor" showMasterPhAnim="0" showMasterSp="0">
+<p:notes xmlns:a="http://schemas.openxmlformats.org/drawingml/2006/main" xmlns:r="http://schemas.openxmlformats.org/officeDocument/2006/relationships" xmlns:p="http://schemas.openxmlformats.org/presentationml/2006/main" showMasterSp="0" showMasterPhAnim="0">
   <p:cSld>
     <p:spTree>
       <p:nvGrpSpPr>
-        <p:cNvPr id="50" name="Shape 50"/>
+        <p:cNvPr id="1" name="Shape 50"/>
         <p:cNvGrpSpPr/>
         <p:nvPr/>
       </p:nvGrpSpPr>
@@ -723,9 +738,11 @@
       <p:sp>
         <p:nvSpPr>
           <p:cNvPr id="51" name="Google Shape;51;p:notes"/>
-          <p:cNvSpPr/>
+          <p:cNvSpPr>
+            <a:spLocks noGrp="1" noRot="1" noChangeAspect="1"/>
+          </p:cNvSpPr>
           <p:nvPr>
-            <p:ph idx="2" type="sldImg"/>
+            <p:ph type="sldImg" idx="2"/>
           </p:nvPr>
         </p:nvSpPr>
         <p:spPr>
@@ -734,9 +751,13 @@
             <a:ext cx="6096075" cy="3429000"/>
           </a:xfrm>
           <a:custGeom>
-            <a:rect b="b" l="l" r="r" t="t"/>
+            <a:avLst/>
+            <a:gdLst/>
+            <a:ahLst/>
+            <a:cxnLst/>
+            <a:rect l="l" t="t" r="r" b="b"/>
             <a:pathLst>
-              <a:path extrusionOk="0" h="120000" w="120000">
+              <a:path w="120000" h="120000" extrusionOk="0">
                 <a:moveTo>
                   <a:pt x="0" y="0"/>
                 </a:moveTo>
@@ -758,9 +779,11 @@
       <p:sp>
         <p:nvSpPr>
           <p:cNvPr id="52" name="Google Shape;52;p:notes"/>
-          <p:cNvSpPr txBox="1"/>
+          <p:cNvSpPr txBox="1">
+            <a:spLocks noGrp="1"/>
+          </p:cNvSpPr>
           <p:nvPr>
-            <p:ph idx="1" type="body"/>
+            <p:ph type="body" idx="1"/>
           </p:nvPr>
         </p:nvSpPr>
         <p:spPr>
@@ -773,12 +796,12 @@
           </a:prstGeom>
         </p:spPr>
         <p:txBody>
-          <a:bodyPr anchorCtr="0" anchor="t" bIns="91425" lIns="91425" spcFirstLastPara="1" rIns="91425" wrap="square" tIns="91425">
+          <a:bodyPr spcFirstLastPara="1" wrap="square" lIns="91425" tIns="91425" rIns="91425" bIns="91425" anchor="t" anchorCtr="0">
             <a:noAutofit/>
           </a:bodyPr>
           <a:lstStyle/>
           <a:p>
-            <a:pPr indent="0" lvl="0" marL="0" rtl="0" algn="l">
+            <a:pPr marL="0" lvl="0" indent="0" algn="l" rtl="0">
               <a:spcBef>
                 <a:spcPts val="0"/>
               </a:spcBef>
@@ -787,9 +810,6 @@
               </a:spcAft>
               <a:buNone/>
             </a:pPr>
-            <a:r>
-              <a:t/>
-            </a:r>
             <a:endParaRPr/>
           </a:p>
         </p:txBody>
@@ -803,11 +823,11 @@
 </file>
 
 <file path=ppt/notesSlides/notesSlide2.xml><?xml version="1.0" encoding="utf-8"?>
-<p:notes xmlns:a="http://schemas.openxmlformats.org/drawingml/2006/main" xmlns:r="http://schemas.openxmlformats.org/officeDocument/2006/relationships" xmlns:mc="http://schemas.openxmlformats.org/markup-compatibility/2006" xmlns:mv="urn:schemas-microsoft-com:mac:vml" xmlns:p="http://schemas.openxmlformats.org/presentationml/2006/main" xmlns:c="http://schemas.openxmlformats.org/drawingml/2006/chart" xmlns:dgm="http://schemas.openxmlformats.org/drawingml/2006/diagram" xmlns:o="urn:schemas-microsoft-com:office:office" xmlns:v="urn:schemas-microsoft-com:vml" xmlns:pvml="urn:schemas-microsoft-com:office:powerpoint" xmlns:com="http://schemas.openxmlformats.org/drawingml/2006/compatibility" xmlns:p14="http://schemas.microsoft.com/office/powerpoint/2010/main" xmlns:p15="http://schemas.microsoft.com/office/powerpoint/2012/main" xmlns:ahyp="http://schemas.microsoft.com/office/drawing/2018/hyperlinkcolor" showMasterPhAnim="0" showMasterSp="0">
+<p:notes xmlns:a="http://schemas.openxmlformats.org/drawingml/2006/main" xmlns:r="http://schemas.openxmlformats.org/officeDocument/2006/relationships" xmlns:p="http://schemas.openxmlformats.org/presentationml/2006/main" showMasterSp="0" showMasterPhAnim="0">
   <p:cSld>
     <p:spTree>
       <p:nvGrpSpPr>
-        <p:cNvPr id="56" name="Shape 56"/>
+        <p:cNvPr id="1" name="Shape 56"/>
         <p:cNvGrpSpPr/>
         <p:nvPr/>
       </p:nvGrpSpPr>
@@ -822,9 +842,11 @@
       <p:sp>
         <p:nvSpPr>
           <p:cNvPr id="57" name="Google Shape;57;gb2d2e97e27_0_51:notes"/>
-          <p:cNvSpPr/>
+          <p:cNvSpPr>
+            <a:spLocks noGrp="1" noRot="1" noChangeAspect="1"/>
+          </p:cNvSpPr>
           <p:nvPr>
-            <p:ph idx="2" type="sldImg"/>
+            <p:ph type="sldImg" idx="2"/>
           </p:nvPr>
         </p:nvSpPr>
         <p:spPr>
@@ -833,9 +855,13 @@
             <a:ext cx="6096000" cy="3429000"/>
           </a:xfrm>
           <a:custGeom>
-            <a:rect b="b" l="l" r="r" t="t"/>
+            <a:avLst/>
+            <a:gdLst/>
+            <a:ahLst/>
+            <a:cxnLst/>
+            <a:rect l="l" t="t" r="r" b="b"/>
             <a:pathLst>
-              <a:path extrusionOk="0" h="120000" w="120000">
+              <a:path w="120000" h="120000" extrusionOk="0">
                 <a:moveTo>
                   <a:pt x="0" y="0"/>
                 </a:moveTo>
@@ -857,9 +883,11 @@
       <p:sp>
         <p:nvSpPr>
           <p:cNvPr id="58" name="Google Shape;58;gb2d2e97e27_0_51:notes"/>
-          <p:cNvSpPr txBox="1"/>
+          <p:cNvSpPr txBox="1">
+            <a:spLocks noGrp="1"/>
+          </p:cNvSpPr>
           <p:nvPr>
-            <p:ph idx="1" type="body"/>
+            <p:ph type="body" idx="1"/>
           </p:nvPr>
         </p:nvSpPr>
         <p:spPr>
@@ -872,12 +900,12 @@
           </a:prstGeom>
         </p:spPr>
         <p:txBody>
-          <a:bodyPr anchorCtr="0" anchor="t" bIns="91425" lIns="91425" spcFirstLastPara="1" rIns="91425" wrap="square" tIns="91425">
+          <a:bodyPr spcFirstLastPara="1" wrap="square" lIns="91425" tIns="91425" rIns="91425" bIns="91425" anchor="t" anchorCtr="0">
             <a:noAutofit/>
           </a:bodyPr>
           <a:lstStyle/>
           <a:p>
-            <a:pPr indent="0" lvl="0" marL="0" rtl="0" algn="l">
+            <a:pPr marL="0" lvl="0" indent="0" algn="l" rtl="0">
               <a:spcBef>
                 <a:spcPts val="0"/>
               </a:spcBef>
@@ -886,9 +914,6 @@
               </a:spcAft>
               <a:buNone/>
             </a:pPr>
-            <a:r>
-              <a:t/>
-            </a:r>
             <a:endParaRPr/>
           </a:p>
         </p:txBody>
@@ -902,11 +927,11 @@
 </file>
 
 <file path=ppt/notesSlides/notesSlide3.xml><?xml version="1.0" encoding="utf-8"?>
-<p:notes xmlns:a="http://schemas.openxmlformats.org/drawingml/2006/main" xmlns:r="http://schemas.openxmlformats.org/officeDocument/2006/relationships" xmlns:mc="http://schemas.openxmlformats.org/markup-compatibility/2006" xmlns:mv="urn:schemas-microsoft-com:mac:vml" xmlns:p="http://schemas.openxmlformats.org/presentationml/2006/main" xmlns:c="http://schemas.openxmlformats.org/drawingml/2006/chart" xmlns:dgm="http://schemas.openxmlformats.org/drawingml/2006/diagram" xmlns:o="urn:schemas-microsoft-com:office:office" xmlns:v="urn:schemas-microsoft-com:vml" xmlns:pvml="urn:schemas-microsoft-com:office:powerpoint" xmlns:com="http://schemas.openxmlformats.org/drawingml/2006/compatibility" xmlns:p14="http://schemas.microsoft.com/office/powerpoint/2010/main" xmlns:p15="http://schemas.microsoft.com/office/powerpoint/2012/main" xmlns:ahyp="http://schemas.microsoft.com/office/drawing/2018/hyperlinkcolor" showMasterPhAnim="0" showMasterSp="0">
+<p:notes xmlns:a="http://schemas.openxmlformats.org/drawingml/2006/main" xmlns:r="http://schemas.openxmlformats.org/officeDocument/2006/relationships" xmlns:p="http://schemas.openxmlformats.org/presentationml/2006/main" showMasterSp="0" showMasterPhAnim="0">
   <p:cSld>
     <p:spTree>
       <p:nvGrpSpPr>
-        <p:cNvPr id="62" name="Shape 62"/>
+        <p:cNvPr id="1" name="Shape 62"/>
         <p:cNvGrpSpPr/>
         <p:nvPr/>
       </p:nvGrpSpPr>
@@ -921,9 +946,11 @@
       <p:sp>
         <p:nvSpPr>
           <p:cNvPr id="63" name="Google Shape;63;gb2d2e97e27_0_77:notes"/>
-          <p:cNvSpPr/>
+          <p:cNvSpPr>
+            <a:spLocks noGrp="1" noRot="1" noChangeAspect="1"/>
+          </p:cNvSpPr>
           <p:nvPr>
-            <p:ph idx="2" type="sldImg"/>
+            <p:ph type="sldImg" idx="2"/>
           </p:nvPr>
         </p:nvSpPr>
         <p:spPr>
@@ -932,9 +959,13 @@
             <a:ext cx="6096000" cy="3429000"/>
           </a:xfrm>
           <a:custGeom>
-            <a:rect b="b" l="l" r="r" t="t"/>
+            <a:avLst/>
+            <a:gdLst/>
+            <a:ahLst/>
+            <a:cxnLst/>
+            <a:rect l="l" t="t" r="r" b="b"/>
             <a:pathLst>
-              <a:path extrusionOk="0" h="120000" w="120000">
+              <a:path w="120000" h="120000" extrusionOk="0">
                 <a:moveTo>
                   <a:pt x="0" y="0"/>
                 </a:moveTo>
@@ -956,9 +987,11 @@
       <p:sp>
         <p:nvSpPr>
           <p:cNvPr id="64" name="Google Shape;64;gb2d2e97e27_0_77:notes"/>
-          <p:cNvSpPr txBox="1"/>
+          <p:cNvSpPr txBox="1">
+            <a:spLocks noGrp="1"/>
+          </p:cNvSpPr>
           <p:nvPr>
-            <p:ph idx="1" type="body"/>
+            <p:ph type="body" idx="1"/>
           </p:nvPr>
         </p:nvSpPr>
         <p:spPr>
@@ -971,12 +1004,12 @@
           </a:prstGeom>
         </p:spPr>
         <p:txBody>
-          <a:bodyPr anchorCtr="0" anchor="t" bIns="91425" lIns="91425" spcFirstLastPara="1" rIns="91425" wrap="square" tIns="91425">
+          <a:bodyPr spcFirstLastPara="1" wrap="square" lIns="91425" tIns="91425" rIns="91425" bIns="91425" anchor="t" anchorCtr="0">
             <a:noAutofit/>
           </a:bodyPr>
           <a:lstStyle/>
           <a:p>
-            <a:pPr indent="0" lvl="0" marL="0" rtl="0" algn="l">
+            <a:pPr marL="0" lvl="0" indent="0" algn="l" rtl="0">
               <a:spcBef>
                 <a:spcPts val="0"/>
               </a:spcBef>
@@ -985,9 +1018,6 @@
               </a:spcAft>
               <a:buNone/>
             </a:pPr>
-            <a:r>
-              <a:t/>
-            </a:r>
             <a:endParaRPr/>
           </a:p>
         </p:txBody>
@@ -1001,11 +1031,11 @@
 </file>
 
 <file path=ppt/notesSlides/notesSlide4.xml><?xml version="1.0" encoding="utf-8"?>
-<p:notes xmlns:a="http://schemas.openxmlformats.org/drawingml/2006/main" xmlns:r="http://schemas.openxmlformats.org/officeDocument/2006/relationships" xmlns:mc="http://schemas.openxmlformats.org/markup-compatibility/2006" xmlns:mv="urn:schemas-microsoft-com:mac:vml" xmlns:p="http://schemas.openxmlformats.org/presentationml/2006/main" xmlns:c="http://schemas.openxmlformats.org/drawingml/2006/chart" xmlns:dgm="http://schemas.openxmlformats.org/drawingml/2006/diagram" xmlns:o="urn:schemas-microsoft-com:office:office" xmlns:v="urn:schemas-microsoft-com:vml" xmlns:pvml="urn:schemas-microsoft-com:office:powerpoint" xmlns:com="http://schemas.openxmlformats.org/drawingml/2006/compatibility" xmlns:p14="http://schemas.microsoft.com/office/powerpoint/2010/main" xmlns:p15="http://schemas.microsoft.com/office/powerpoint/2012/main" xmlns:ahyp="http://schemas.microsoft.com/office/drawing/2018/hyperlinkcolor" showMasterPhAnim="0" showMasterSp="0">
+<p:notes xmlns:a="http://schemas.openxmlformats.org/drawingml/2006/main" xmlns:r="http://schemas.openxmlformats.org/officeDocument/2006/relationships" xmlns:p="http://schemas.openxmlformats.org/presentationml/2006/main" showMasterSp="0" showMasterPhAnim="0">
   <p:cSld>
     <p:spTree>
       <p:nvGrpSpPr>
-        <p:cNvPr id="68" name="Shape 68"/>
+        <p:cNvPr id="1" name="Shape 68"/>
         <p:cNvGrpSpPr/>
         <p:nvPr/>
       </p:nvGrpSpPr>
@@ -1020,9 +1050,11 @@
       <p:sp>
         <p:nvSpPr>
           <p:cNvPr id="69" name="Google Shape;69;gb2d2e97e27_0_82:notes"/>
-          <p:cNvSpPr/>
+          <p:cNvSpPr>
+            <a:spLocks noGrp="1" noRot="1" noChangeAspect="1"/>
+          </p:cNvSpPr>
           <p:nvPr>
-            <p:ph idx="2" type="sldImg"/>
+            <p:ph type="sldImg" idx="2"/>
           </p:nvPr>
         </p:nvSpPr>
         <p:spPr>
@@ -1031,9 +1063,13 @@
             <a:ext cx="6096000" cy="3429000"/>
           </a:xfrm>
           <a:custGeom>
-            <a:rect b="b" l="l" r="r" t="t"/>
+            <a:avLst/>
+            <a:gdLst/>
+            <a:ahLst/>
+            <a:cxnLst/>
+            <a:rect l="l" t="t" r="r" b="b"/>
             <a:pathLst>
-              <a:path extrusionOk="0" h="120000" w="120000">
+              <a:path w="120000" h="120000" extrusionOk="0">
                 <a:moveTo>
                   <a:pt x="0" y="0"/>
                 </a:moveTo>
@@ -1055,9 +1091,11 @@
       <p:sp>
         <p:nvSpPr>
           <p:cNvPr id="70" name="Google Shape;70;gb2d2e97e27_0_82:notes"/>
-          <p:cNvSpPr txBox="1"/>
+          <p:cNvSpPr txBox="1">
+            <a:spLocks noGrp="1"/>
+          </p:cNvSpPr>
           <p:nvPr>
-            <p:ph idx="1" type="body"/>
+            <p:ph type="body" idx="1"/>
           </p:nvPr>
         </p:nvSpPr>
         <p:spPr>
@@ -1070,12 +1108,12 @@
           </a:prstGeom>
         </p:spPr>
         <p:txBody>
-          <a:bodyPr anchorCtr="0" anchor="t" bIns="91425" lIns="91425" spcFirstLastPara="1" rIns="91425" wrap="square" tIns="91425">
+          <a:bodyPr spcFirstLastPara="1" wrap="square" lIns="91425" tIns="91425" rIns="91425" bIns="91425" anchor="t" anchorCtr="0">
             <a:noAutofit/>
           </a:bodyPr>
           <a:lstStyle/>
           <a:p>
-            <a:pPr indent="0" lvl="0" marL="0" rtl="0" algn="l">
+            <a:pPr marL="0" lvl="0" indent="0" algn="l" rtl="0">
               <a:spcBef>
                 <a:spcPts val="0"/>
               </a:spcBef>
@@ -1084,9 +1122,6 @@
               </a:spcAft>
               <a:buNone/>
             </a:pPr>
-            <a:r>
-              <a:t/>
-            </a:r>
             <a:endParaRPr/>
           </a:p>
         </p:txBody>
@@ -1100,11 +1135,11 @@
 </file>
 
 <file path=ppt/notesSlides/notesSlide5.xml><?xml version="1.0" encoding="utf-8"?>
-<p:notes xmlns:a="http://schemas.openxmlformats.org/drawingml/2006/main" xmlns:r="http://schemas.openxmlformats.org/officeDocument/2006/relationships" xmlns:mc="http://schemas.openxmlformats.org/markup-compatibility/2006" xmlns:mv="urn:schemas-microsoft-com:mac:vml" xmlns:p="http://schemas.openxmlformats.org/presentationml/2006/main" xmlns:c="http://schemas.openxmlformats.org/drawingml/2006/chart" xmlns:dgm="http://schemas.openxmlformats.org/drawingml/2006/diagram" xmlns:o="urn:schemas-microsoft-com:office:office" xmlns:v="urn:schemas-microsoft-com:vml" xmlns:pvml="urn:schemas-microsoft-com:office:powerpoint" xmlns:com="http://schemas.openxmlformats.org/drawingml/2006/compatibility" xmlns:p14="http://schemas.microsoft.com/office/powerpoint/2010/main" xmlns:p15="http://schemas.microsoft.com/office/powerpoint/2012/main" xmlns:ahyp="http://schemas.microsoft.com/office/drawing/2018/hyperlinkcolor" showMasterPhAnim="0" showMasterSp="0">
+<p:notes xmlns:a="http://schemas.openxmlformats.org/drawingml/2006/main" xmlns:r="http://schemas.openxmlformats.org/officeDocument/2006/relationships" xmlns:p="http://schemas.openxmlformats.org/presentationml/2006/main" showMasterSp="0" showMasterPhAnim="0">
   <p:cSld>
     <p:spTree>
       <p:nvGrpSpPr>
-        <p:cNvPr id="74" name="Shape 74"/>
+        <p:cNvPr id="1" name="Shape 74"/>
         <p:cNvGrpSpPr/>
         <p:nvPr/>
       </p:nvGrpSpPr>
@@ -1119,9 +1154,11 @@
       <p:sp>
         <p:nvSpPr>
           <p:cNvPr id="75" name="Google Shape;75;gb2d2e97e27_0_0:notes"/>
-          <p:cNvSpPr/>
+          <p:cNvSpPr>
+            <a:spLocks noGrp="1" noRot="1" noChangeAspect="1"/>
+          </p:cNvSpPr>
           <p:nvPr>
-            <p:ph idx="2" type="sldImg"/>
+            <p:ph type="sldImg" idx="2"/>
           </p:nvPr>
         </p:nvSpPr>
         <p:spPr>
@@ -1130,9 +1167,13 @@
             <a:ext cx="6096000" cy="3429000"/>
           </a:xfrm>
           <a:custGeom>
-            <a:rect b="b" l="l" r="r" t="t"/>
+            <a:avLst/>
+            <a:gdLst/>
+            <a:ahLst/>
+            <a:cxnLst/>
+            <a:rect l="l" t="t" r="r" b="b"/>
             <a:pathLst>
-              <a:path extrusionOk="0" h="120000" w="120000">
+              <a:path w="120000" h="120000" extrusionOk="0">
                 <a:moveTo>
                   <a:pt x="0" y="0"/>
                 </a:moveTo>
@@ -1154,9 +1195,11 @@
       <p:sp>
         <p:nvSpPr>
           <p:cNvPr id="76" name="Google Shape;76;gb2d2e97e27_0_0:notes"/>
-          <p:cNvSpPr txBox="1"/>
+          <p:cNvSpPr txBox="1">
+            <a:spLocks noGrp="1"/>
+          </p:cNvSpPr>
           <p:nvPr>
-            <p:ph idx="1" type="body"/>
+            <p:ph type="body" idx="1"/>
           </p:nvPr>
         </p:nvSpPr>
         <p:spPr>
@@ -1169,12 +1212,12 @@
           </a:prstGeom>
         </p:spPr>
         <p:txBody>
-          <a:bodyPr anchorCtr="0" anchor="t" bIns="91425" lIns="91425" spcFirstLastPara="1" rIns="91425" wrap="square" tIns="91425">
+          <a:bodyPr spcFirstLastPara="1" wrap="square" lIns="91425" tIns="91425" rIns="91425" bIns="91425" anchor="t" anchorCtr="0">
             <a:noAutofit/>
           </a:bodyPr>
           <a:lstStyle/>
           <a:p>
-            <a:pPr indent="0" lvl="0" marL="0" rtl="0" algn="l">
+            <a:pPr marL="0" lvl="0" indent="0" algn="l" rtl="0">
               <a:spcBef>
                 <a:spcPts val="0"/>
               </a:spcBef>
@@ -1183,9 +1226,6 @@
               </a:spcAft>
               <a:buNone/>
             </a:pPr>
-            <a:r>
-              <a:t/>
-            </a:r>
             <a:endParaRPr/>
           </a:p>
         </p:txBody>
@@ -1199,11 +1239,11 @@
 </file>
 
 <file path=ppt/notesSlides/notesSlide6.xml><?xml version="1.0" encoding="utf-8"?>
-<p:notes xmlns:a="http://schemas.openxmlformats.org/drawingml/2006/main" xmlns:r="http://schemas.openxmlformats.org/officeDocument/2006/relationships" xmlns:mc="http://schemas.openxmlformats.org/markup-compatibility/2006" xmlns:mv="urn:schemas-microsoft-com:mac:vml" xmlns:p="http://schemas.openxmlformats.org/presentationml/2006/main" xmlns:c="http://schemas.openxmlformats.org/drawingml/2006/chart" xmlns:dgm="http://schemas.openxmlformats.org/drawingml/2006/diagram" xmlns:o="urn:schemas-microsoft-com:office:office" xmlns:v="urn:schemas-microsoft-com:vml" xmlns:pvml="urn:schemas-microsoft-com:office:powerpoint" xmlns:com="http://schemas.openxmlformats.org/drawingml/2006/compatibility" xmlns:p14="http://schemas.microsoft.com/office/powerpoint/2010/main" xmlns:p15="http://schemas.microsoft.com/office/powerpoint/2012/main" xmlns:ahyp="http://schemas.microsoft.com/office/drawing/2018/hyperlinkcolor" showMasterPhAnim="0" showMasterSp="0">
+<p:notes xmlns:a="http://schemas.openxmlformats.org/drawingml/2006/main" xmlns:r="http://schemas.openxmlformats.org/officeDocument/2006/relationships" xmlns:p="http://schemas.openxmlformats.org/presentationml/2006/main" showMasterSp="0" showMasterPhAnim="0">
   <p:cSld>
     <p:spTree>
       <p:nvGrpSpPr>
-        <p:cNvPr id="81" name="Shape 81"/>
+        <p:cNvPr id="1" name="Shape 81"/>
         <p:cNvGrpSpPr/>
         <p:nvPr/>
       </p:nvGrpSpPr>
@@ -1218,20 +1258,26 @@
       <p:sp>
         <p:nvSpPr>
           <p:cNvPr id="82" name="Google Shape;82;gb2d2e97e27_0_57:notes"/>
-          <p:cNvSpPr/>
+          <p:cNvSpPr>
+            <a:spLocks noGrp="1" noRot="1" noChangeAspect="1"/>
+          </p:cNvSpPr>
           <p:nvPr>
-            <p:ph idx="2" type="sldImg"/>
+            <p:ph type="sldImg" idx="2"/>
           </p:nvPr>
         </p:nvSpPr>
         <p:spPr>
           <a:xfrm>
-            <a:off x="381300" y="685800"/>
+            <a:off x="381000" y="685800"/>
             <a:ext cx="6096000" cy="3429000"/>
           </a:xfrm>
           <a:custGeom>
-            <a:rect b="b" l="l" r="r" t="t"/>
+            <a:avLst/>
+            <a:gdLst/>
+            <a:ahLst/>
+            <a:cxnLst/>
+            <a:rect l="l" t="t" r="r" b="b"/>
             <a:pathLst>
-              <a:path extrusionOk="0" h="120000" w="120000">
+              <a:path w="120000" h="120000" extrusionOk="0">
                 <a:moveTo>
                   <a:pt x="0" y="0"/>
                 </a:moveTo>
@@ -1253,9 +1299,11 @@
       <p:sp>
         <p:nvSpPr>
           <p:cNvPr id="83" name="Google Shape;83;gb2d2e97e27_0_57:notes"/>
-          <p:cNvSpPr txBox="1"/>
+          <p:cNvSpPr txBox="1">
+            <a:spLocks noGrp="1"/>
+          </p:cNvSpPr>
           <p:nvPr>
-            <p:ph idx="1" type="body"/>
+            <p:ph type="body" idx="1"/>
           </p:nvPr>
         </p:nvSpPr>
         <p:spPr>
@@ -1268,12 +1316,12 @@
           </a:prstGeom>
         </p:spPr>
         <p:txBody>
-          <a:bodyPr anchorCtr="0" anchor="t" bIns="91425" lIns="91425" spcFirstLastPara="1" rIns="91425" wrap="square" tIns="91425">
+          <a:bodyPr spcFirstLastPara="1" wrap="square" lIns="91425" tIns="91425" rIns="91425" bIns="91425" anchor="t" anchorCtr="0">
             <a:noAutofit/>
           </a:bodyPr>
           <a:lstStyle/>
           <a:p>
-            <a:pPr indent="0" lvl="0" marL="0" rtl="0" algn="l">
+            <a:pPr marL="0" lvl="0" indent="0" algn="l" rtl="0">
               <a:spcBef>
                 <a:spcPts val="0"/>
               </a:spcBef>
@@ -1290,7 +1338,7 @@
                 <a:highlight>
                   <a:srgbClr val="FFFFFF"/>
                 </a:highlight>
-                <a:hlinkClick r:id="rId2"/>
+                <a:hlinkClick r:id="rId3"/>
               </a:rPr>
               <a:t>Word clouds</a:t>
             </a:r>
@@ -1318,11 +1366,11 @@
 </file>
 
 <file path=ppt/notesSlides/notesSlide7.xml><?xml version="1.0" encoding="utf-8"?>
-<p:notes xmlns:a="http://schemas.openxmlformats.org/drawingml/2006/main" xmlns:r="http://schemas.openxmlformats.org/officeDocument/2006/relationships" xmlns:mc="http://schemas.openxmlformats.org/markup-compatibility/2006" xmlns:mv="urn:schemas-microsoft-com:mac:vml" xmlns:p="http://schemas.openxmlformats.org/presentationml/2006/main" xmlns:c="http://schemas.openxmlformats.org/drawingml/2006/chart" xmlns:dgm="http://schemas.openxmlformats.org/drawingml/2006/diagram" xmlns:o="urn:schemas-microsoft-com:office:office" xmlns:v="urn:schemas-microsoft-com:vml" xmlns:pvml="urn:schemas-microsoft-com:office:powerpoint" xmlns:com="http://schemas.openxmlformats.org/drawingml/2006/compatibility" xmlns:p14="http://schemas.microsoft.com/office/powerpoint/2010/main" xmlns:p15="http://schemas.microsoft.com/office/powerpoint/2012/main" xmlns:ahyp="http://schemas.microsoft.com/office/drawing/2018/hyperlinkcolor" showMasterPhAnim="0" showMasterSp="0">
+<p:notes xmlns:a="http://schemas.openxmlformats.org/drawingml/2006/main" xmlns:r="http://schemas.openxmlformats.org/officeDocument/2006/relationships" xmlns:p="http://schemas.openxmlformats.org/presentationml/2006/main" showMasterSp="0" showMasterPhAnim="0">
   <p:cSld>
     <p:spTree>
       <p:nvGrpSpPr>
-        <p:cNvPr id="87" name="Shape 87"/>
+        <p:cNvPr id="1" name="Shape 87"/>
         <p:cNvGrpSpPr/>
         <p:nvPr/>
       </p:nvGrpSpPr>
@@ -1337,20 +1385,26 @@
       <p:sp>
         <p:nvSpPr>
           <p:cNvPr id="88" name="Google Shape;88;gb2d2e97e27_0_62:notes"/>
-          <p:cNvSpPr/>
+          <p:cNvSpPr>
+            <a:spLocks noGrp="1" noRot="1" noChangeAspect="1"/>
+          </p:cNvSpPr>
           <p:nvPr>
-            <p:ph idx="2" type="sldImg"/>
+            <p:ph type="sldImg" idx="2"/>
           </p:nvPr>
         </p:nvSpPr>
         <p:spPr>
           <a:xfrm>
-            <a:off x="381300" y="685800"/>
+            <a:off x="381000" y="685800"/>
             <a:ext cx="6096000" cy="3429000"/>
           </a:xfrm>
           <a:custGeom>
-            <a:rect b="b" l="l" r="r" t="t"/>
+            <a:avLst/>
+            <a:gdLst/>
+            <a:ahLst/>
+            <a:cxnLst/>
+            <a:rect l="l" t="t" r="r" b="b"/>
             <a:pathLst>
-              <a:path extrusionOk="0" h="120000" w="120000">
+              <a:path w="120000" h="120000" extrusionOk="0">
                 <a:moveTo>
                   <a:pt x="0" y="0"/>
                 </a:moveTo>
@@ -1372,9 +1426,11 @@
       <p:sp>
         <p:nvSpPr>
           <p:cNvPr id="89" name="Google Shape;89;gb2d2e97e27_0_62:notes"/>
-          <p:cNvSpPr txBox="1"/>
+          <p:cNvSpPr txBox="1">
+            <a:spLocks noGrp="1"/>
+          </p:cNvSpPr>
           <p:nvPr>
-            <p:ph idx="1" type="body"/>
+            <p:ph type="body" idx="1"/>
           </p:nvPr>
         </p:nvSpPr>
         <p:spPr>
@@ -1387,12 +1443,12 @@
           </a:prstGeom>
         </p:spPr>
         <p:txBody>
-          <a:bodyPr anchorCtr="0" anchor="t" bIns="91425" lIns="91425" spcFirstLastPara="1" rIns="91425" wrap="square" tIns="91425">
+          <a:bodyPr spcFirstLastPara="1" wrap="square" lIns="91425" tIns="91425" rIns="91425" bIns="91425" anchor="t" anchorCtr="0">
             <a:noAutofit/>
           </a:bodyPr>
           <a:lstStyle/>
           <a:p>
-            <a:pPr indent="0" lvl="0" marL="0" rtl="0" algn="l">
+            <a:pPr marL="0" lvl="0" indent="0" algn="l" rtl="0">
               <a:spcBef>
                 <a:spcPts val="0"/>
               </a:spcBef>
@@ -1409,7 +1465,7 @@
                 <a:highlight>
                   <a:srgbClr val="FFFFFF"/>
                 </a:highlight>
-                <a:hlinkClick r:id="rId2"/>
+                <a:hlinkClick r:id="rId3"/>
               </a:rPr>
               <a:t>Frequency</a:t>
             </a:r>
@@ -1449,11 +1505,11 @@
 </file>
 
 <file path=ppt/notesSlides/notesSlide8.xml><?xml version="1.0" encoding="utf-8"?>
-<p:notes xmlns:a="http://schemas.openxmlformats.org/drawingml/2006/main" xmlns:r="http://schemas.openxmlformats.org/officeDocument/2006/relationships" xmlns:mc="http://schemas.openxmlformats.org/markup-compatibility/2006" xmlns:mv="urn:schemas-microsoft-com:mac:vml" xmlns:p="http://schemas.openxmlformats.org/presentationml/2006/main" xmlns:c="http://schemas.openxmlformats.org/drawingml/2006/chart" xmlns:dgm="http://schemas.openxmlformats.org/drawingml/2006/diagram" xmlns:o="urn:schemas-microsoft-com:office:office" xmlns:v="urn:schemas-microsoft-com:vml" xmlns:pvml="urn:schemas-microsoft-com:office:powerpoint" xmlns:com="http://schemas.openxmlformats.org/drawingml/2006/compatibility" xmlns:p14="http://schemas.microsoft.com/office/powerpoint/2010/main" xmlns:p15="http://schemas.microsoft.com/office/powerpoint/2012/main" xmlns:ahyp="http://schemas.microsoft.com/office/drawing/2018/hyperlinkcolor" showMasterPhAnim="0" showMasterSp="0">
+<p:notes xmlns:a="http://schemas.openxmlformats.org/drawingml/2006/main" xmlns:r="http://schemas.openxmlformats.org/officeDocument/2006/relationships" xmlns:p="http://schemas.openxmlformats.org/presentationml/2006/main" showMasterSp="0" showMasterPhAnim="0">
   <p:cSld>
     <p:spTree>
       <p:nvGrpSpPr>
-        <p:cNvPr id="93" name="Shape 93"/>
+        <p:cNvPr id="1" name="Shape 93"/>
         <p:cNvGrpSpPr/>
         <p:nvPr/>
       </p:nvGrpSpPr>
@@ -1468,9 +1524,11 @@
       <p:sp>
         <p:nvSpPr>
           <p:cNvPr id="94" name="Google Shape;94;gb2d2e97e27_0_67:notes"/>
-          <p:cNvSpPr/>
+          <p:cNvSpPr>
+            <a:spLocks noGrp="1" noRot="1" noChangeAspect="1"/>
+          </p:cNvSpPr>
           <p:nvPr>
-            <p:ph idx="2" type="sldImg"/>
+            <p:ph type="sldImg" idx="2"/>
           </p:nvPr>
         </p:nvSpPr>
         <p:spPr>
@@ -1479,9 +1537,13 @@
             <a:ext cx="6096000" cy="3429000"/>
           </a:xfrm>
           <a:custGeom>
-            <a:rect b="b" l="l" r="r" t="t"/>
+            <a:avLst/>
+            <a:gdLst/>
+            <a:ahLst/>
+            <a:cxnLst/>
+            <a:rect l="l" t="t" r="r" b="b"/>
             <a:pathLst>
-              <a:path extrusionOk="0" h="120000" w="120000">
+              <a:path w="120000" h="120000" extrusionOk="0">
                 <a:moveTo>
                   <a:pt x="0" y="0"/>
                 </a:moveTo>
@@ -1503,9 +1565,11 @@
       <p:sp>
         <p:nvSpPr>
           <p:cNvPr id="95" name="Google Shape;95;gb2d2e97e27_0_67:notes"/>
-          <p:cNvSpPr txBox="1"/>
+          <p:cNvSpPr txBox="1">
+            <a:spLocks noGrp="1"/>
+          </p:cNvSpPr>
           <p:nvPr>
-            <p:ph idx="1" type="body"/>
+            <p:ph type="body" idx="1"/>
           </p:nvPr>
         </p:nvSpPr>
         <p:spPr>
@@ -1518,12 +1582,12 @@
           </a:prstGeom>
         </p:spPr>
         <p:txBody>
-          <a:bodyPr anchorCtr="0" anchor="t" bIns="91425" lIns="91425" spcFirstLastPara="1" rIns="91425" wrap="square" tIns="91425">
+          <a:bodyPr spcFirstLastPara="1" wrap="square" lIns="91425" tIns="91425" rIns="91425" bIns="91425" anchor="t" anchorCtr="0">
             <a:noAutofit/>
           </a:bodyPr>
           <a:lstStyle/>
           <a:p>
-            <a:pPr indent="0" lvl="0" marL="0" rtl="0" algn="l">
+            <a:pPr marL="0" lvl="0" indent="0" algn="l" rtl="0">
               <a:spcBef>
                 <a:spcPts val="0"/>
               </a:spcBef>
@@ -1541,29 +1605,13 @@
                 <a:solidFill>
                   <a:schemeClr val="hlink"/>
                 </a:solidFill>
-                <a:hlinkClick r:id="rId2"/>
+                <a:hlinkClick r:id="rId3"/>
               </a:rPr>
               <a:t>correlation table</a:t>
             </a:r>
             <a:r>
               <a:rPr lang="en"/>
-              <a:t> show the relative frequencies with which terms appear together in the corpus. A correlation number at or near 1 suggests that the terms are very likely to occur near each other and a correlation number at or near -1 suggests that the presence of one term means the other term is not likely to appear next to it. The significance value is a measure of confidence that the correlation value is correct. A </a:t>
-            </a:r>
-            <a:r>
-              <a:rPr lang="en"/>
-              <a:t>significance</a:t>
-            </a:r>
-            <a:r>
-              <a:rPr lang="en"/>
-              <a:t> value of .5 or less suggest that the correlation value is a pattern worth noting. In the example above, the corpus size - 1 document - is too small to determine that the correlation value is significant enough to suggest an </a:t>
-            </a:r>
-            <a:r>
-              <a:rPr lang="en"/>
-              <a:t>interesting</a:t>
-            </a:r>
-            <a:r>
-              <a:rPr lang="en"/>
-              <a:t> pattern worth looking into further.</a:t>
+              <a:t> show the relative frequencies with which terms appear together in the corpus. A correlation number at or near 1 suggests that the terms are very likely to occur near each other and a correlation number at or near -1 suggests that the presence of one term means the other term is not likely to appear next to it. The significance value is a measure of confidence that the correlation value is correct. A significance value of .5 or less suggest that the correlation value is a pattern worth noting. In the example above, the corpus size - 1 document - is too small to determine that the correlation value is significant enough to suggest an interesting pattern worth looking into further.</a:t>
             </a:r>
             <a:endParaRPr/>
           </a:p>
@@ -1578,11 +1626,11 @@
 </file>
 
 <file path=ppt/notesSlides/notesSlide9.xml><?xml version="1.0" encoding="utf-8"?>
-<p:notes xmlns:a="http://schemas.openxmlformats.org/drawingml/2006/main" xmlns:r="http://schemas.openxmlformats.org/officeDocument/2006/relationships" xmlns:mc="http://schemas.openxmlformats.org/markup-compatibility/2006" xmlns:mv="urn:schemas-microsoft-com:mac:vml" xmlns:p="http://schemas.openxmlformats.org/presentationml/2006/main" xmlns:c="http://schemas.openxmlformats.org/drawingml/2006/chart" xmlns:dgm="http://schemas.openxmlformats.org/drawingml/2006/diagram" xmlns:o="urn:schemas-microsoft-com:office:office" xmlns:v="urn:schemas-microsoft-com:vml" xmlns:pvml="urn:schemas-microsoft-com:office:powerpoint" xmlns:com="http://schemas.openxmlformats.org/drawingml/2006/compatibility" xmlns:p14="http://schemas.microsoft.com/office/powerpoint/2010/main" xmlns:p15="http://schemas.microsoft.com/office/powerpoint/2012/main" xmlns:ahyp="http://schemas.microsoft.com/office/drawing/2018/hyperlinkcolor" showMasterPhAnim="0" showMasterSp="0">
+<p:notes xmlns:a="http://schemas.openxmlformats.org/drawingml/2006/main" xmlns:r="http://schemas.openxmlformats.org/officeDocument/2006/relationships" xmlns:p="http://schemas.openxmlformats.org/presentationml/2006/main" showMasterSp="0" showMasterPhAnim="0">
   <p:cSld>
     <p:spTree>
       <p:nvGrpSpPr>
-        <p:cNvPr id="99" name="Shape 99"/>
+        <p:cNvPr id="1" name="Shape 99"/>
         <p:cNvGrpSpPr/>
         <p:nvPr/>
       </p:nvGrpSpPr>
@@ -1597,9 +1645,11 @@
       <p:sp>
         <p:nvSpPr>
           <p:cNvPr id="100" name="Google Shape;100;gb2d2e97e27_0_72:notes"/>
-          <p:cNvSpPr/>
+          <p:cNvSpPr>
+            <a:spLocks noGrp="1" noRot="1" noChangeAspect="1"/>
+          </p:cNvSpPr>
           <p:nvPr>
-            <p:ph idx="2" type="sldImg"/>
+            <p:ph type="sldImg" idx="2"/>
           </p:nvPr>
         </p:nvSpPr>
         <p:spPr>
@@ -1608,9 +1658,13 @@
             <a:ext cx="6096000" cy="3429000"/>
           </a:xfrm>
           <a:custGeom>
-            <a:rect b="b" l="l" r="r" t="t"/>
+            <a:avLst/>
+            <a:gdLst/>
+            <a:ahLst/>
+            <a:cxnLst/>
+            <a:rect l="l" t="t" r="r" b="b"/>
             <a:pathLst>
-              <a:path extrusionOk="0" h="120000" w="120000">
+              <a:path w="120000" h="120000" extrusionOk="0">
                 <a:moveTo>
                   <a:pt x="0" y="0"/>
                 </a:moveTo>
@@ -1632,9 +1686,11 @@
       <p:sp>
         <p:nvSpPr>
           <p:cNvPr id="101" name="Google Shape;101;gb2d2e97e27_0_72:notes"/>
-          <p:cNvSpPr txBox="1"/>
+          <p:cNvSpPr txBox="1">
+            <a:spLocks noGrp="1"/>
+          </p:cNvSpPr>
           <p:nvPr>
-            <p:ph idx="1" type="body"/>
+            <p:ph type="body" idx="1"/>
           </p:nvPr>
         </p:nvSpPr>
         <p:spPr>
@@ -1647,12 +1703,12 @@
           </a:prstGeom>
         </p:spPr>
         <p:txBody>
-          <a:bodyPr anchorCtr="0" anchor="t" bIns="91425" lIns="91425" spcFirstLastPara="1" rIns="91425" wrap="square" tIns="91425">
+          <a:bodyPr spcFirstLastPara="1" wrap="square" lIns="91425" tIns="91425" rIns="91425" bIns="91425" anchor="t" anchorCtr="0">
             <a:noAutofit/>
           </a:bodyPr>
           <a:lstStyle/>
           <a:p>
-            <a:pPr indent="0" lvl="0" marL="0" rtl="0" algn="l">
+            <a:pPr marL="0" lvl="0" indent="0" algn="l" rtl="0">
               <a:spcBef>
                 <a:spcPts val="0"/>
               </a:spcBef>
@@ -1670,7 +1726,7 @@
                 <a:solidFill>
                   <a:schemeClr val="hlink"/>
                 </a:solidFill>
-                <a:hlinkClick r:id="rId2"/>
+                <a:hlinkClick r:id="rId3"/>
               </a:rPr>
               <a:t>scatter plot</a:t>
             </a:r>
@@ -1691,11 +1747,11 @@
 </file>
 
 <file path=ppt/slideLayouts/slideLayout1.xml><?xml version="1.0" encoding="utf-8"?>
-<p:sldLayout xmlns:a="http://schemas.openxmlformats.org/drawingml/2006/main" xmlns:r="http://schemas.openxmlformats.org/officeDocument/2006/relationships" xmlns:mc="http://schemas.openxmlformats.org/markup-compatibility/2006" xmlns:mv="urn:schemas-microsoft-com:mac:vml" xmlns:p="http://schemas.openxmlformats.org/presentationml/2006/main" xmlns:c="http://schemas.openxmlformats.org/drawingml/2006/chart" xmlns:dgm="http://schemas.openxmlformats.org/drawingml/2006/diagram" xmlns:o="urn:schemas-microsoft-com:office:office" xmlns:v="urn:schemas-microsoft-com:vml" xmlns:pvml="urn:schemas-microsoft-com:office:powerpoint" xmlns:com="http://schemas.openxmlformats.org/drawingml/2006/compatibility" xmlns:p14="http://schemas.microsoft.com/office/powerpoint/2010/main" xmlns:p15="http://schemas.microsoft.com/office/powerpoint/2012/main" xmlns:ahyp="http://schemas.microsoft.com/office/drawing/2018/hyperlinkcolor" matchingName="Title slide" type="title">
+<p:sldLayout xmlns:a="http://schemas.openxmlformats.org/drawingml/2006/main" xmlns:r="http://schemas.openxmlformats.org/officeDocument/2006/relationships" xmlns:p="http://schemas.openxmlformats.org/presentationml/2006/main" matchingName="Title slide" type="title">
   <p:cSld name="TITLE">
     <p:spTree>
       <p:nvGrpSpPr>
-        <p:cNvPr id="9" name="Shape 9"/>
+        <p:cNvPr id="1" name="Shape 9"/>
         <p:cNvGrpSpPr/>
         <p:nvPr/>
       </p:nvGrpSpPr>
@@ -1710,7 +1766,9 @@
       <p:sp>
         <p:nvSpPr>
           <p:cNvPr id="10" name="Google Shape;10;p2"/>
-          <p:cNvSpPr txBox="1"/>
+          <p:cNvSpPr txBox="1">
+            <a:spLocks noGrp="1"/>
+          </p:cNvSpPr>
           <p:nvPr>
             <p:ph type="ctrTitle"/>
           </p:nvPr>
@@ -1725,7 +1783,7 @@
           </a:prstGeom>
         </p:spPr>
         <p:txBody>
-          <a:bodyPr anchorCtr="0" anchor="b" bIns="91425" lIns="91425" spcFirstLastPara="1" rIns="91425" wrap="square" tIns="91425">
+          <a:bodyPr spcFirstLastPara="1" wrap="square" lIns="91425" tIns="91425" rIns="91425" bIns="91425" anchor="b" anchorCtr="0">
             <a:noAutofit/>
           </a:bodyPr>
           <a:lstStyle>
@@ -1829,15 +1887,19 @@
               <a:defRPr sz="5200"/>
             </a:lvl9pPr>
           </a:lstStyle>
-          <a:p/>
+          <a:p>
+            <a:endParaRPr/>
+          </a:p>
         </p:txBody>
       </p:sp>
       <p:sp>
         <p:nvSpPr>
           <p:cNvPr id="11" name="Google Shape;11;p2"/>
-          <p:cNvSpPr txBox="1"/>
+          <p:cNvSpPr txBox="1">
+            <a:spLocks noGrp="1"/>
+          </p:cNvSpPr>
           <p:nvPr>
-            <p:ph idx="1" type="subTitle"/>
+            <p:ph type="subTitle" idx="1"/>
           </p:nvPr>
         </p:nvSpPr>
         <p:spPr>
@@ -1850,7 +1912,7 @@
           </a:prstGeom>
         </p:spPr>
         <p:txBody>
-          <a:bodyPr anchorCtr="0" anchor="t" bIns="91425" lIns="91425" spcFirstLastPara="1" rIns="91425" wrap="square" tIns="91425">
+          <a:bodyPr spcFirstLastPara="1" wrap="square" lIns="91425" tIns="91425" rIns="91425" bIns="91425" anchor="t" anchorCtr="0">
             <a:noAutofit/>
           </a:bodyPr>
           <a:lstStyle>
@@ -1981,15 +2043,19 @@
               <a:defRPr sz="2800"/>
             </a:lvl9pPr>
           </a:lstStyle>
-          <a:p/>
+          <a:p>
+            <a:endParaRPr/>
+          </a:p>
         </p:txBody>
       </p:sp>
       <p:sp>
         <p:nvSpPr>
           <p:cNvPr id="12" name="Google Shape;12;p2"/>
-          <p:cNvSpPr txBox="1"/>
+          <p:cNvSpPr txBox="1">
+            <a:spLocks noGrp="1"/>
+          </p:cNvSpPr>
           <p:nvPr>
-            <p:ph idx="12" type="sldNum"/>
+            <p:ph type="sldNum" idx="12"/>
           </p:nvPr>
         </p:nvSpPr>
         <p:spPr>
@@ -2002,7 +2068,7 @@
           </a:prstGeom>
         </p:spPr>
         <p:txBody>
-          <a:bodyPr anchorCtr="0" anchor="ctr" bIns="91425" lIns="91425" spcFirstLastPara="1" rIns="91425" wrap="square" tIns="91425">
+          <a:bodyPr spcFirstLastPara="1" wrap="square" lIns="91425" tIns="91425" rIns="91425" bIns="91425" anchor="ctr" anchorCtr="0">
             <a:noAutofit/>
           </a:bodyPr>
           <a:lstStyle>
@@ -2044,7 +2110,7 @@
             </a:lvl9pPr>
           </a:lstStyle>
           <a:p>
-            <a:pPr indent="0" lvl="0" marL="0" rtl="0" algn="r">
+            <a:pPr marL="0" lvl="0" indent="0" algn="r" rtl="0">
               <a:spcBef>
                 <a:spcPts val="0"/>
               </a:spcBef>
@@ -2070,11 +2136,11 @@
 </file>
 
 <file path=ppt/slideLayouts/slideLayout10.xml><?xml version="1.0" encoding="utf-8"?>
-<p:sldLayout xmlns:a="http://schemas.openxmlformats.org/drawingml/2006/main" xmlns:r="http://schemas.openxmlformats.org/officeDocument/2006/relationships" xmlns:mc="http://schemas.openxmlformats.org/markup-compatibility/2006" xmlns:mv="urn:schemas-microsoft-com:mac:vml" xmlns:p="http://schemas.openxmlformats.org/presentationml/2006/main" xmlns:c="http://schemas.openxmlformats.org/drawingml/2006/chart" xmlns:dgm="http://schemas.openxmlformats.org/drawingml/2006/diagram" xmlns:o="urn:schemas-microsoft-com:office:office" xmlns:v="urn:schemas-microsoft-com:vml" xmlns:pvml="urn:schemas-microsoft-com:office:powerpoint" xmlns:com="http://schemas.openxmlformats.org/drawingml/2006/compatibility" xmlns:p14="http://schemas.microsoft.com/office/powerpoint/2010/main" xmlns:p15="http://schemas.microsoft.com/office/powerpoint/2012/main" xmlns:ahyp="http://schemas.microsoft.com/office/drawing/2018/hyperlinkcolor" matchingName="Big number">
+<p:sldLayout xmlns:a="http://schemas.openxmlformats.org/drawingml/2006/main" xmlns:r="http://schemas.openxmlformats.org/officeDocument/2006/relationships" xmlns:p="http://schemas.openxmlformats.org/presentationml/2006/main" matchingName="Big number">
   <p:cSld name="BIG_NUMBER">
     <p:spTree>
       <p:nvGrpSpPr>
-        <p:cNvPr id="44" name="Shape 44"/>
+        <p:cNvPr id="1" name="Shape 44"/>
         <p:cNvGrpSpPr/>
         <p:nvPr/>
       </p:nvGrpSpPr>
@@ -2089,9 +2155,11 @@
       <p:sp>
         <p:nvSpPr>
           <p:cNvPr id="45" name="Google Shape;45;p11"/>
-          <p:cNvSpPr txBox="1"/>
+          <p:cNvSpPr txBox="1">
+            <a:spLocks noGrp="1"/>
+          </p:cNvSpPr>
           <p:nvPr>
-            <p:ph hasCustomPrompt="1" type="title"/>
+            <p:ph type="title" hasCustomPrompt="1"/>
           </p:nvPr>
         </p:nvSpPr>
         <p:spPr>
@@ -2104,7 +2172,7 @@
           </a:prstGeom>
         </p:spPr>
         <p:txBody>
-          <a:bodyPr anchorCtr="0" anchor="b" bIns="91425" lIns="91425" spcFirstLastPara="1" rIns="91425" wrap="square" tIns="91425">
+          <a:bodyPr spcFirstLastPara="1" wrap="square" lIns="91425" tIns="91425" rIns="91425" bIns="91425" anchor="b" anchorCtr="0">
             <a:noAutofit/>
           </a:bodyPr>
           <a:lstStyle>
@@ -2218,9 +2286,11 @@
       <p:sp>
         <p:nvSpPr>
           <p:cNvPr id="46" name="Google Shape;46;p11"/>
-          <p:cNvSpPr txBox="1"/>
+          <p:cNvSpPr txBox="1">
+            <a:spLocks noGrp="1"/>
+          </p:cNvSpPr>
           <p:nvPr>
-            <p:ph idx="1" type="body"/>
+            <p:ph type="body" idx="1"/>
           </p:nvPr>
         </p:nvSpPr>
         <p:spPr>
@@ -2233,11 +2303,11 @@
           </a:prstGeom>
         </p:spPr>
         <p:txBody>
-          <a:bodyPr anchorCtr="0" anchor="t" bIns="91425" lIns="91425" spcFirstLastPara="1" rIns="91425" wrap="square" tIns="91425">
+          <a:bodyPr spcFirstLastPara="1" wrap="square" lIns="91425" tIns="91425" rIns="91425" bIns="91425" anchor="t" anchorCtr="0">
             <a:noAutofit/>
           </a:bodyPr>
           <a:lstStyle>
-            <a:lvl1pPr indent="-342900" lvl="0" marL="457200" algn="ctr">
+            <a:lvl1pPr marL="457200" lvl="0" indent="-342900" algn="ctr">
               <a:spcBef>
                 <a:spcPts val="0"/>
               </a:spcBef>
@@ -2248,7 +2318,7 @@
               <a:buChar char="●"/>
               <a:defRPr/>
             </a:lvl1pPr>
-            <a:lvl2pPr indent="-317500" lvl="1" marL="914400" algn="ctr">
+            <a:lvl2pPr marL="914400" lvl="1" indent="-317500" algn="ctr">
               <a:spcBef>
                 <a:spcPts val="1600"/>
               </a:spcBef>
@@ -2259,7 +2329,7 @@
               <a:buChar char="○"/>
               <a:defRPr/>
             </a:lvl2pPr>
-            <a:lvl3pPr indent="-317500" lvl="2" marL="1371600" algn="ctr">
+            <a:lvl3pPr marL="1371600" lvl="2" indent="-317500" algn="ctr">
               <a:spcBef>
                 <a:spcPts val="1600"/>
               </a:spcBef>
@@ -2270,7 +2340,7 @@
               <a:buChar char="■"/>
               <a:defRPr/>
             </a:lvl3pPr>
-            <a:lvl4pPr indent="-317500" lvl="3" marL="1828800" algn="ctr">
+            <a:lvl4pPr marL="1828800" lvl="3" indent="-317500" algn="ctr">
               <a:spcBef>
                 <a:spcPts val="1600"/>
               </a:spcBef>
@@ -2281,7 +2351,7 @@
               <a:buChar char="●"/>
               <a:defRPr/>
             </a:lvl4pPr>
-            <a:lvl5pPr indent="-317500" lvl="4" marL="2286000" algn="ctr">
+            <a:lvl5pPr marL="2286000" lvl="4" indent="-317500" algn="ctr">
               <a:spcBef>
                 <a:spcPts val="1600"/>
               </a:spcBef>
@@ -2292,7 +2362,7 @@
               <a:buChar char="○"/>
               <a:defRPr/>
             </a:lvl5pPr>
-            <a:lvl6pPr indent="-317500" lvl="5" marL="2743200" algn="ctr">
+            <a:lvl6pPr marL="2743200" lvl="5" indent="-317500" algn="ctr">
               <a:spcBef>
                 <a:spcPts val="1600"/>
               </a:spcBef>
@@ -2303,7 +2373,7 @@
               <a:buChar char="■"/>
               <a:defRPr/>
             </a:lvl6pPr>
-            <a:lvl7pPr indent="-317500" lvl="6" marL="3200400" algn="ctr">
+            <a:lvl7pPr marL="3200400" lvl="6" indent="-317500" algn="ctr">
               <a:spcBef>
                 <a:spcPts val="1600"/>
               </a:spcBef>
@@ -2314,7 +2384,7 @@
               <a:buChar char="●"/>
               <a:defRPr/>
             </a:lvl7pPr>
-            <a:lvl8pPr indent="-317500" lvl="7" marL="3657600" algn="ctr">
+            <a:lvl8pPr marL="3657600" lvl="7" indent="-317500" algn="ctr">
               <a:spcBef>
                 <a:spcPts val="1600"/>
               </a:spcBef>
@@ -2325,7 +2395,7 @@
               <a:buChar char="○"/>
               <a:defRPr/>
             </a:lvl8pPr>
-            <a:lvl9pPr indent="-317500" lvl="8" marL="4114800" algn="ctr">
+            <a:lvl9pPr marL="4114800" lvl="8" indent="-317500" algn="ctr">
               <a:spcBef>
                 <a:spcPts val="1600"/>
               </a:spcBef>
@@ -2337,15 +2407,19 @@
               <a:defRPr/>
             </a:lvl9pPr>
           </a:lstStyle>
-          <a:p/>
+          <a:p>
+            <a:endParaRPr/>
+          </a:p>
         </p:txBody>
       </p:sp>
       <p:sp>
         <p:nvSpPr>
           <p:cNvPr id="47" name="Google Shape;47;p11"/>
-          <p:cNvSpPr txBox="1"/>
+          <p:cNvSpPr txBox="1">
+            <a:spLocks noGrp="1"/>
+          </p:cNvSpPr>
           <p:nvPr>
-            <p:ph idx="12" type="sldNum"/>
+            <p:ph type="sldNum" idx="12"/>
           </p:nvPr>
         </p:nvSpPr>
         <p:spPr>
@@ -2358,7 +2432,7 @@
           </a:prstGeom>
         </p:spPr>
         <p:txBody>
-          <a:bodyPr anchorCtr="0" anchor="ctr" bIns="91425" lIns="91425" spcFirstLastPara="1" rIns="91425" wrap="square" tIns="91425">
+          <a:bodyPr spcFirstLastPara="1" wrap="square" lIns="91425" tIns="91425" rIns="91425" bIns="91425" anchor="ctr" anchorCtr="0">
             <a:noAutofit/>
           </a:bodyPr>
           <a:lstStyle>
@@ -2400,7 +2474,7 @@
             </a:lvl9pPr>
           </a:lstStyle>
           <a:p>
-            <a:pPr indent="0" lvl="0" marL="0" rtl="0" algn="r">
+            <a:pPr marL="0" lvl="0" indent="0" algn="r" rtl="0">
               <a:spcBef>
                 <a:spcPts val="0"/>
               </a:spcBef>
@@ -2426,11 +2500,11 @@
 </file>
 
 <file path=ppt/slideLayouts/slideLayout11.xml><?xml version="1.0" encoding="utf-8"?>
-<p:sldLayout xmlns:a="http://schemas.openxmlformats.org/drawingml/2006/main" xmlns:r="http://schemas.openxmlformats.org/officeDocument/2006/relationships" xmlns:mc="http://schemas.openxmlformats.org/markup-compatibility/2006" xmlns:mv="urn:schemas-microsoft-com:mac:vml" xmlns:p="http://schemas.openxmlformats.org/presentationml/2006/main" xmlns:c="http://schemas.openxmlformats.org/drawingml/2006/chart" xmlns:dgm="http://schemas.openxmlformats.org/drawingml/2006/diagram" xmlns:o="urn:schemas-microsoft-com:office:office" xmlns:v="urn:schemas-microsoft-com:vml" xmlns:pvml="urn:schemas-microsoft-com:office:powerpoint" xmlns:com="http://schemas.openxmlformats.org/drawingml/2006/compatibility" xmlns:p14="http://schemas.microsoft.com/office/powerpoint/2010/main" xmlns:p15="http://schemas.microsoft.com/office/powerpoint/2012/main" xmlns:ahyp="http://schemas.microsoft.com/office/drawing/2018/hyperlinkcolor" matchingName="Blank" type="blank">
+<p:sldLayout xmlns:a="http://schemas.openxmlformats.org/drawingml/2006/main" xmlns:r="http://schemas.openxmlformats.org/officeDocument/2006/relationships" xmlns:p="http://schemas.openxmlformats.org/presentationml/2006/main" matchingName="Blank" type="blank">
   <p:cSld name="BLANK">
     <p:spTree>
       <p:nvGrpSpPr>
-        <p:cNvPr id="48" name="Shape 48"/>
+        <p:cNvPr id="1" name="Shape 48"/>
         <p:cNvGrpSpPr/>
         <p:nvPr/>
       </p:nvGrpSpPr>
@@ -2445,9 +2519,11 @@
       <p:sp>
         <p:nvSpPr>
           <p:cNvPr id="49" name="Google Shape;49;p12"/>
-          <p:cNvSpPr txBox="1"/>
+          <p:cNvSpPr txBox="1">
+            <a:spLocks noGrp="1"/>
+          </p:cNvSpPr>
           <p:nvPr>
-            <p:ph idx="12" type="sldNum"/>
+            <p:ph type="sldNum" idx="12"/>
           </p:nvPr>
         </p:nvSpPr>
         <p:spPr>
@@ -2460,7 +2536,7 @@
           </a:prstGeom>
         </p:spPr>
         <p:txBody>
-          <a:bodyPr anchorCtr="0" anchor="ctr" bIns="91425" lIns="91425" spcFirstLastPara="1" rIns="91425" wrap="square" tIns="91425">
+          <a:bodyPr spcFirstLastPara="1" wrap="square" lIns="91425" tIns="91425" rIns="91425" bIns="91425" anchor="ctr" anchorCtr="0">
             <a:noAutofit/>
           </a:bodyPr>
           <a:lstStyle>
@@ -2502,7 +2578,7 @@
             </a:lvl9pPr>
           </a:lstStyle>
           <a:p>
-            <a:pPr indent="0" lvl="0" marL="0" rtl="0" algn="r">
+            <a:pPr marL="0" lvl="0" indent="0" algn="r" rtl="0">
               <a:spcBef>
                 <a:spcPts val="0"/>
               </a:spcBef>
@@ -2528,11 +2604,11 @@
 </file>
 
 <file path=ppt/slideLayouts/slideLayout2.xml><?xml version="1.0" encoding="utf-8"?>
-<p:sldLayout xmlns:a="http://schemas.openxmlformats.org/drawingml/2006/main" xmlns:r="http://schemas.openxmlformats.org/officeDocument/2006/relationships" xmlns:mc="http://schemas.openxmlformats.org/markup-compatibility/2006" xmlns:mv="urn:schemas-microsoft-com:mac:vml" xmlns:p="http://schemas.openxmlformats.org/presentationml/2006/main" xmlns:c="http://schemas.openxmlformats.org/drawingml/2006/chart" xmlns:dgm="http://schemas.openxmlformats.org/drawingml/2006/diagram" xmlns:o="urn:schemas-microsoft-com:office:office" xmlns:v="urn:schemas-microsoft-com:vml" xmlns:pvml="urn:schemas-microsoft-com:office:powerpoint" xmlns:com="http://schemas.openxmlformats.org/drawingml/2006/compatibility" xmlns:p14="http://schemas.microsoft.com/office/powerpoint/2010/main" xmlns:p15="http://schemas.microsoft.com/office/powerpoint/2012/main" xmlns:ahyp="http://schemas.microsoft.com/office/drawing/2018/hyperlinkcolor" matchingName="Section header" type="secHead">
+<p:sldLayout xmlns:a="http://schemas.openxmlformats.org/drawingml/2006/main" xmlns:r="http://schemas.openxmlformats.org/officeDocument/2006/relationships" xmlns:p="http://schemas.openxmlformats.org/presentationml/2006/main" matchingName="Section header" type="secHead">
   <p:cSld name="SECTION_HEADER">
     <p:spTree>
       <p:nvGrpSpPr>
-        <p:cNvPr id="13" name="Shape 13"/>
+        <p:cNvPr id="1" name="Shape 13"/>
         <p:cNvGrpSpPr/>
         <p:nvPr/>
       </p:nvGrpSpPr>
@@ -2547,7 +2623,9 @@
       <p:sp>
         <p:nvSpPr>
           <p:cNvPr id="14" name="Google Shape;14;p3"/>
-          <p:cNvSpPr txBox="1"/>
+          <p:cNvSpPr txBox="1">
+            <a:spLocks noGrp="1"/>
+          </p:cNvSpPr>
           <p:nvPr>
             <p:ph type="title"/>
           </p:nvPr>
@@ -2562,7 +2640,7 @@
           </a:prstGeom>
         </p:spPr>
         <p:txBody>
-          <a:bodyPr anchorCtr="0" anchor="ctr" bIns="91425" lIns="91425" spcFirstLastPara="1" rIns="91425" wrap="square" tIns="91425">
+          <a:bodyPr spcFirstLastPara="1" wrap="square" lIns="91425" tIns="91425" rIns="91425" bIns="91425" anchor="ctr" anchorCtr="0">
             <a:noAutofit/>
           </a:bodyPr>
           <a:lstStyle>
@@ -2666,15 +2744,19 @@
               <a:defRPr sz="3600"/>
             </a:lvl9pPr>
           </a:lstStyle>
-          <a:p/>
+          <a:p>
+            <a:endParaRPr/>
+          </a:p>
         </p:txBody>
       </p:sp>
       <p:sp>
         <p:nvSpPr>
           <p:cNvPr id="15" name="Google Shape;15;p3"/>
-          <p:cNvSpPr txBox="1"/>
+          <p:cNvSpPr txBox="1">
+            <a:spLocks noGrp="1"/>
+          </p:cNvSpPr>
           <p:nvPr>
-            <p:ph idx="12" type="sldNum"/>
+            <p:ph type="sldNum" idx="12"/>
           </p:nvPr>
         </p:nvSpPr>
         <p:spPr>
@@ -2687,7 +2769,7 @@
           </a:prstGeom>
         </p:spPr>
         <p:txBody>
-          <a:bodyPr anchorCtr="0" anchor="ctr" bIns="91425" lIns="91425" spcFirstLastPara="1" rIns="91425" wrap="square" tIns="91425">
+          <a:bodyPr spcFirstLastPara="1" wrap="square" lIns="91425" tIns="91425" rIns="91425" bIns="91425" anchor="ctr" anchorCtr="0">
             <a:noAutofit/>
           </a:bodyPr>
           <a:lstStyle>
@@ -2729,7 +2811,7 @@
             </a:lvl9pPr>
           </a:lstStyle>
           <a:p>
-            <a:pPr indent="0" lvl="0" marL="0" rtl="0" algn="r">
+            <a:pPr marL="0" lvl="0" indent="0" algn="r" rtl="0">
               <a:spcBef>
                 <a:spcPts val="0"/>
               </a:spcBef>
@@ -2755,11 +2837,11 @@
 </file>
 
 <file path=ppt/slideLayouts/slideLayout3.xml><?xml version="1.0" encoding="utf-8"?>
-<p:sldLayout xmlns:a="http://schemas.openxmlformats.org/drawingml/2006/main" xmlns:r="http://schemas.openxmlformats.org/officeDocument/2006/relationships" xmlns:mc="http://schemas.openxmlformats.org/markup-compatibility/2006" xmlns:mv="urn:schemas-microsoft-com:mac:vml" xmlns:p="http://schemas.openxmlformats.org/presentationml/2006/main" xmlns:c="http://schemas.openxmlformats.org/drawingml/2006/chart" xmlns:dgm="http://schemas.openxmlformats.org/drawingml/2006/diagram" xmlns:o="urn:schemas-microsoft-com:office:office" xmlns:v="urn:schemas-microsoft-com:vml" xmlns:pvml="urn:schemas-microsoft-com:office:powerpoint" xmlns:com="http://schemas.openxmlformats.org/drawingml/2006/compatibility" xmlns:p14="http://schemas.microsoft.com/office/powerpoint/2010/main" xmlns:p15="http://schemas.microsoft.com/office/powerpoint/2012/main" xmlns:ahyp="http://schemas.microsoft.com/office/drawing/2018/hyperlinkcolor" matchingName="Title and body" type="tx">
+<p:sldLayout xmlns:a="http://schemas.openxmlformats.org/drawingml/2006/main" xmlns:r="http://schemas.openxmlformats.org/officeDocument/2006/relationships" xmlns:p="http://schemas.openxmlformats.org/presentationml/2006/main" matchingName="Title and body" type="tx">
   <p:cSld name="TITLE_AND_BODY">
     <p:spTree>
       <p:nvGrpSpPr>
-        <p:cNvPr id="16" name="Shape 16"/>
+        <p:cNvPr id="1" name="Shape 16"/>
         <p:cNvGrpSpPr/>
         <p:nvPr/>
       </p:nvGrpSpPr>
@@ -2774,7 +2856,9 @@
       <p:sp>
         <p:nvSpPr>
           <p:cNvPr id="17" name="Google Shape;17;p4"/>
-          <p:cNvSpPr txBox="1"/>
+          <p:cNvSpPr txBox="1">
+            <a:spLocks noGrp="1"/>
+          </p:cNvSpPr>
           <p:nvPr>
             <p:ph type="title"/>
           </p:nvPr>
@@ -2789,7 +2873,7 @@
           </a:prstGeom>
         </p:spPr>
         <p:txBody>
-          <a:bodyPr anchorCtr="0" anchor="t" bIns="91425" lIns="91425" spcFirstLastPara="1" rIns="91425" wrap="square" tIns="91425">
+          <a:bodyPr spcFirstLastPara="1" wrap="square" lIns="91425" tIns="91425" rIns="91425" bIns="91425" anchor="t" anchorCtr="0">
             <a:noAutofit/>
           </a:bodyPr>
           <a:lstStyle>
@@ -2893,15 +2977,19 @@
               <a:defRPr/>
             </a:lvl9pPr>
           </a:lstStyle>
-          <a:p/>
+          <a:p>
+            <a:endParaRPr/>
+          </a:p>
         </p:txBody>
       </p:sp>
       <p:sp>
         <p:nvSpPr>
           <p:cNvPr id="18" name="Google Shape;18;p4"/>
-          <p:cNvSpPr txBox="1"/>
+          <p:cNvSpPr txBox="1">
+            <a:spLocks noGrp="1"/>
+          </p:cNvSpPr>
           <p:nvPr>
-            <p:ph idx="1" type="body"/>
+            <p:ph type="body" idx="1"/>
           </p:nvPr>
         </p:nvSpPr>
         <p:spPr>
@@ -2914,11 +3002,11 @@
           </a:prstGeom>
         </p:spPr>
         <p:txBody>
-          <a:bodyPr anchorCtr="0" anchor="t" bIns="91425" lIns="91425" spcFirstLastPara="1" rIns="91425" wrap="square" tIns="91425">
+          <a:bodyPr spcFirstLastPara="1" wrap="square" lIns="91425" tIns="91425" rIns="91425" bIns="91425" anchor="t" anchorCtr="0">
             <a:noAutofit/>
           </a:bodyPr>
           <a:lstStyle>
-            <a:lvl1pPr indent="-342900" lvl="0" marL="457200">
+            <a:lvl1pPr marL="457200" lvl="0" indent="-342900">
               <a:spcBef>
                 <a:spcPts val="0"/>
               </a:spcBef>
@@ -2929,7 +3017,7 @@
               <a:buChar char="●"/>
               <a:defRPr/>
             </a:lvl1pPr>
-            <a:lvl2pPr indent="-317500" lvl="1" marL="914400">
+            <a:lvl2pPr marL="914400" lvl="1" indent="-317500">
               <a:spcBef>
                 <a:spcPts val="1600"/>
               </a:spcBef>
@@ -2940,7 +3028,7 @@
               <a:buChar char="○"/>
               <a:defRPr/>
             </a:lvl2pPr>
-            <a:lvl3pPr indent="-317500" lvl="2" marL="1371600">
+            <a:lvl3pPr marL="1371600" lvl="2" indent="-317500">
               <a:spcBef>
                 <a:spcPts val="1600"/>
               </a:spcBef>
@@ -2951,7 +3039,7 @@
               <a:buChar char="■"/>
               <a:defRPr/>
             </a:lvl3pPr>
-            <a:lvl4pPr indent="-317500" lvl="3" marL="1828800">
+            <a:lvl4pPr marL="1828800" lvl="3" indent="-317500">
               <a:spcBef>
                 <a:spcPts val="1600"/>
               </a:spcBef>
@@ -2962,7 +3050,7 @@
               <a:buChar char="●"/>
               <a:defRPr/>
             </a:lvl4pPr>
-            <a:lvl5pPr indent="-317500" lvl="4" marL="2286000">
+            <a:lvl5pPr marL="2286000" lvl="4" indent="-317500">
               <a:spcBef>
                 <a:spcPts val="1600"/>
               </a:spcBef>
@@ -2973,7 +3061,7 @@
               <a:buChar char="○"/>
               <a:defRPr/>
             </a:lvl5pPr>
-            <a:lvl6pPr indent="-317500" lvl="5" marL="2743200">
+            <a:lvl6pPr marL="2743200" lvl="5" indent="-317500">
               <a:spcBef>
                 <a:spcPts val="1600"/>
               </a:spcBef>
@@ -2984,7 +3072,7 @@
               <a:buChar char="■"/>
               <a:defRPr/>
             </a:lvl6pPr>
-            <a:lvl7pPr indent="-317500" lvl="6" marL="3200400">
+            <a:lvl7pPr marL="3200400" lvl="6" indent="-317500">
               <a:spcBef>
                 <a:spcPts val="1600"/>
               </a:spcBef>
@@ -2995,7 +3083,7 @@
               <a:buChar char="●"/>
               <a:defRPr/>
             </a:lvl7pPr>
-            <a:lvl8pPr indent="-317500" lvl="7" marL="3657600">
+            <a:lvl8pPr marL="3657600" lvl="7" indent="-317500">
               <a:spcBef>
                 <a:spcPts val="1600"/>
               </a:spcBef>
@@ -3006,7 +3094,7 @@
               <a:buChar char="○"/>
               <a:defRPr/>
             </a:lvl8pPr>
-            <a:lvl9pPr indent="-317500" lvl="8" marL="4114800">
+            <a:lvl9pPr marL="4114800" lvl="8" indent="-317500">
               <a:spcBef>
                 <a:spcPts val="1600"/>
               </a:spcBef>
@@ -3018,15 +3106,19 @@
               <a:defRPr/>
             </a:lvl9pPr>
           </a:lstStyle>
-          <a:p/>
+          <a:p>
+            <a:endParaRPr/>
+          </a:p>
         </p:txBody>
       </p:sp>
       <p:sp>
         <p:nvSpPr>
           <p:cNvPr id="19" name="Google Shape;19;p4"/>
-          <p:cNvSpPr txBox="1"/>
+          <p:cNvSpPr txBox="1">
+            <a:spLocks noGrp="1"/>
+          </p:cNvSpPr>
           <p:nvPr>
-            <p:ph idx="12" type="sldNum"/>
+            <p:ph type="sldNum" idx="12"/>
           </p:nvPr>
         </p:nvSpPr>
         <p:spPr>
@@ -3039,7 +3131,7 @@
           </a:prstGeom>
         </p:spPr>
         <p:txBody>
-          <a:bodyPr anchorCtr="0" anchor="ctr" bIns="91425" lIns="91425" spcFirstLastPara="1" rIns="91425" wrap="square" tIns="91425">
+          <a:bodyPr spcFirstLastPara="1" wrap="square" lIns="91425" tIns="91425" rIns="91425" bIns="91425" anchor="ctr" anchorCtr="0">
             <a:noAutofit/>
           </a:bodyPr>
           <a:lstStyle>
@@ -3081,7 +3173,7 @@
             </a:lvl9pPr>
           </a:lstStyle>
           <a:p>
-            <a:pPr indent="0" lvl="0" marL="0" rtl="0" algn="r">
+            <a:pPr marL="0" lvl="0" indent="0" algn="r" rtl="0">
               <a:spcBef>
                 <a:spcPts val="0"/>
               </a:spcBef>
@@ -3107,11 +3199,11 @@
 </file>
 
 <file path=ppt/slideLayouts/slideLayout4.xml><?xml version="1.0" encoding="utf-8"?>
-<p:sldLayout xmlns:a="http://schemas.openxmlformats.org/drawingml/2006/main" xmlns:r="http://schemas.openxmlformats.org/officeDocument/2006/relationships" xmlns:mc="http://schemas.openxmlformats.org/markup-compatibility/2006" xmlns:mv="urn:schemas-microsoft-com:mac:vml" xmlns:p="http://schemas.openxmlformats.org/presentationml/2006/main" xmlns:c="http://schemas.openxmlformats.org/drawingml/2006/chart" xmlns:dgm="http://schemas.openxmlformats.org/drawingml/2006/diagram" xmlns:o="urn:schemas-microsoft-com:office:office" xmlns:v="urn:schemas-microsoft-com:vml" xmlns:pvml="urn:schemas-microsoft-com:office:powerpoint" xmlns:com="http://schemas.openxmlformats.org/drawingml/2006/compatibility" xmlns:p14="http://schemas.microsoft.com/office/powerpoint/2010/main" xmlns:p15="http://schemas.microsoft.com/office/powerpoint/2012/main" xmlns:ahyp="http://schemas.microsoft.com/office/drawing/2018/hyperlinkcolor" matchingName="Title and two columns" type="twoColTx">
+<p:sldLayout xmlns:a="http://schemas.openxmlformats.org/drawingml/2006/main" xmlns:r="http://schemas.openxmlformats.org/officeDocument/2006/relationships" xmlns:p="http://schemas.openxmlformats.org/presentationml/2006/main" matchingName="Title and two columns" type="twoColTx">
   <p:cSld name="TITLE_AND_TWO_COLUMNS">
     <p:spTree>
       <p:nvGrpSpPr>
-        <p:cNvPr id="20" name="Shape 20"/>
+        <p:cNvPr id="1" name="Shape 20"/>
         <p:cNvGrpSpPr/>
         <p:nvPr/>
       </p:nvGrpSpPr>
@@ -3126,7 +3218,9 @@
       <p:sp>
         <p:nvSpPr>
           <p:cNvPr id="21" name="Google Shape;21;p5"/>
-          <p:cNvSpPr txBox="1"/>
+          <p:cNvSpPr txBox="1">
+            <a:spLocks noGrp="1"/>
+          </p:cNvSpPr>
           <p:nvPr>
             <p:ph type="title"/>
           </p:nvPr>
@@ -3141,7 +3235,7 @@
           </a:prstGeom>
         </p:spPr>
         <p:txBody>
-          <a:bodyPr anchorCtr="0" anchor="t" bIns="91425" lIns="91425" spcFirstLastPara="1" rIns="91425" wrap="square" tIns="91425">
+          <a:bodyPr spcFirstLastPara="1" wrap="square" lIns="91425" tIns="91425" rIns="91425" bIns="91425" anchor="t" anchorCtr="0">
             <a:noAutofit/>
           </a:bodyPr>
           <a:lstStyle>
@@ -3245,15 +3339,19 @@
               <a:defRPr/>
             </a:lvl9pPr>
           </a:lstStyle>
-          <a:p/>
+          <a:p>
+            <a:endParaRPr/>
+          </a:p>
         </p:txBody>
       </p:sp>
       <p:sp>
         <p:nvSpPr>
           <p:cNvPr id="22" name="Google Shape;22;p5"/>
-          <p:cNvSpPr txBox="1"/>
+          <p:cNvSpPr txBox="1">
+            <a:spLocks noGrp="1"/>
+          </p:cNvSpPr>
           <p:nvPr>
-            <p:ph idx="1" type="body"/>
+            <p:ph type="body" idx="1"/>
           </p:nvPr>
         </p:nvSpPr>
         <p:spPr>
@@ -3266,11 +3364,11 @@
           </a:prstGeom>
         </p:spPr>
         <p:txBody>
-          <a:bodyPr anchorCtr="0" anchor="t" bIns="91425" lIns="91425" spcFirstLastPara="1" rIns="91425" wrap="square" tIns="91425">
+          <a:bodyPr spcFirstLastPara="1" wrap="square" lIns="91425" tIns="91425" rIns="91425" bIns="91425" anchor="t" anchorCtr="0">
             <a:noAutofit/>
           </a:bodyPr>
           <a:lstStyle>
-            <a:lvl1pPr indent="-317500" lvl="0" marL="457200">
+            <a:lvl1pPr marL="457200" lvl="0" indent="-317500">
               <a:spcBef>
                 <a:spcPts val="0"/>
               </a:spcBef>
@@ -3281,7 +3379,7 @@
               <a:buChar char="●"/>
               <a:defRPr sz="1400"/>
             </a:lvl1pPr>
-            <a:lvl2pPr indent="-304800" lvl="1" marL="914400">
+            <a:lvl2pPr marL="914400" lvl="1" indent="-304800">
               <a:spcBef>
                 <a:spcPts val="1600"/>
               </a:spcBef>
@@ -3292,7 +3390,7 @@
               <a:buChar char="○"/>
               <a:defRPr sz="1200"/>
             </a:lvl2pPr>
-            <a:lvl3pPr indent="-304800" lvl="2" marL="1371600">
+            <a:lvl3pPr marL="1371600" lvl="2" indent="-304800">
               <a:spcBef>
                 <a:spcPts val="1600"/>
               </a:spcBef>
@@ -3303,7 +3401,7 @@
               <a:buChar char="■"/>
               <a:defRPr sz="1200"/>
             </a:lvl3pPr>
-            <a:lvl4pPr indent="-304800" lvl="3" marL="1828800">
+            <a:lvl4pPr marL="1828800" lvl="3" indent="-304800">
               <a:spcBef>
                 <a:spcPts val="1600"/>
               </a:spcBef>
@@ -3314,7 +3412,7 @@
               <a:buChar char="●"/>
               <a:defRPr sz="1200"/>
             </a:lvl4pPr>
-            <a:lvl5pPr indent="-304800" lvl="4" marL="2286000">
+            <a:lvl5pPr marL="2286000" lvl="4" indent="-304800">
               <a:spcBef>
                 <a:spcPts val="1600"/>
               </a:spcBef>
@@ -3325,7 +3423,7 @@
               <a:buChar char="○"/>
               <a:defRPr sz="1200"/>
             </a:lvl5pPr>
-            <a:lvl6pPr indent="-304800" lvl="5" marL="2743200">
+            <a:lvl6pPr marL="2743200" lvl="5" indent="-304800">
               <a:spcBef>
                 <a:spcPts val="1600"/>
               </a:spcBef>
@@ -3336,7 +3434,7 @@
               <a:buChar char="■"/>
               <a:defRPr sz="1200"/>
             </a:lvl6pPr>
-            <a:lvl7pPr indent="-304800" lvl="6" marL="3200400">
+            <a:lvl7pPr marL="3200400" lvl="6" indent="-304800">
               <a:spcBef>
                 <a:spcPts val="1600"/>
               </a:spcBef>
@@ -3347,7 +3445,7 @@
               <a:buChar char="●"/>
               <a:defRPr sz="1200"/>
             </a:lvl7pPr>
-            <a:lvl8pPr indent="-304800" lvl="7" marL="3657600">
+            <a:lvl8pPr marL="3657600" lvl="7" indent="-304800">
               <a:spcBef>
                 <a:spcPts val="1600"/>
               </a:spcBef>
@@ -3358,7 +3456,7 @@
               <a:buChar char="○"/>
               <a:defRPr sz="1200"/>
             </a:lvl8pPr>
-            <a:lvl9pPr indent="-304800" lvl="8" marL="4114800">
+            <a:lvl9pPr marL="4114800" lvl="8" indent="-304800">
               <a:spcBef>
                 <a:spcPts val="1600"/>
               </a:spcBef>
@@ -3370,15 +3468,19 @@
               <a:defRPr sz="1200"/>
             </a:lvl9pPr>
           </a:lstStyle>
-          <a:p/>
+          <a:p>
+            <a:endParaRPr/>
+          </a:p>
         </p:txBody>
       </p:sp>
       <p:sp>
         <p:nvSpPr>
           <p:cNvPr id="23" name="Google Shape;23;p5"/>
-          <p:cNvSpPr txBox="1"/>
+          <p:cNvSpPr txBox="1">
+            <a:spLocks noGrp="1"/>
+          </p:cNvSpPr>
           <p:nvPr>
-            <p:ph idx="2" type="body"/>
+            <p:ph type="body" idx="2"/>
           </p:nvPr>
         </p:nvSpPr>
         <p:spPr>
@@ -3391,11 +3493,11 @@
           </a:prstGeom>
         </p:spPr>
         <p:txBody>
-          <a:bodyPr anchorCtr="0" anchor="t" bIns="91425" lIns="91425" spcFirstLastPara="1" rIns="91425" wrap="square" tIns="91425">
+          <a:bodyPr spcFirstLastPara="1" wrap="square" lIns="91425" tIns="91425" rIns="91425" bIns="91425" anchor="t" anchorCtr="0">
             <a:noAutofit/>
           </a:bodyPr>
           <a:lstStyle>
-            <a:lvl1pPr indent="-317500" lvl="0" marL="457200">
+            <a:lvl1pPr marL="457200" lvl="0" indent="-317500">
               <a:spcBef>
                 <a:spcPts val="0"/>
               </a:spcBef>
@@ -3406,7 +3508,7 @@
               <a:buChar char="●"/>
               <a:defRPr sz="1400"/>
             </a:lvl1pPr>
-            <a:lvl2pPr indent="-304800" lvl="1" marL="914400">
+            <a:lvl2pPr marL="914400" lvl="1" indent="-304800">
               <a:spcBef>
                 <a:spcPts val="1600"/>
               </a:spcBef>
@@ -3417,7 +3519,7 @@
               <a:buChar char="○"/>
               <a:defRPr sz="1200"/>
             </a:lvl2pPr>
-            <a:lvl3pPr indent="-304800" lvl="2" marL="1371600">
+            <a:lvl3pPr marL="1371600" lvl="2" indent="-304800">
               <a:spcBef>
                 <a:spcPts val="1600"/>
               </a:spcBef>
@@ -3428,7 +3530,7 @@
               <a:buChar char="■"/>
               <a:defRPr sz="1200"/>
             </a:lvl3pPr>
-            <a:lvl4pPr indent="-304800" lvl="3" marL="1828800">
+            <a:lvl4pPr marL="1828800" lvl="3" indent="-304800">
               <a:spcBef>
                 <a:spcPts val="1600"/>
               </a:spcBef>
@@ -3439,7 +3541,7 @@
               <a:buChar char="●"/>
               <a:defRPr sz="1200"/>
             </a:lvl4pPr>
-            <a:lvl5pPr indent="-304800" lvl="4" marL="2286000">
+            <a:lvl5pPr marL="2286000" lvl="4" indent="-304800">
               <a:spcBef>
                 <a:spcPts val="1600"/>
               </a:spcBef>
@@ -3450,7 +3552,7 @@
               <a:buChar char="○"/>
               <a:defRPr sz="1200"/>
             </a:lvl5pPr>
-            <a:lvl6pPr indent="-304800" lvl="5" marL="2743200">
+            <a:lvl6pPr marL="2743200" lvl="5" indent="-304800">
               <a:spcBef>
                 <a:spcPts val="1600"/>
               </a:spcBef>
@@ -3461,7 +3563,7 @@
               <a:buChar char="■"/>
               <a:defRPr sz="1200"/>
             </a:lvl6pPr>
-            <a:lvl7pPr indent="-304800" lvl="6" marL="3200400">
+            <a:lvl7pPr marL="3200400" lvl="6" indent="-304800">
               <a:spcBef>
                 <a:spcPts val="1600"/>
               </a:spcBef>
@@ -3472,7 +3574,7 @@
               <a:buChar char="●"/>
               <a:defRPr sz="1200"/>
             </a:lvl7pPr>
-            <a:lvl8pPr indent="-304800" lvl="7" marL="3657600">
+            <a:lvl8pPr marL="3657600" lvl="7" indent="-304800">
               <a:spcBef>
                 <a:spcPts val="1600"/>
               </a:spcBef>
@@ -3483,7 +3585,7 @@
               <a:buChar char="○"/>
               <a:defRPr sz="1200"/>
             </a:lvl8pPr>
-            <a:lvl9pPr indent="-304800" lvl="8" marL="4114800">
+            <a:lvl9pPr marL="4114800" lvl="8" indent="-304800">
               <a:spcBef>
                 <a:spcPts val="1600"/>
               </a:spcBef>
@@ -3495,15 +3597,19 @@
               <a:defRPr sz="1200"/>
             </a:lvl9pPr>
           </a:lstStyle>
-          <a:p/>
+          <a:p>
+            <a:endParaRPr/>
+          </a:p>
         </p:txBody>
       </p:sp>
       <p:sp>
         <p:nvSpPr>
           <p:cNvPr id="24" name="Google Shape;24;p5"/>
-          <p:cNvSpPr txBox="1"/>
+          <p:cNvSpPr txBox="1">
+            <a:spLocks noGrp="1"/>
+          </p:cNvSpPr>
           <p:nvPr>
-            <p:ph idx="12" type="sldNum"/>
+            <p:ph type="sldNum" idx="12"/>
           </p:nvPr>
         </p:nvSpPr>
         <p:spPr>
@@ -3516,7 +3622,7 @@
           </a:prstGeom>
         </p:spPr>
         <p:txBody>
-          <a:bodyPr anchorCtr="0" anchor="ctr" bIns="91425" lIns="91425" spcFirstLastPara="1" rIns="91425" wrap="square" tIns="91425">
+          <a:bodyPr spcFirstLastPara="1" wrap="square" lIns="91425" tIns="91425" rIns="91425" bIns="91425" anchor="ctr" anchorCtr="0">
             <a:noAutofit/>
           </a:bodyPr>
           <a:lstStyle>
@@ -3558,7 +3664,7 @@
             </a:lvl9pPr>
           </a:lstStyle>
           <a:p>
-            <a:pPr indent="0" lvl="0" marL="0" rtl="0" algn="r">
+            <a:pPr marL="0" lvl="0" indent="0" algn="r" rtl="0">
               <a:spcBef>
                 <a:spcPts val="0"/>
               </a:spcBef>
@@ -3584,11 +3690,11 @@
 </file>
 
 <file path=ppt/slideLayouts/slideLayout5.xml><?xml version="1.0" encoding="utf-8"?>
-<p:sldLayout xmlns:a="http://schemas.openxmlformats.org/drawingml/2006/main" xmlns:r="http://schemas.openxmlformats.org/officeDocument/2006/relationships" xmlns:mc="http://schemas.openxmlformats.org/markup-compatibility/2006" xmlns:mv="urn:schemas-microsoft-com:mac:vml" xmlns:p="http://schemas.openxmlformats.org/presentationml/2006/main" xmlns:c="http://schemas.openxmlformats.org/drawingml/2006/chart" xmlns:dgm="http://schemas.openxmlformats.org/drawingml/2006/diagram" xmlns:o="urn:schemas-microsoft-com:office:office" xmlns:v="urn:schemas-microsoft-com:vml" xmlns:pvml="urn:schemas-microsoft-com:office:powerpoint" xmlns:com="http://schemas.openxmlformats.org/drawingml/2006/compatibility" xmlns:p14="http://schemas.microsoft.com/office/powerpoint/2010/main" xmlns:p15="http://schemas.microsoft.com/office/powerpoint/2012/main" xmlns:ahyp="http://schemas.microsoft.com/office/drawing/2018/hyperlinkcolor" matchingName="Title only" type="titleOnly">
+<p:sldLayout xmlns:a="http://schemas.openxmlformats.org/drawingml/2006/main" xmlns:r="http://schemas.openxmlformats.org/officeDocument/2006/relationships" xmlns:p="http://schemas.openxmlformats.org/presentationml/2006/main" matchingName="Title only" type="titleOnly">
   <p:cSld name="TITLE_ONLY">
     <p:spTree>
       <p:nvGrpSpPr>
-        <p:cNvPr id="25" name="Shape 25"/>
+        <p:cNvPr id="1" name="Shape 25"/>
         <p:cNvGrpSpPr/>
         <p:nvPr/>
       </p:nvGrpSpPr>
@@ -3603,7 +3709,9 @@
       <p:sp>
         <p:nvSpPr>
           <p:cNvPr id="26" name="Google Shape;26;p6"/>
-          <p:cNvSpPr txBox="1"/>
+          <p:cNvSpPr txBox="1">
+            <a:spLocks noGrp="1"/>
+          </p:cNvSpPr>
           <p:nvPr>
             <p:ph type="title"/>
           </p:nvPr>
@@ -3618,7 +3726,7 @@
           </a:prstGeom>
         </p:spPr>
         <p:txBody>
-          <a:bodyPr anchorCtr="0" anchor="t" bIns="91425" lIns="91425" spcFirstLastPara="1" rIns="91425" wrap="square" tIns="91425">
+          <a:bodyPr spcFirstLastPara="1" wrap="square" lIns="91425" tIns="91425" rIns="91425" bIns="91425" anchor="t" anchorCtr="0">
             <a:noAutofit/>
           </a:bodyPr>
           <a:lstStyle>
@@ -3722,15 +3830,19 @@
               <a:defRPr/>
             </a:lvl9pPr>
           </a:lstStyle>
-          <a:p/>
+          <a:p>
+            <a:endParaRPr/>
+          </a:p>
         </p:txBody>
       </p:sp>
       <p:sp>
         <p:nvSpPr>
           <p:cNvPr id="27" name="Google Shape;27;p6"/>
-          <p:cNvSpPr txBox="1"/>
+          <p:cNvSpPr txBox="1">
+            <a:spLocks noGrp="1"/>
+          </p:cNvSpPr>
           <p:nvPr>
-            <p:ph idx="12" type="sldNum"/>
+            <p:ph type="sldNum" idx="12"/>
           </p:nvPr>
         </p:nvSpPr>
         <p:spPr>
@@ -3743,7 +3855,7 @@
           </a:prstGeom>
         </p:spPr>
         <p:txBody>
-          <a:bodyPr anchorCtr="0" anchor="ctr" bIns="91425" lIns="91425" spcFirstLastPara="1" rIns="91425" wrap="square" tIns="91425">
+          <a:bodyPr spcFirstLastPara="1" wrap="square" lIns="91425" tIns="91425" rIns="91425" bIns="91425" anchor="ctr" anchorCtr="0">
             <a:noAutofit/>
           </a:bodyPr>
           <a:lstStyle>
@@ -3785,7 +3897,7 @@
             </a:lvl9pPr>
           </a:lstStyle>
           <a:p>
-            <a:pPr indent="0" lvl="0" marL="0" rtl="0" algn="r">
+            <a:pPr marL="0" lvl="0" indent="0" algn="r" rtl="0">
               <a:spcBef>
                 <a:spcPts val="0"/>
               </a:spcBef>
@@ -3811,11 +3923,11 @@
 </file>
 
 <file path=ppt/slideLayouts/slideLayout6.xml><?xml version="1.0" encoding="utf-8"?>
-<p:sldLayout xmlns:a="http://schemas.openxmlformats.org/drawingml/2006/main" xmlns:r="http://schemas.openxmlformats.org/officeDocument/2006/relationships" xmlns:mc="http://schemas.openxmlformats.org/markup-compatibility/2006" xmlns:mv="urn:schemas-microsoft-com:mac:vml" xmlns:p="http://schemas.openxmlformats.org/presentationml/2006/main" xmlns:c="http://schemas.openxmlformats.org/drawingml/2006/chart" xmlns:dgm="http://schemas.openxmlformats.org/drawingml/2006/diagram" xmlns:o="urn:schemas-microsoft-com:office:office" xmlns:v="urn:schemas-microsoft-com:vml" xmlns:pvml="urn:schemas-microsoft-com:office:powerpoint" xmlns:com="http://schemas.openxmlformats.org/drawingml/2006/compatibility" xmlns:p14="http://schemas.microsoft.com/office/powerpoint/2010/main" xmlns:p15="http://schemas.microsoft.com/office/powerpoint/2012/main" xmlns:ahyp="http://schemas.microsoft.com/office/drawing/2018/hyperlinkcolor" matchingName="One column text">
+<p:sldLayout xmlns:a="http://schemas.openxmlformats.org/drawingml/2006/main" xmlns:r="http://schemas.openxmlformats.org/officeDocument/2006/relationships" xmlns:p="http://schemas.openxmlformats.org/presentationml/2006/main" matchingName="One column text">
   <p:cSld name="ONE_COLUMN_TEXT">
     <p:spTree>
       <p:nvGrpSpPr>
-        <p:cNvPr id="28" name="Shape 28"/>
+        <p:cNvPr id="1" name="Shape 28"/>
         <p:cNvGrpSpPr/>
         <p:nvPr/>
       </p:nvGrpSpPr>
@@ -3830,7 +3942,9 @@
       <p:sp>
         <p:nvSpPr>
           <p:cNvPr id="29" name="Google Shape;29;p7"/>
-          <p:cNvSpPr txBox="1"/>
+          <p:cNvSpPr txBox="1">
+            <a:spLocks noGrp="1"/>
+          </p:cNvSpPr>
           <p:nvPr>
             <p:ph type="title"/>
           </p:nvPr>
@@ -3845,7 +3959,7 @@
           </a:prstGeom>
         </p:spPr>
         <p:txBody>
-          <a:bodyPr anchorCtr="0" anchor="b" bIns="91425" lIns="91425" spcFirstLastPara="1" rIns="91425" wrap="square" tIns="91425">
+          <a:bodyPr spcFirstLastPara="1" wrap="square" lIns="91425" tIns="91425" rIns="91425" bIns="91425" anchor="b" anchorCtr="0">
             <a:noAutofit/>
           </a:bodyPr>
           <a:lstStyle>
@@ -3949,15 +4063,19 @@
               <a:defRPr sz="2400"/>
             </a:lvl9pPr>
           </a:lstStyle>
-          <a:p/>
+          <a:p>
+            <a:endParaRPr/>
+          </a:p>
         </p:txBody>
       </p:sp>
       <p:sp>
         <p:nvSpPr>
           <p:cNvPr id="30" name="Google Shape;30;p7"/>
-          <p:cNvSpPr txBox="1"/>
+          <p:cNvSpPr txBox="1">
+            <a:spLocks noGrp="1"/>
+          </p:cNvSpPr>
           <p:nvPr>
-            <p:ph idx="1" type="body"/>
+            <p:ph type="body" idx="1"/>
           </p:nvPr>
         </p:nvSpPr>
         <p:spPr>
@@ -3970,11 +4088,11 @@
           </a:prstGeom>
         </p:spPr>
         <p:txBody>
-          <a:bodyPr anchorCtr="0" anchor="t" bIns="91425" lIns="91425" spcFirstLastPara="1" rIns="91425" wrap="square" tIns="91425">
+          <a:bodyPr spcFirstLastPara="1" wrap="square" lIns="91425" tIns="91425" rIns="91425" bIns="91425" anchor="t" anchorCtr="0">
             <a:noAutofit/>
           </a:bodyPr>
           <a:lstStyle>
-            <a:lvl1pPr indent="-304800" lvl="0" marL="457200">
+            <a:lvl1pPr marL="457200" lvl="0" indent="-304800">
               <a:spcBef>
                 <a:spcPts val="0"/>
               </a:spcBef>
@@ -3985,7 +4103,7 @@
               <a:buChar char="●"/>
               <a:defRPr sz="1200"/>
             </a:lvl1pPr>
-            <a:lvl2pPr indent="-304800" lvl="1" marL="914400">
+            <a:lvl2pPr marL="914400" lvl="1" indent="-304800">
               <a:spcBef>
                 <a:spcPts val="1600"/>
               </a:spcBef>
@@ -3996,7 +4114,7 @@
               <a:buChar char="○"/>
               <a:defRPr sz="1200"/>
             </a:lvl2pPr>
-            <a:lvl3pPr indent="-304800" lvl="2" marL="1371600">
+            <a:lvl3pPr marL="1371600" lvl="2" indent="-304800">
               <a:spcBef>
                 <a:spcPts val="1600"/>
               </a:spcBef>
@@ -4007,7 +4125,7 @@
               <a:buChar char="■"/>
               <a:defRPr sz="1200"/>
             </a:lvl3pPr>
-            <a:lvl4pPr indent="-304800" lvl="3" marL="1828800">
+            <a:lvl4pPr marL="1828800" lvl="3" indent="-304800">
               <a:spcBef>
                 <a:spcPts val="1600"/>
               </a:spcBef>
@@ -4018,7 +4136,7 @@
               <a:buChar char="●"/>
               <a:defRPr sz="1200"/>
             </a:lvl4pPr>
-            <a:lvl5pPr indent="-304800" lvl="4" marL="2286000">
+            <a:lvl5pPr marL="2286000" lvl="4" indent="-304800">
               <a:spcBef>
                 <a:spcPts val="1600"/>
               </a:spcBef>
@@ -4029,7 +4147,7 @@
               <a:buChar char="○"/>
               <a:defRPr sz="1200"/>
             </a:lvl5pPr>
-            <a:lvl6pPr indent="-304800" lvl="5" marL="2743200">
+            <a:lvl6pPr marL="2743200" lvl="5" indent="-304800">
               <a:spcBef>
                 <a:spcPts val="1600"/>
               </a:spcBef>
@@ -4040,7 +4158,7 @@
               <a:buChar char="■"/>
               <a:defRPr sz="1200"/>
             </a:lvl6pPr>
-            <a:lvl7pPr indent="-304800" lvl="6" marL="3200400">
+            <a:lvl7pPr marL="3200400" lvl="6" indent="-304800">
               <a:spcBef>
                 <a:spcPts val="1600"/>
               </a:spcBef>
@@ -4051,7 +4169,7 @@
               <a:buChar char="●"/>
               <a:defRPr sz="1200"/>
             </a:lvl7pPr>
-            <a:lvl8pPr indent="-304800" lvl="7" marL="3657600">
+            <a:lvl8pPr marL="3657600" lvl="7" indent="-304800">
               <a:spcBef>
                 <a:spcPts val="1600"/>
               </a:spcBef>
@@ -4062,7 +4180,7 @@
               <a:buChar char="○"/>
               <a:defRPr sz="1200"/>
             </a:lvl8pPr>
-            <a:lvl9pPr indent="-304800" lvl="8" marL="4114800">
+            <a:lvl9pPr marL="4114800" lvl="8" indent="-304800">
               <a:spcBef>
                 <a:spcPts val="1600"/>
               </a:spcBef>
@@ -4074,15 +4192,19 @@
               <a:defRPr sz="1200"/>
             </a:lvl9pPr>
           </a:lstStyle>
-          <a:p/>
+          <a:p>
+            <a:endParaRPr/>
+          </a:p>
         </p:txBody>
       </p:sp>
       <p:sp>
         <p:nvSpPr>
           <p:cNvPr id="31" name="Google Shape;31;p7"/>
-          <p:cNvSpPr txBox="1"/>
+          <p:cNvSpPr txBox="1">
+            <a:spLocks noGrp="1"/>
+          </p:cNvSpPr>
           <p:nvPr>
-            <p:ph idx="12" type="sldNum"/>
+            <p:ph type="sldNum" idx="12"/>
           </p:nvPr>
         </p:nvSpPr>
         <p:spPr>
@@ -4095,7 +4217,7 @@
           </a:prstGeom>
         </p:spPr>
         <p:txBody>
-          <a:bodyPr anchorCtr="0" anchor="ctr" bIns="91425" lIns="91425" spcFirstLastPara="1" rIns="91425" wrap="square" tIns="91425">
+          <a:bodyPr spcFirstLastPara="1" wrap="square" lIns="91425" tIns="91425" rIns="91425" bIns="91425" anchor="ctr" anchorCtr="0">
             <a:noAutofit/>
           </a:bodyPr>
           <a:lstStyle>
@@ -4137,7 +4259,7 @@
             </a:lvl9pPr>
           </a:lstStyle>
           <a:p>
-            <a:pPr indent="0" lvl="0" marL="0" rtl="0" algn="r">
+            <a:pPr marL="0" lvl="0" indent="0" algn="r" rtl="0">
               <a:spcBef>
                 <a:spcPts val="0"/>
               </a:spcBef>
@@ -4163,11 +4285,11 @@
 </file>
 
 <file path=ppt/slideLayouts/slideLayout7.xml><?xml version="1.0" encoding="utf-8"?>
-<p:sldLayout xmlns:a="http://schemas.openxmlformats.org/drawingml/2006/main" xmlns:r="http://schemas.openxmlformats.org/officeDocument/2006/relationships" xmlns:mc="http://schemas.openxmlformats.org/markup-compatibility/2006" xmlns:mv="urn:schemas-microsoft-com:mac:vml" xmlns:p="http://schemas.openxmlformats.org/presentationml/2006/main" xmlns:c="http://schemas.openxmlformats.org/drawingml/2006/chart" xmlns:dgm="http://schemas.openxmlformats.org/drawingml/2006/diagram" xmlns:o="urn:schemas-microsoft-com:office:office" xmlns:v="urn:schemas-microsoft-com:vml" xmlns:pvml="urn:schemas-microsoft-com:office:powerpoint" xmlns:com="http://schemas.openxmlformats.org/drawingml/2006/compatibility" xmlns:p14="http://schemas.microsoft.com/office/powerpoint/2010/main" xmlns:p15="http://schemas.microsoft.com/office/powerpoint/2012/main" xmlns:ahyp="http://schemas.microsoft.com/office/drawing/2018/hyperlinkcolor" matchingName="Main point">
+<p:sldLayout xmlns:a="http://schemas.openxmlformats.org/drawingml/2006/main" xmlns:r="http://schemas.openxmlformats.org/officeDocument/2006/relationships" xmlns:p="http://schemas.openxmlformats.org/presentationml/2006/main" matchingName="Main point">
   <p:cSld name="MAIN_POINT">
     <p:spTree>
       <p:nvGrpSpPr>
-        <p:cNvPr id="32" name="Shape 32"/>
+        <p:cNvPr id="1" name="Shape 32"/>
         <p:cNvGrpSpPr/>
         <p:nvPr/>
       </p:nvGrpSpPr>
@@ -4182,7 +4304,9 @@
       <p:sp>
         <p:nvSpPr>
           <p:cNvPr id="33" name="Google Shape;33;p8"/>
-          <p:cNvSpPr txBox="1"/>
+          <p:cNvSpPr txBox="1">
+            <a:spLocks noGrp="1"/>
+          </p:cNvSpPr>
           <p:nvPr>
             <p:ph type="title"/>
           </p:nvPr>
@@ -4197,7 +4321,7 @@
           </a:prstGeom>
         </p:spPr>
         <p:txBody>
-          <a:bodyPr anchorCtr="0" anchor="ctr" bIns="91425" lIns="91425" spcFirstLastPara="1" rIns="91425" wrap="square" tIns="91425">
+          <a:bodyPr spcFirstLastPara="1" wrap="square" lIns="91425" tIns="91425" rIns="91425" bIns="91425" anchor="ctr" anchorCtr="0">
             <a:noAutofit/>
           </a:bodyPr>
           <a:lstStyle>
@@ -4301,15 +4425,19 @@
               <a:defRPr sz="4800"/>
             </a:lvl9pPr>
           </a:lstStyle>
-          <a:p/>
+          <a:p>
+            <a:endParaRPr/>
+          </a:p>
         </p:txBody>
       </p:sp>
       <p:sp>
         <p:nvSpPr>
           <p:cNvPr id="34" name="Google Shape;34;p8"/>
-          <p:cNvSpPr txBox="1"/>
+          <p:cNvSpPr txBox="1">
+            <a:spLocks noGrp="1"/>
+          </p:cNvSpPr>
           <p:nvPr>
-            <p:ph idx="12" type="sldNum"/>
+            <p:ph type="sldNum" idx="12"/>
           </p:nvPr>
         </p:nvSpPr>
         <p:spPr>
@@ -4322,7 +4450,7 @@
           </a:prstGeom>
         </p:spPr>
         <p:txBody>
-          <a:bodyPr anchorCtr="0" anchor="ctr" bIns="91425" lIns="91425" spcFirstLastPara="1" rIns="91425" wrap="square" tIns="91425">
+          <a:bodyPr spcFirstLastPara="1" wrap="square" lIns="91425" tIns="91425" rIns="91425" bIns="91425" anchor="ctr" anchorCtr="0">
             <a:noAutofit/>
           </a:bodyPr>
           <a:lstStyle>
@@ -4364,7 +4492,7 @@
             </a:lvl9pPr>
           </a:lstStyle>
           <a:p>
-            <a:pPr indent="0" lvl="0" marL="0" rtl="0" algn="r">
+            <a:pPr marL="0" lvl="0" indent="0" algn="r" rtl="0">
               <a:spcBef>
                 <a:spcPts val="0"/>
               </a:spcBef>
@@ -4390,11 +4518,11 @@
 </file>
 
 <file path=ppt/slideLayouts/slideLayout8.xml><?xml version="1.0" encoding="utf-8"?>
-<p:sldLayout xmlns:a="http://schemas.openxmlformats.org/drawingml/2006/main" xmlns:r="http://schemas.openxmlformats.org/officeDocument/2006/relationships" xmlns:mc="http://schemas.openxmlformats.org/markup-compatibility/2006" xmlns:mv="urn:schemas-microsoft-com:mac:vml" xmlns:p="http://schemas.openxmlformats.org/presentationml/2006/main" xmlns:c="http://schemas.openxmlformats.org/drawingml/2006/chart" xmlns:dgm="http://schemas.openxmlformats.org/drawingml/2006/diagram" xmlns:o="urn:schemas-microsoft-com:office:office" xmlns:v="urn:schemas-microsoft-com:vml" xmlns:pvml="urn:schemas-microsoft-com:office:powerpoint" xmlns:com="http://schemas.openxmlformats.org/drawingml/2006/compatibility" xmlns:p14="http://schemas.microsoft.com/office/powerpoint/2010/main" xmlns:p15="http://schemas.microsoft.com/office/powerpoint/2012/main" xmlns:ahyp="http://schemas.microsoft.com/office/drawing/2018/hyperlinkcolor" matchingName="Section title and description">
+<p:sldLayout xmlns:a="http://schemas.openxmlformats.org/drawingml/2006/main" xmlns:r="http://schemas.openxmlformats.org/officeDocument/2006/relationships" xmlns:p="http://schemas.openxmlformats.org/presentationml/2006/main" matchingName="Section title and description">
   <p:cSld name="SECTION_TITLE_AND_DESCRIPTION">
     <p:spTree>
       <p:nvGrpSpPr>
-        <p:cNvPr id="35" name="Shape 35"/>
+        <p:cNvPr id="1" name="Shape 35"/>
         <p:cNvGrpSpPr/>
         <p:nvPr/>
       </p:nvGrpSpPr>
@@ -4428,12 +4556,12 @@
           </a:ln>
         </p:spPr>
         <p:txBody>
-          <a:bodyPr anchorCtr="0" anchor="ctr" bIns="91425" lIns="91425" spcFirstLastPara="1" rIns="91425" wrap="square" tIns="91425">
+          <a:bodyPr spcFirstLastPara="1" wrap="square" lIns="91425" tIns="91425" rIns="91425" bIns="91425" anchor="ctr" anchorCtr="0">
             <a:noAutofit/>
           </a:bodyPr>
           <a:lstStyle/>
           <a:p>
-            <a:pPr indent="0" lvl="0" marL="0" rtl="0" algn="l">
+            <a:pPr marL="0" lvl="0" indent="0" algn="l" rtl="0">
               <a:spcBef>
                 <a:spcPts val="0"/>
               </a:spcBef>
@@ -4442,9 +4570,6 @@
               </a:spcAft>
               <a:buNone/>
             </a:pPr>
-            <a:r>
-              <a:t/>
-            </a:r>
             <a:endParaRPr/>
           </a:p>
         </p:txBody>
@@ -4452,7 +4577,9 @@
       <p:sp>
         <p:nvSpPr>
           <p:cNvPr id="37" name="Google Shape;37;p9"/>
-          <p:cNvSpPr txBox="1"/>
+          <p:cNvSpPr txBox="1">
+            <a:spLocks noGrp="1"/>
+          </p:cNvSpPr>
           <p:nvPr>
             <p:ph type="title"/>
           </p:nvPr>
@@ -4467,7 +4594,7 @@
           </a:prstGeom>
         </p:spPr>
         <p:txBody>
-          <a:bodyPr anchorCtr="0" anchor="b" bIns="91425" lIns="91425" spcFirstLastPara="1" rIns="91425" wrap="square" tIns="91425">
+          <a:bodyPr spcFirstLastPara="1" wrap="square" lIns="91425" tIns="91425" rIns="91425" bIns="91425" anchor="b" anchorCtr="0">
             <a:noAutofit/>
           </a:bodyPr>
           <a:lstStyle>
@@ -4571,15 +4698,19 @@
               <a:defRPr sz="4200"/>
             </a:lvl9pPr>
           </a:lstStyle>
-          <a:p/>
+          <a:p>
+            <a:endParaRPr/>
+          </a:p>
         </p:txBody>
       </p:sp>
       <p:sp>
         <p:nvSpPr>
           <p:cNvPr id="38" name="Google Shape;38;p9"/>
-          <p:cNvSpPr txBox="1"/>
+          <p:cNvSpPr txBox="1">
+            <a:spLocks noGrp="1"/>
+          </p:cNvSpPr>
           <p:nvPr>
-            <p:ph idx="1" type="subTitle"/>
+            <p:ph type="subTitle" idx="1"/>
           </p:nvPr>
         </p:nvSpPr>
         <p:spPr>
@@ -4592,7 +4723,7 @@
           </a:prstGeom>
         </p:spPr>
         <p:txBody>
-          <a:bodyPr anchorCtr="0" anchor="t" bIns="91425" lIns="91425" spcFirstLastPara="1" rIns="91425" wrap="square" tIns="91425">
+          <a:bodyPr spcFirstLastPara="1" wrap="square" lIns="91425" tIns="91425" rIns="91425" bIns="91425" anchor="t" anchorCtr="0">
             <a:noAutofit/>
           </a:bodyPr>
           <a:lstStyle>
@@ -4723,15 +4854,19 @@
               <a:defRPr sz="2100"/>
             </a:lvl9pPr>
           </a:lstStyle>
-          <a:p/>
+          <a:p>
+            <a:endParaRPr/>
+          </a:p>
         </p:txBody>
       </p:sp>
       <p:sp>
         <p:nvSpPr>
           <p:cNvPr id="39" name="Google Shape;39;p9"/>
-          <p:cNvSpPr txBox="1"/>
+          <p:cNvSpPr txBox="1">
+            <a:spLocks noGrp="1"/>
+          </p:cNvSpPr>
           <p:nvPr>
-            <p:ph idx="2" type="body"/>
+            <p:ph type="body" idx="2"/>
           </p:nvPr>
         </p:nvSpPr>
         <p:spPr>
@@ -4744,11 +4879,11 @@
           </a:prstGeom>
         </p:spPr>
         <p:txBody>
-          <a:bodyPr anchorCtr="0" anchor="ctr" bIns="91425" lIns="91425" spcFirstLastPara="1" rIns="91425" wrap="square" tIns="91425">
+          <a:bodyPr spcFirstLastPara="1" wrap="square" lIns="91425" tIns="91425" rIns="91425" bIns="91425" anchor="ctr" anchorCtr="0">
             <a:noAutofit/>
           </a:bodyPr>
           <a:lstStyle>
-            <a:lvl1pPr indent="-342900" lvl="0" marL="457200">
+            <a:lvl1pPr marL="457200" lvl="0" indent="-342900">
               <a:spcBef>
                 <a:spcPts val="0"/>
               </a:spcBef>
@@ -4759,7 +4894,7 @@
               <a:buChar char="●"/>
               <a:defRPr/>
             </a:lvl1pPr>
-            <a:lvl2pPr indent="-317500" lvl="1" marL="914400">
+            <a:lvl2pPr marL="914400" lvl="1" indent="-317500">
               <a:spcBef>
                 <a:spcPts val="1600"/>
               </a:spcBef>
@@ -4770,7 +4905,7 @@
               <a:buChar char="○"/>
               <a:defRPr/>
             </a:lvl2pPr>
-            <a:lvl3pPr indent="-317500" lvl="2" marL="1371600">
+            <a:lvl3pPr marL="1371600" lvl="2" indent="-317500">
               <a:spcBef>
                 <a:spcPts val="1600"/>
               </a:spcBef>
@@ -4781,7 +4916,7 @@
               <a:buChar char="■"/>
               <a:defRPr/>
             </a:lvl3pPr>
-            <a:lvl4pPr indent="-317500" lvl="3" marL="1828800">
+            <a:lvl4pPr marL="1828800" lvl="3" indent="-317500">
               <a:spcBef>
                 <a:spcPts val="1600"/>
               </a:spcBef>
@@ -4792,7 +4927,7 @@
               <a:buChar char="●"/>
               <a:defRPr/>
             </a:lvl4pPr>
-            <a:lvl5pPr indent="-317500" lvl="4" marL="2286000">
+            <a:lvl5pPr marL="2286000" lvl="4" indent="-317500">
               <a:spcBef>
                 <a:spcPts val="1600"/>
               </a:spcBef>
@@ -4803,7 +4938,7 @@
               <a:buChar char="○"/>
               <a:defRPr/>
             </a:lvl5pPr>
-            <a:lvl6pPr indent="-317500" lvl="5" marL="2743200">
+            <a:lvl6pPr marL="2743200" lvl="5" indent="-317500">
               <a:spcBef>
                 <a:spcPts val="1600"/>
               </a:spcBef>
@@ -4814,7 +4949,7 @@
               <a:buChar char="■"/>
               <a:defRPr/>
             </a:lvl6pPr>
-            <a:lvl7pPr indent="-317500" lvl="6" marL="3200400">
+            <a:lvl7pPr marL="3200400" lvl="6" indent="-317500">
               <a:spcBef>
                 <a:spcPts val="1600"/>
               </a:spcBef>
@@ -4825,7 +4960,7 @@
               <a:buChar char="●"/>
               <a:defRPr/>
             </a:lvl7pPr>
-            <a:lvl8pPr indent="-317500" lvl="7" marL="3657600">
+            <a:lvl8pPr marL="3657600" lvl="7" indent="-317500">
               <a:spcBef>
                 <a:spcPts val="1600"/>
               </a:spcBef>
@@ -4836,7 +4971,7 @@
               <a:buChar char="○"/>
               <a:defRPr/>
             </a:lvl8pPr>
-            <a:lvl9pPr indent="-317500" lvl="8" marL="4114800">
+            <a:lvl9pPr marL="4114800" lvl="8" indent="-317500">
               <a:spcBef>
                 <a:spcPts val="1600"/>
               </a:spcBef>
@@ -4848,15 +4983,19 @@
               <a:defRPr/>
             </a:lvl9pPr>
           </a:lstStyle>
-          <a:p/>
+          <a:p>
+            <a:endParaRPr/>
+          </a:p>
         </p:txBody>
       </p:sp>
       <p:sp>
         <p:nvSpPr>
           <p:cNvPr id="40" name="Google Shape;40;p9"/>
-          <p:cNvSpPr txBox="1"/>
+          <p:cNvSpPr txBox="1">
+            <a:spLocks noGrp="1"/>
+          </p:cNvSpPr>
           <p:nvPr>
-            <p:ph idx="12" type="sldNum"/>
+            <p:ph type="sldNum" idx="12"/>
           </p:nvPr>
         </p:nvSpPr>
         <p:spPr>
@@ -4869,7 +5008,7 @@
           </a:prstGeom>
         </p:spPr>
         <p:txBody>
-          <a:bodyPr anchorCtr="0" anchor="ctr" bIns="91425" lIns="91425" spcFirstLastPara="1" rIns="91425" wrap="square" tIns="91425">
+          <a:bodyPr spcFirstLastPara="1" wrap="square" lIns="91425" tIns="91425" rIns="91425" bIns="91425" anchor="ctr" anchorCtr="0">
             <a:noAutofit/>
           </a:bodyPr>
           <a:lstStyle>
@@ -4911,7 +5050,7 @@
             </a:lvl9pPr>
           </a:lstStyle>
           <a:p>
-            <a:pPr indent="0" lvl="0" marL="0" rtl="0" algn="r">
+            <a:pPr marL="0" lvl="0" indent="0" algn="r" rtl="0">
               <a:spcBef>
                 <a:spcPts val="0"/>
               </a:spcBef>
@@ -4937,11 +5076,11 @@
 </file>
 
 <file path=ppt/slideLayouts/slideLayout9.xml><?xml version="1.0" encoding="utf-8"?>
-<p:sldLayout xmlns:a="http://schemas.openxmlformats.org/drawingml/2006/main" xmlns:r="http://schemas.openxmlformats.org/officeDocument/2006/relationships" xmlns:mc="http://schemas.openxmlformats.org/markup-compatibility/2006" xmlns:mv="urn:schemas-microsoft-com:mac:vml" xmlns:p="http://schemas.openxmlformats.org/presentationml/2006/main" xmlns:c="http://schemas.openxmlformats.org/drawingml/2006/chart" xmlns:dgm="http://schemas.openxmlformats.org/drawingml/2006/diagram" xmlns:o="urn:schemas-microsoft-com:office:office" xmlns:v="urn:schemas-microsoft-com:vml" xmlns:pvml="urn:schemas-microsoft-com:office:powerpoint" xmlns:com="http://schemas.openxmlformats.org/drawingml/2006/compatibility" xmlns:p14="http://schemas.microsoft.com/office/powerpoint/2010/main" xmlns:p15="http://schemas.microsoft.com/office/powerpoint/2012/main" xmlns:ahyp="http://schemas.microsoft.com/office/drawing/2018/hyperlinkcolor" matchingName="Caption">
+<p:sldLayout xmlns:a="http://schemas.openxmlformats.org/drawingml/2006/main" xmlns:r="http://schemas.openxmlformats.org/officeDocument/2006/relationships" xmlns:p="http://schemas.openxmlformats.org/presentationml/2006/main" matchingName="Caption">
   <p:cSld name="CAPTION_ONLY">
     <p:spTree>
       <p:nvGrpSpPr>
-        <p:cNvPr id="41" name="Shape 41"/>
+        <p:cNvPr id="1" name="Shape 41"/>
         <p:cNvGrpSpPr/>
         <p:nvPr/>
       </p:nvGrpSpPr>
@@ -4956,9 +5095,11 @@
       <p:sp>
         <p:nvSpPr>
           <p:cNvPr id="42" name="Google Shape;42;p10"/>
-          <p:cNvSpPr txBox="1"/>
+          <p:cNvSpPr txBox="1">
+            <a:spLocks noGrp="1"/>
+          </p:cNvSpPr>
           <p:nvPr>
-            <p:ph idx="1" type="body"/>
+            <p:ph type="body" idx="1"/>
           </p:nvPr>
         </p:nvSpPr>
         <p:spPr>
@@ -4971,11 +5112,11 @@
           </a:prstGeom>
         </p:spPr>
         <p:txBody>
-          <a:bodyPr anchorCtr="0" anchor="ctr" bIns="91425" lIns="91425" spcFirstLastPara="1" rIns="91425" wrap="square" tIns="91425">
+          <a:bodyPr spcFirstLastPara="1" wrap="square" lIns="91425" tIns="91425" rIns="91425" bIns="91425" anchor="ctr" anchorCtr="0">
             <a:noAutofit/>
           </a:bodyPr>
           <a:lstStyle>
-            <a:lvl1pPr indent="-228600" lvl="0" marL="457200">
+            <a:lvl1pPr marL="457200" lvl="0" indent="-228600">
               <a:lnSpc>
                 <a:spcPct val="100000"/>
               </a:lnSpc>
@@ -4990,15 +5131,19 @@
               <a:defRPr/>
             </a:lvl1pPr>
           </a:lstStyle>
-          <a:p/>
+          <a:p>
+            <a:endParaRPr/>
+          </a:p>
         </p:txBody>
       </p:sp>
       <p:sp>
         <p:nvSpPr>
           <p:cNvPr id="43" name="Google Shape;43;p10"/>
-          <p:cNvSpPr txBox="1"/>
+          <p:cNvSpPr txBox="1">
+            <a:spLocks noGrp="1"/>
+          </p:cNvSpPr>
           <p:nvPr>
-            <p:ph idx="12" type="sldNum"/>
+            <p:ph type="sldNum" idx="12"/>
           </p:nvPr>
         </p:nvSpPr>
         <p:spPr>
@@ -5011,7 +5156,7 @@
           </a:prstGeom>
         </p:spPr>
         <p:txBody>
-          <a:bodyPr anchorCtr="0" anchor="ctr" bIns="91425" lIns="91425" spcFirstLastPara="1" rIns="91425" wrap="square" tIns="91425">
+          <a:bodyPr spcFirstLastPara="1" wrap="square" lIns="91425" tIns="91425" rIns="91425" bIns="91425" anchor="ctr" anchorCtr="0">
             <a:noAutofit/>
           </a:bodyPr>
           <a:lstStyle>
@@ -5053,7 +5198,7 @@
             </a:lvl9pPr>
           </a:lstStyle>
           <a:p>
-            <a:pPr indent="0" lvl="0" marL="0" rtl="0" algn="r">
+            <a:pPr marL="0" lvl="0" indent="0" algn="r" rtl="0">
               <a:spcBef>
                 <a:spcPts val="0"/>
               </a:spcBef>
@@ -5079,18 +5224,19 @@
 </file>
 
 <file path=ppt/slideMasters/slideMaster1.xml><?xml version="1.0" encoding="utf-8"?>
-<p:sldMaster xmlns:a="http://schemas.openxmlformats.org/drawingml/2006/main" xmlns:r="http://schemas.openxmlformats.org/officeDocument/2006/relationships" xmlns:mc="http://schemas.openxmlformats.org/markup-compatibility/2006" xmlns:mv="urn:schemas-microsoft-com:mac:vml" xmlns:p="http://schemas.openxmlformats.org/presentationml/2006/main" xmlns:c="http://schemas.openxmlformats.org/drawingml/2006/chart" xmlns:dgm="http://schemas.openxmlformats.org/drawingml/2006/diagram" xmlns:o="urn:schemas-microsoft-com:office:office" xmlns:v="urn:schemas-microsoft-com:vml" xmlns:pvml="urn:schemas-microsoft-com:office:powerpoint" xmlns:com="http://schemas.openxmlformats.org/drawingml/2006/compatibility" xmlns:p14="http://schemas.microsoft.com/office/powerpoint/2010/main" xmlns:p15="http://schemas.microsoft.com/office/powerpoint/2012/main" xmlns:ahyp="http://schemas.microsoft.com/office/drawing/2018/hyperlinkcolor">
+<p:sldMaster xmlns:a="http://schemas.openxmlformats.org/drawingml/2006/main" xmlns:r="http://schemas.openxmlformats.org/officeDocument/2006/relationships" xmlns:p="http://schemas.openxmlformats.org/presentationml/2006/main">
   <p:cSld name="simple-light-2">
     <p:bg>
       <p:bgPr>
         <a:solidFill>
           <a:schemeClr val="lt1"/>
         </a:solidFill>
+        <a:effectLst/>
       </p:bgPr>
     </p:bg>
     <p:spTree>
       <p:nvGrpSpPr>
-        <p:cNvPr id="5" name="Shape 5"/>
+        <p:cNvPr id="1" name="Shape 5"/>
         <p:cNvGrpSpPr/>
         <p:nvPr/>
       </p:nvGrpSpPr>
@@ -5105,7 +5251,9 @@
       <p:sp>
         <p:nvSpPr>
           <p:cNvPr id="6" name="Google Shape;6;p1"/>
-          <p:cNvSpPr txBox="1"/>
+          <p:cNvSpPr txBox="1">
+            <a:spLocks noGrp="1"/>
+          </p:cNvSpPr>
           <p:nvPr>
             <p:ph type="title"/>
           </p:nvPr>
@@ -5124,7 +5272,7 @@
           </a:ln>
         </p:spPr>
         <p:txBody>
-          <a:bodyPr anchorCtr="0" anchor="t" bIns="91425" lIns="91425" spcFirstLastPara="1" rIns="91425" wrap="square" tIns="91425">
+          <a:bodyPr spcFirstLastPara="1" wrap="square" lIns="91425" tIns="91425" rIns="91425" bIns="91425" anchor="t" anchorCtr="0">
             <a:noAutofit/>
           </a:bodyPr>
           <a:lstStyle>
@@ -5291,15 +5439,19 @@
               </a:defRPr>
             </a:lvl9pPr>
           </a:lstStyle>
-          <a:p/>
+          <a:p>
+            <a:endParaRPr/>
+          </a:p>
         </p:txBody>
       </p:sp>
       <p:sp>
         <p:nvSpPr>
           <p:cNvPr id="7" name="Google Shape;7;p1"/>
-          <p:cNvSpPr txBox="1"/>
+          <p:cNvSpPr txBox="1">
+            <a:spLocks noGrp="1"/>
+          </p:cNvSpPr>
           <p:nvPr>
-            <p:ph idx="1" type="body"/>
+            <p:ph type="body" idx="1"/>
           </p:nvPr>
         </p:nvSpPr>
         <p:spPr>
@@ -5316,11 +5468,11 @@
           </a:ln>
         </p:spPr>
         <p:txBody>
-          <a:bodyPr anchorCtr="0" anchor="t" bIns="91425" lIns="91425" spcFirstLastPara="1" rIns="91425" wrap="square" tIns="91425">
+          <a:bodyPr spcFirstLastPara="1" wrap="square" lIns="91425" tIns="91425" rIns="91425" bIns="91425" anchor="t" anchorCtr="0">
             <a:noAutofit/>
           </a:bodyPr>
           <a:lstStyle>
-            <a:lvl1pPr indent="-342900" lvl="0" marL="457200">
+            <a:lvl1pPr marL="457200" lvl="0" indent="-342900">
               <a:lnSpc>
                 <a:spcPct val="115000"/>
               </a:lnSpc>
@@ -5341,7 +5493,7 @@
                 </a:solidFill>
               </a:defRPr>
             </a:lvl1pPr>
-            <a:lvl2pPr indent="-317500" lvl="1" marL="914400">
+            <a:lvl2pPr marL="914400" lvl="1" indent="-317500">
               <a:lnSpc>
                 <a:spcPct val="115000"/>
               </a:lnSpc>
@@ -5362,7 +5514,7 @@
                 </a:solidFill>
               </a:defRPr>
             </a:lvl2pPr>
-            <a:lvl3pPr indent="-317500" lvl="2" marL="1371600">
+            <a:lvl3pPr marL="1371600" lvl="2" indent="-317500">
               <a:lnSpc>
                 <a:spcPct val="115000"/>
               </a:lnSpc>
@@ -5383,7 +5535,7 @@
                 </a:solidFill>
               </a:defRPr>
             </a:lvl3pPr>
-            <a:lvl4pPr indent="-317500" lvl="3" marL="1828800">
+            <a:lvl4pPr marL="1828800" lvl="3" indent="-317500">
               <a:lnSpc>
                 <a:spcPct val="115000"/>
               </a:lnSpc>
@@ -5404,7 +5556,7 @@
                 </a:solidFill>
               </a:defRPr>
             </a:lvl4pPr>
-            <a:lvl5pPr indent="-317500" lvl="4" marL="2286000">
+            <a:lvl5pPr marL="2286000" lvl="4" indent="-317500">
               <a:lnSpc>
                 <a:spcPct val="115000"/>
               </a:lnSpc>
@@ -5425,7 +5577,7 @@
                 </a:solidFill>
               </a:defRPr>
             </a:lvl5pPr>
-            <a:lvl6pPr indent="-317500" lvl="5" marL="2743200">
+            <a:lvl6pPr marL="2743200" lvl="5" indent="-317500">
               <a:lnSpc>
                 <a:spcPct val="115000"/>
               </a:lnSpc>
@@ -5446,7 +5598,7 @@
                 </a:solidFill>
               </a:defRPr>
             </a:lvl6pPr>
-            <a:lvl7pPr indent="-317500" lvl="6" marL="3200400">
+            <a:lvl7pPr marL="3200400" lvl="6" indent="-317500">
               <a:lnSpc>
                 <a:spcPct val="115000"/>
               </a:lnSpc>
@@ -5467,7 +5619,7 @@
                 </a:solidFill>
               </a:defRPr>
             </a:lvl7pPr>
-            <a:lvl8pPr indent="-317500" lvl="7" marL="3657600">
+            <a:lvl8pPr marL="3657600" lvl="7" indent="-317500">
               <a:lnSpc>
                 <a:spcPct val="115000"/>
               </a:lnSpc>
@@ -5488,7 +5640,7 @@
                 </a:solidFill>
               </a:defRPr>
             </a:lvl8pPr>
-            <a:lvl9pPr indent="-317500" lvl="8" marL="4114800">
+            <a:lvl9pPr marL="4114800" lvl="8" indent="-317500">
               <a:lnSpc>
                 <a:spcPct val="115000"/>
               </a:lnSpc>
@@ -5510,15 +5662,19 @@
               </a:defRPr>
             </a:lvl9pPr>
           </a:lstStyle>
-          <a:p/>
+          <a:p>
+            <a:endParaRPr/>
+          </a:p>
         </p:txBody>
       </p:sp>
       <p:sp>
         <p:nvSpPr>
           <p:cNvPr id="8" name="Google Shape;8;p1"/>
-          <p:cNvSpPr txBox="1"/>
+          <p:cNvSpPr txBox="1">
+            <a:spLocks noGrp="1"/>
+          </p:cNvSpPr>
           <p:nvPr>
-            <p:ph idx="12" type="sldNum"/>
+            <p:ph type="sldNum" idx="12"/>
           </p:nvPr>
         </p:nvSpPr>
         <p:spPr>
@@ -5535,7 +5691,7 @@
           </a:ln>
         </p:spPr>
         <p:txBody>
-          <a:bodyPr anchorCtr="0" anchor="ctr" bIns="91425" lIns="91425" spcFirstLastPara="1" rIns="91425" wrap="square" tIns="91425">
+          <a:bodyPr spcFirstLastPara="1" wrap="square" lIns="91425" tIns="91425" rIns="91425" bIns="91425" anchor="ctr" anchorCtr="0">
             <a:noAutofit/>
           </a:bodyPr>
           <a:lstStyle>
@@ -5613,7 +5769,7 @@
             </a:lvl9pPr>
           </a:lstStyle>
           <a:p>
-            <a:pPr indent="0" lvl="0" marL="0" rtl="0" algn="r">
+            <a:pPr marL="0" lvl="0" indent="0" algn="r" rtl="0">
               <a:spcBef>
                 <a:spcPts val="0"/>
               </a:spcBef>
@@ -5632,7 +5788,7 @@
       </p:sp>
     </p:spTree>
   </p:cSld>
-  <p:clrMap accent1="accent1" accent2="accent2" accent3="accent3" accent4="accent4" accent5="accent5" accent6="accent6" bg1="lt1" bg2="dk2" tx1="dk1" tx2="lt2" folHlink="folHlink" hlink="hlink"/>
+  <p:clrMap bg1="lt1" tx1="dk1" bg2="dk2" tx2="lt2" accent1="accent1" accent2="accent2" accent3="accent3" accent4="accent4" accent5="accent5" accent6="accent6" hlink="hlink" folHlink="folHlink"/>
   <p:sldLayoutIdLst>
     <p:sldLayoutId id="2147483648" r:id="rId1"/>
     <p:sldLayoutId id="2147483649" r:id="rId2"/>
@@ -5646,10 +5802,10 @@
     <p:sldLayoutId id="2147483657" r:id="rId10"/>
     <p:sldLayoutId id="2147483658" r:id="rId11"/>
   </p:sldLayoutIdLst>
-  <p:hf dt="0" ftr="0" hdr="0" sldNum="0"/>
+  <p:hf sldNum="0" hdr="0" ftr="0" dt="0"/>
   <p:txStyles>
     <p:titleStyle>
-      <a:defPPr lvl="0" marR="0" rtl="0" algn="l">
+      <a:defPPr marR="0" lvl="0" algn="l" rtl="0">
         <a:lnSpc>
           <a:spcPct val="100000"/>
         </a:lnSpc>
@@ -5660,7 +5816,7 @@
           <a:spcPts val="0"/>
         </a:spcAft>
       </a:defPPr>
-      <a:lvl1pPr lvl="0" marR="0" rtl="0" algn="l">
+      <a:lvl1pPr marR="0" lvl="0" algn="l" rtl="0">
         <a:lnSpc>
           <a:spcPct val="100000"/>
         </a:lnSpc>
@@ -5674,7 +5830,7 @@
           <a:srgbClr val="000000"/>
         </a:buClr>
         <a:buFont typeface="Arial"/>
-        <a:defRPr b="0" i="0" sz="1400" u="none" cap="none" strike="noStrike">
+        <a:defRPr sz="1400" b="0" i="0" u="none" strike="noStrike" cap="none">
           <a:solidFill>
             <a:srgbClr val="000000"/>
           </a:solidFill>
@@ -5684,7 +5840,7 @@
           <a:sym typeface="Arial"/>
         </a:defRPr>
       </a:lvl1pPr>
-      <a:lvl2pPr lvl="1" marR="0" rtl="0" algn="l">
+      <a:lvl2pPr marR="0" lvl="1" algn="l" rtl="0">
         <a:lnSpc>
           <a:spcPct val="100000"/>
         </a:lnSpc>
@@ -5698,7 +5854,7 @@
           <a:srgbClr val="000000"/>
         </a:buClr>
         <a:buFont typeface="Arial"/>
-        <a:defRPr b="0" i="0" sz="1400" u="none" cap="none" strike="noStrike">
+        <a:defRPr sz="1400" b="0" i="0" u="none" strike="noStrike" cap="none">
           <a:solidFill>
             <a:srgbClr val="000000"/>
           </a:solidFill>
@@ -5708,7 +5864,7 @@
           <a:sym typeface="Arial"/>
         </a:defRPr>
       </a:lvl2pPr>
-      <a:lvl3pPr lvl="2" marR="0" rtl="0" algn="l">
+      <a:lvl3pPr marR="0" lvl="2" algn="l" rtl="0">
         <a:lnSpc>
           <a:spcPct val="100000"/>
         </a:lnSpc>
@@ -5722,7 +5878,7 @@
           <a:srgbClr val="000000"/>
         </a:buClr>
         <a:buFont typeface="Arial"/>
-        <a:defRPr b="0" i="0" sz="1400" u="none" cap="none" strike="noStrike">
+        <a:defRPr sz="1400" b="0" i="0" u="none" strike="noStrike" cap="none">
           <a:solidFill>
             <a:srgbClr val="000000"/>
           </a:solidFill>
@@ -5732,7 +5888,7 @@
           <a:sym typeface="Arial"/>
         </a:defRPr>
       </a:lvl3pPr>
-      <a:lvl4pPr lvl="3" marR="0" rtl="0" algn="l">
+      <a:lvl4pPr marR="0" lvl="3" algn="l" rtl="0">
         <a:lnSpc>
           <a:spcPct val="100000"/>
         </a:lnSpc>
@@ -5746,7 +5902,7 @@
           <a:srgbClr val="000000"/>
         </a:buClr>
         <a:buFont typeface="Arial"/>
-        <a:defRPr b="0" i="0" sz="1400" u="none" cap="none" strike="noStrike">
+        <a:defRPr sz="1400" b="0" i="0" u="none" strike="noStrike" cap="none">
           <a:solidFill>
             <a:srgbClr val="000000"/>
           </a:solidFill>
@@ -5756,7 +5912,7 @@
           <a:sym typeface="Arial"/>
         </a:defRPr>
       </a:lvl4pPr>
-      <a:lvl5pPr lvl="4" marR="0" rtl="0" algn="l">
+      <a:lvl5pPr marR="0" lvl="4" algn="l" rtl="0">
         <a:lnSpc>
           <a:spcPct val="100000"/>
         </a:lnSpc>
@@ -5770,7 +5926,7 @@
           <a:srgbClr val="000000"/>
         </a:buClr>
         <a:buFont typeface="Arial"/>
-        <a:defRPr b="0" i="0" sz="1400" u="none" cap="none" strike="noStrike">
+        <a:defRPr sz="1400" b="0" i="0" u="none" strike="noStrike" cap="none">
           <a:solidFill>
             <a:srgbClr val="000000"/>
           </a:solidFill>
@@ -5780,7 +5936,7 @@
           <a:sym typeface="Arial"/>
         </a:defRPr>
       </a:lvl5pPr>
-      <a:lvl6pPr lvl="5" marR="0" rtl="0" algn="l">
+      <a:lvl6pPr marR="0" lvl="5" algn="l" rtl="0">
         <a:lnSpc>
           <a:spcPct val="100000"/>
         </a:lnSpc>
@@ -5794,7 +5950,7 @@
           <a:srgbClr val="000000"/>
         </a:buClr>
         <a:buFont typeface="Arial"/>
-        <a:defRPr b="0" i="0" sz="1400" u="none" cap="none" strike="noStrike">
+        <a:defRPr sz="1400" b="0" i="0" u="none" strike="noStrike" cap="none">
           <a:solidFill>
             <a:srgbClr val="000000"/>
           </a:solidFill>
@@ -5804,7 +5960,7 @@
           <a:sym typeface="Arial"/>
         </a:defRPr>
       </a:lvl6pPr>
-      <a:lvl7pPr lvl="6" marR="0" rtl="0" algn="l">
+      <a:lvl7pPr marR="0" lvl="6" algn="l" rtl="0">
         <a:lnSpc>
           <a:spcPct val="100000"/>
         </a:lnSpc>
@@ -5818,7 +5974,7 @@
           <a:srgbClr val="000000"/>
         </a:buClr>
         <a:buFont typeface="Arial"/>
-        <a:defRPr b="0" i="0" sz="1400" u="none" cap="none" strike="noStrike">
+        <a:defRPr sz="1400" b="0" i="0" u="none" strike="noStrike" cap="none">
           <a:solidFill>
             <a:srgbClr val="000000"/>
           </a:solidFill>
@@ -5828,7 +5984,7 @@
           <a:sym typeface="Arial"/>
         </a:defRPr>
       </a:lvl7pPr>
-      <a:lvl8pPr lvl="7" marR="0" rtl="0" algn="l">
+      <a:lvl8pPr marR="0" lvl="7" algn="l" rtl="0">
         <a:lnSpc>
           <a:spcPct val="100000"/>
         </a:lnSpc>
@@ -5842,7 +5998,7 @@
           <a:srgbClr val="000000"/>
         </a:buClr>
         <a:buFont typeface="Arial"/>
-        <a:defRPr b="0" i="0" sz="1400" u="none" cap="none" strike="noStrike">
+        <a:defRPr sz="1400" b="0" i="0" u="none" strike="noStrike" cap="none">
           <a:solidFill>
             <a:srgbClr val="000000"/>
           </a:solidFill>
@@ -5852,7 +6008,7 @@
           <a:sym typeface="Arial"/>
         </a:defRPr>
       </a:lvl8pPr>
-      <a:lvl9pPr lvl="8" marR="0" rtl="0" algn="l">
+      <a:lvl9pPr marR="0" lvl="8" algn="l" rtl="0">
         <a:lnSpc>
           <a:spcPct val="100000"/>
         </a:lnSpc>
@@ -5866,7 +6022,7 @@
           <a:srgbClr val="000000"/>
         </a:buClr>
         <a:buFont typeface="Arial"/>
-        <a:defRPr b="0" i="0" sz="1400" u="none" cap="none" strike="noStrike">
+        <a:defRPr sz="1400" b="0" i="0" u="none" strike="noStrike" cap="none">
           <a:solidFill>
             <a:srgbClr val="000000"/>
           </a:solidFill>
@@ -5878,7 +6034,7 @@
       </a:lvl9pPr>
     </p:titleStyle>
     <p:bodyStyle>
-      <a:defPPr lvl="0" marR="0" rtl="0" algn="l">
+      <a:defPPr marR="0" lvl="0" algn="l" rtl="0">
         <a:lnSpc>
           <a:spcPct val="100000"/>
         </a:lnSpc>
@@ -5889,7 +6045,7 @@
           <a:spcPts val="0"/>
         </a:spcAft>
       </a:defPPr>
-      <a:lvl1pPr lvl="0" marR="0" rtl="0" algn="l">
+      <a:lvl1pPr marR="0" lvl="0" algn="l" rtl="0">
         <a:lnSpc>
           <a:spcPct val="100000"/>
         </a:lnSpc>
@@ -5903,7 +6059,7 @@
           <a:srgbClr val="000000"/>
         </a:buClr>
         <a:buFont typeface="Arial"/>
-        <a:defRPr b="0" i="0" sz="1400" u="none" cap="none" strike="noStrike">
+        <a:defRPr sz="1400" b="0" i="0" u="none" strike="noStrike" cap="none">
           <a:solidFill>
             <a:srgbClr val="000000"/>
           </a:solidFill>
@@ -5913,7 +6069,7 @@
           <a:sym typeface="Arial"/>
         </a:defRPr>
       </a:lvl1pPr>
-      <a:lvl2pPr lvl="1" marR="0" rtl="0" algn="l">
+      <a:lvl2pPr marR="0" lvl="1" algn="l" rtl="0">
         <a:lnSpc>
           <a:spcPct val="100000"/>
         </a:lnSpc>
@@ -5927,7 +6083,7 @@
           <a:srgbClr val="000000"/>
         </a:buClr>
         <a:buFont typeface="Arial"/>
-        <a:defRPr b="0" i="0" sz="1400" u="none" cap="none" strike="noStrike">
+        <a:defRPr sz="1400" b="0" i="0" u="none" strike="noStrike" cap="none">
           <a:solidFill>
             <a:srgbClr val="000000"/>
           </a:solidFill>
@@ -5937,7 +6093,7 @@
           <a:sym typeface="Arial"/>
         </a:defRPr>
       </a:lvl2pPr>
-      <a:lvl3pPr lvl="2" marR="0" rtl="0" algn="l">
+      <a:lvl3pPr marR="0" lvl="2" algn="l" rtl="0">
         <a:lnSpc>
           <a:spcPct val="100000"/>
         </a:lnSpc>
@@ -5951,7 +6107,7 @@
           <a:srgbClr val="000000"/>
         </a:buClr>
         <a:buFont typeface="Arial"/>
-        <a:defRPr b="0" i="0" sz="1400" u="none" cap="none" strike="noStrike">
+        <a:defRPr sz="1400" b="0" i="0" u="none" strike="noStrike" cap="none">
           <a:solidFill>
             <a:srgbClr val="000000"/>
           </a:solidFill>
@@ -5961,7 +6117,7 @@
           <a:sym typeface="Arial"/>
         </a:defRPr>
       </a:lvl3pPr>
-      <a:lvl4pPr lvl="3" marR="0" rtl="0" algn="l">
+      <a:lvl4pPr marR="0" lvl="3" algn="l" rtl="0">
         <a:lnSpc>
           <a:spcPct val="100000"/>
         </a:lnSpc>
@@ -5975,7 +6131,7 @@
           <a:srgbClr val="000000"/>
         </a:buClr>
         <a:buFont typeface="Arial"/>
-        <a:defRPr b="0" i="0" sz="1400" u="none" cap="none" strike="noStrike">
+        <a:defRPr sz="1400" b="0" i="0" u="none" strike="noStrike" cap="none">
           <a:solidFill>
             <a:srgbClr val="000000"/>
           </a:solidFill>
@@ -5985,7 +6141,7 @@
           <a:sym typeface="Arial"/>
         </a:defRPr>
       </a:lvl4pPr>
-      <a:lvl5pPr lvl="4" marR="0" rtl="0" algn="l">
+      <a:lvl5pPr marR="0" lvl="4" algn="l" rtl="0">
         <a:lnSpc>
           <a:spcPct val="100000"/>
         </a:lnSpc>
@@ -5999,7 +6155,7 @@
           <a:srgbClr val="000000"/>
         </a:buClr>
         <a:buFont typeface="Arial"/>
-        <a:defRPr b="0" i="0" sz="1400" u="none" cap="none" strike="noStrike">
+        <a:defRPr sz="1400" b="0" i="0" u="none" strike="noStrike" cap="none">
           <a:solidFill>
             <a:srgbClr val="000000"/>
           </a:solidFill>
@@ -6009,7 +6165,7 @@
           <a:sym typeface="Arial"/>
         </a:defRPr>
       </a:lvl5pPr>
-      <a:lvl6pPr lvl="5" marR="0" rtl="0" algn="l">
+      <a:lvl6pPr marR="0" lvl="5" algn="l" rtl="0">
         <a:lnSpc>
           <a:spcPct val="100000"/>
         </a:lnSpc>
@@ -6023,7 +6179,7 @@
           <a:srgbClr val="000000"/>
         </a:buClr>
         <a:buFont typeface="Arial"/>
-        <a:defRPr b="0" i="0" sz="1400" u="none" cap="none" strike="noStrike">
+        <a:defRPr sz="1400" b="0" i="0" u="none" strike="noStrike" cap="none">
           <a:solidFill>
             <a:srgbClr val="000000"/>
           </a:solidFill>
@@ -6033,7 +6189,7 @@
           <a:sym typeface="Arial"/>
         </a:defRPr>
       </a:lvl6pPr>
-      <a:lvl7pPr lvl="6" marR="0" rtl="0" algn="l">
+      <a:lvl7pPr marR="0" lvl="6" algn="l" rtl="0">
         <a:lnSpc>
           <a:spcPct val="100000"/>
         </a:lnSpc>
@@ -6047,7 +6203,7 @@
           <a:srgbClr val="000000"/>
         </a:buClr>
         <a:buFont typeface="Arial"/>
-        <a:defRPr b="0" i="0" sz="1400" u="none" cap="none" strike="noStrike">
+        <a:defRPr sz="1400" b="0" i="0" u="none" strike="noStrike" cap="none">
           <a:solidFill>
             <a:srgbClr val="000000"/>
           </a:solidFill>
@@ -6057,7 +6213,7 @@
           <a:sym typeface="Arial"/>
         </a:defRPr>
       </a:lvl7pPr>
-      <a:lvl8pPr lvl="7" marR="0" rtl="0" algn="l">
+      <a:lvl8pPr marR="0" lvl="7" algn="l" rtl="0">
         <a:lnSpc>
           <a:spcPct val="100000"/>
         </a:lnSpc>
@@ -6071,7 +6227,7 @@
           <a:srgbClr val="000000"/>
         </a:buClr>
         <a:buFont typeface="Arial"/>
-        <a:defRPr b="0" i="0" sz="1400" u="none" cap="none" strike="noStrike">
+        <a:defRPr sz="1400" b="0" i="0" u="none" strike="noStrike" cap="none">
           <a:solidFill>
             <a:srgbClr val="000000"/>
           </a:solidFill>
@@ -6081,7 +6237,7 @@
           <a:sym typeface="Arial"/>
         </a:defRPr>
       </a:lvl8pPr>
-      <a:lvl9pPr lvl="8" marR="0" rtl="0" algn="l">
+      <a:lvl9pPr marR="0" lvl="8" algn="l" rtl="0">
         <a:lnSpc>
           <a:spcPct val="100000"/>
         </a:lnSpc>
@@ -6095,7 +6251,7 @@
           <a:srgbClr val="000000"/>
         </a:buClr>
         <a:buFont typeface="Arial"/>
-        <a:defRPr b="0" i="0" sz="1400" u="none" cap="none" strike="noStrike">
+        <a:defRPr sz="1400" b="0" i="0" u="none" strike="noStrike" cap="none">
           <a:solidFill>
             <a:srgbClr val="000000"/>
           </a:solidFill>
@@ -6107,7 +6263,7 @@
       </a:lvl9pPr>
     </p:bodyStyle>
     <p:otherStyle>
-      <a:defPPr lvl="0" marR="0" rtl="0" algn="l">
+      <a:defPPr marR="0" lvl="0" algn="l" rtl="0">
         <a:lnSpc>
           <a:spcPct val="100000"/>
         </a:lnSpc>
@@ -6118,7 +6274,7 @@
           <a:spcPts val="0"/>
         </a:spcAft>
       </a:defPPr>
-      <a:lvl1pPr lvl="0" marR="0" rtl="0" algn="l">
+      <a:lvl1pPr marR="0" lvl="0" algn="l" rtl="0">
         <a:lnSpc>
           <a:spcPct val="100000"/>
         </a:lnSpc>
@@ -6132,7 +6288,7 @@
           <a:srgbClr val="000000"/>
         </a:buClr>
         <a:buFont typeface="Arial"/>
-        <a:defRPr b="0" i="0" sz="1400" u="none" cap="none" strike="noStrike">
+        <a:defRPr sz="1400" b="0" i="0" u="none" strike="noStrike" cap="none">
           <a:solidFill>
             <a:srgbClr val="000000"/>
           </a:solidFill>
@@ -6142,7 +6298,7 @@
           <a:sym typeface="Arial"/>
         </a:defRPr>
       </a:lvl1pPr>
-      <a:lvl2pPr lvl="1" marR="0" rtl="0" algn="l">
+      <a:lvl2pPr marR="0" lvl="1" algn="l" rtl="0">
         <a:lnSpc>
           <a:spcPct val="100000"/>
         </a:lnSpc>
@@ -6156,7 +6312,7 @@
           <a:srgbClr val="000000"/>
         </a:buClr>
         <a:buFont typeface="Arial"/>
-        <a:defRPr b="0" i="0" sz="1400" u="none" cap="none" strike="noStrike">
+        <a:defRPr sz="1400" b="0" i="0" u="none" strike="noStrike" cap="none">
           <a:solidFill>
             <a:srgbClr val="000000"/>
           </a:solidFill>
@@ -6166,7 +6322,7 @@
           <a:sym typeface="Arial"/>
         </a:defRPr>
       </a:lvl2pPr>
-      <a:lvl3pPr lvl="2" marR="0" rtl="0" algn="l">
+      <a:lvl3pPr marR="0" lvl="2" algn="l" rtl="0">
         <a:lnSpc>
           <a:spcPct val="100000"/>
         </a:lnSpc>
@@ -6180,7 +6336,7 @@
           <a:srgbClr val="000000"/>
         </a:buClr>
         <a:buFont typeface="Arial"/>
-        <a:defRPr b="0" i="0" sz="1400" u="none" cap="none" strike="noStrike">
+        <a:defRPr sz="1400" b="0" i="0" u="none" strike="noStrike" cap="none">
           <a:solidFill>
             <a:srgbClr val="000000"/>
           </a:solidFill>
@@ -6190,7 +6346,7 @@
           <a:sym typeface="Arial"/>
         </a:defRPr>
       </a:lvl3pPr>
-      <a:lvl4pPr lvl="3" marR="0" rtl="0" algn="l">
+      <a:lvl4pPr marR="0" lvl="3" algn="l" rtl="0">
         <a:lnSpc>
           <a:spcPct val="100000"/>
         </a:lnSpc>
@@ -6204,7 +6360,7 @@
           <a:srgbClr val="000000"/>
         </a:buClr>
         <a:buFont typeface="Arial"/>
-        <a:defRPr b="0" i="0" sz="1400" u="none" cap="none" strike="noStrike">
+        <a:defRPr sz="1400" b="0" i="0" u="none" strike="noStrike" cap="none">
           <a:solidFill>
             <a:srgbClr val="000000"/>
           </a:solidFill>
@@ -6214,7 +6370,7 @@
           <a:sym typeface="Arial"/>
         </a:defRPr>
       </a:lvl4pPr>
-      <a:lvl5pPr lvl="4" marR="0" rtl="0" algn="l">
+      <a:lvl5pPr marR="0" lvl="4" algn="l" rtl="0">
         <a:lnSpc>
           <a:spcPct val="100000"/>
         </a:lnSpc>
@@ -6228,7 +6384,7 @@
           <a:srgbClr val="000000"/>
         </a:buClr>
         <a:buFont typeface="Arial"/>
-        <a:defRPr b="0" i="0" sz="1400" u="none" cap="none" strike="noStrike">
+        <a:defRPr sz="1400" b="0" i="0" u="none" strike="noStrike" cap="none">
           <a:solidFill>
             <a:srgbClr val="000000"/>
           </a:solidFill>
@@ -6238,7 +6394,7 @@
           <a:sym typeface="Arial"/>
         </a:defRPr>
       </a:lvl5pPr>
-      <a:lvl6pPr lvl="5" marR="0" rtl="0" algn="l">
+      <a:lvl6pPr marR="0" lvl="5" algn="l" rtl="0">
         <a:lnSpc>
           <a:spcPct val="100000"/>
         </a:lnSpc>
@@ -6252,7 +6408,7 @@
           <a:srgbClr val="000000"/>
         </a:buClr>
         <a:buFont typeface="Arial"/>
-        <a:defRPr b="0" i="0" sz="1400" u="none" cap="none" strike="noStrike">
+        <a:defRPr sz="1400" b="0" i="0" u="none" strike="noStrike" cap="none">
           <a:solidFill>
             <a:srgbClr val="000000"/>
           </a:solidFill>
@@ -6262,7 +6418,7 @@
           <a:sym typeface="Arial"/>
         </a:defRPr>
       </a:lvl6pPr>
-      <a:lvl7pPr lvl="6" marR="0" rtl="0" algn="l">
+      <a:lvl7pPr marR="0" lvl="6" algn="l" rtl="0">
         <a:lnSpc>
           <a:spcPct val="100000"/>
         </a:lnSpc>
@@ -6276,7 +6432,7 @@
           <a:srgbClr val="000000"/>
         </a:buClr>
         <a:buFont typeface="Arial"/>
-        <a:defRPr b="0" i="0" sz="1400" u="none" cap="none" strike="noStrike">
+        <a:defRPr sz="1400" b="0" i="0" u="none" strike="noStrike" cap="none">
           <a:solidFill>
             <a:srgbClr val="000000"/>
           </a:solidFill>
@@ -6286,7 +6442,7 @@
           <a:sym typeface="Arial"/>
         </a:defRPr>
       </a:lvl7pPr>
-      <a:lvl8pPr lvl="7" marR="0" rtl="0" algn="l">
+      <a:lvl8pPr marR="0" lvl="7" algn="l" rtl="0">
         <a:lnSpc>
           <a:spcPct val="100000"/>
         </a:lnSpc>
@@ -6300,7 +6456,7 @@
           <a:srgbClr val="000000"/>
         </a:buClr>
         <a:buFont typeface="Arial"/>
-        <a:defRPr b="0" i="0" sz="1400" u="none" cap="none" strike="noStrike">
+        <a:defRPr sz="1400" b="0" i="0" u="none" strike="noStrike" cap="none">
           <a:solidFill>
             <a:srgbClr val="000000"/>
           </a:solidFill>
@@ -6310,7 +6466,7 @@
           <a:sym typeface="Arial"/>
         </a:defRPr>
       </a:lvl8pPr>
-      <a:lvl9pPr lvl="8" marR="0" rtl="0" algn="l">
+      <a:lvl9pPr marR="0" lvl="8" algn="l" rtl="0">
         <a:lnSpc>
           <a:spcPct val="100000"/>
         </a:lnSpc>
@@ -6324,7 +6480,7 @@
           <a:srgbClr val="000000"/>
         </a:buClr>
         <a:buFont typeface="Arial"/>
-        <a:defRPr b="0" i="0" sz="1400" u="none" cap="none" strike="noStrike">
+        <a:defRPr sz="1400" b="0" i="0" u="none" strike="noStrike" cap="none">
           <a:solidFill>
             <a:srgbClr val="000000"/>
           </a:solidFill>
@@ -6340,11 +6496,11 @@
 </file>
 
 <file path=ppt/slides/slide1.xml><?xml version="1.0" encoding="utf-8"?>
-<p:sld xmlns:a="http://schemas.openxmlformats.org/drawingml/2006/main" xmlns:r="http://schemas.openxmlformats.org/officeDocument/2006/relationships" xmlns:mc="http://schemas.openxmlformats.org/markup-compatibility/2006" xmlns:mv="urn:schemas-microsoft-com:mac:vml" xmlns:p="http://schemas.openxmlformats.org/presentationml/2006/main" xmlns:c="http://schemas.openxmlformats.org/drawingml/2006/chart" xmlns:dgm="http://schemas.openxmlformats.org/drawingml/2006/diagram" xmlns:o="urn:schemas-microsoft-com:office:office" xmlns:v="urn:schemas-microsoft-com:vml" xmlns:pvml="urn:schemas-microsoft-com:office:powerpoint" xmlns:com="http://schemas.openxmlformats.org/drawingml/2006/compatibility" xmlns:p14="http://schemas.microsoft.com/office/powerpoint/2010/main" xmlns:p15="http://schemas.microsoft.com/office/powerpoint/2012/main" xmlns:ahyp="http://schemas.microsoft.com/office/drawing/2018/hyperlinkcolor">
+<p:sld xmlns:a="http://schemas.openxmlformats.org/drawingml/2006/main" xmlns:r="http://schemas.openxmlformats.org/officeDocument/2006/relationships" xmlns:p="http://schemas.openxmlformats.org/presentationml/2006/main">
   <p:cSld>
     <p:spTree>
       <p:nvGrpSpPr>
-        <p:cNvPr id="53" name="Shape 53"/>
+        <p:cNvPr id="1" name="Shape 53"/>
         <p:cNvGrpSpPr/>
         <p:nvPr/>
       </p:nvGrpSpPr>
@@ -6359,7 +6515,9 @@
       <p:sp>
         <p:nvSpPr>
           <p:cNvPr id="54" name="Google Shape;54;p13"/>
-          <p:cNvSpPr txBox="1"/>
+          <p:cNvSpPr txBox="1">
+            <a:spLocks noGrp="1"/>
+          </p:cNvSpPr>
           <p:nvPr>
             <p:ph type="ctrTitle"/>
           </p:nvPr>
@@ -6374,12 +6532,12 @@
           </a:prstGeom>
         </p:spPr>
         <p:txBody>
-          <a:bodyPr anchorCtr="0" anchor="b" bIns="91425" lIns="91425" spcFirstLastPara="1" rIns="91425" wrap="square" tIns="91425">
+          <a:bodyPr spcFirstLastPara="1" wrap="square" lIns="91425" tIns="91425" rIns="91425" bIns="91425" anchor="b" anchorCtr="0">
             <a:noAutofit/>
           </a:bodyPr>
           <a:lstStyle/>
           <a:p>
-            <a:pPr indent="0" lvl="0" marL="0" rtl="0" algn="ctr">
+            <a:pPr marL="0" lvl="0" indent="0" algn="ctr" rtl="0">
               <a:spcBef>
                 <a:spcPts val="0"/>
               </a:spcBef>
@@ -6399,9 +6557,11 @@
       <p:sp>
         <p:nvSpPr>
           <p:cNvPr id="55" name="Google Shape;55;p13"/>
-          <p:cNvSpPr txBox="1"/>
+          <p:cNvSpPr txBox="1">
+            <a:spLocks noGrp="1"/>
+          </p:cNvSpPr>
           <p:nvPr>
-            <p:ph idx="1" type="subTitle"/>
+            <p:ph type="subTitle" idx="1"/>
           </p:nvPr>
         </p:nvSpPr>
         <p:spPr>
@@ -6414,12 +6574,12 @@
           </a:prstGeom>
         </p:spPr>
         <p:txBody>
-          <a:bodyPr anchorCtr="0" anchor="t" bIns="91425" lIns="91425" spcFirstLastPara="1" rIns="91425" wrap="square" tIns="91425">
+          <a:bodyPr spcFirstLastPara="1" wrap="square" lIns="91425" tIns="91425" rIns="91425" bIns="91425" anchor="t" anchorCtr="0">
             <a:noAutofit/>
           </a:bodyPr>
           <a:lstStyle/>
           <a:p>
-            <a:pPr indent="0" lvl="0" marL="0" rtl="0" algn="ctr">
+            <a:pPr marL="0" lvl="0" indent="0" algn="ctr" rtl="0">
               <a:spcBef>
                 <a:spcPts val="0"/>
               </a:spcBef>
@@ -6428,9 +6588,6 @@
               </a:spcAft>
               <a:buNone/>
             </a:pPr>
-            <a:r>
-              <a:t/>
-            </a:r>
             <a:endParaRPr/>
           </a:p>
         </p:txBody>
@@ -6444,11 +6601,11 @@
 </file>
 
 <file path=ppt/slides/slide2.xml><?xml version="1.0" encoding="utf-8"?>
-<p:sld xmlns:a="http://schemas.openxmlformats.org/drawingml/2006/main" xmlns:r="http://schemas.openxmlformats.org/officeDocument/2006/relationships" xmlns:mc="http://schemas.openxmlformats.org/markup-compatibility/2006" xmlns:mv="urn:schemas-microsoft-com:mac:vml" xmlns:p="http://schemas.openxmlformats.org/presentationml/2006/main" xmlns:c="http://schemas.openxmlformats.org/drawingml/2006/chart" xmlns:dgm="http://schemas.openxmlformats.org/drawingml/2006/diagram" xmlns:o="urn:schemas-microsoft-com:office:office" xmlns:v="urn:schemas-microsoft-com:vml" xmlns:pvml="urn:schemas-microsoft-com:office:powerpoint" xmlns:com="http://schemas.openxmlformats.org/drawingml/2006/compatibility" xmlns:p14="http://schemas.microsoft.com/office/powerpoint/2010/main" xmlns:p15="http://schemas.microsoft.com/office/powerpoint/2012/main" xmlns:ahyp="http://schemas.microsoft.com/office/drawing/2018/hyperlinkcolor">
+<p:sld xmlns:a="http://schemas.openxmlformats.org/drawingml/2006/main" xmlns:r="http://schemas.openxmlformats.org/officeDocument/2006/relationships" xmlns:p="http://schemas.openxmlformats.org/presentationml/2006/main">
   <p:cSld>
     <p:spTree>
       <p:nvGrpSpPr>
-        <p:cNvPr id="59" name="Shape 59"/>
+        <p:cNvPr id="1" name="Shape 59"/>
         <p:cNvGrpSpPr/>
         <p:nvPr/>
       </p:nvGrpSpPr>
@@ -6463,7 +6620,9 @@
       <p:sp>
         <p:nvSpPr>
           <p:cNvPr id="60" name="Google Shape;60;p14"/>
-          <p:cNvSpPr txBox="1"/>
+          <p:cNvSpPr txBox="1">
+            <a:spLocks noGrp="1"/>
+          </p:cNvSpPr>
           <p:nvPr>
             <p:ph type="title"/>
           </p:nvPr>
@@ -6478,12 +6637,12 @@
           </a:prstGeom>
         </p:spPr>
         <p:txBody>
-          <a:bodyPr anchorCtr="0" anchor="t" bIns="91425" lIns="91425" spcFirstLastPara="1" rIns="91425" wrap="square" tIns="91425">
+          <a:bodyPr spcFirstLastPara="1" wrap="square" lIns="91425" tIns="91425" rIns="91425" bIns="91425" anchor="t" anchorCtr="0">
             <a:noAutofit/>
           </a:bodyPr>
           <a:lstStyle/>
           <a:p>
-            <a:pPr indent="0" lvl="0" marL="0" rtl="0" algn="l">
+            <a:pPr marL="0" lvl="0" indent="0" algn="l" rtl="0">
               <a:spcBef>
                 <a:spcPts val="0"/>
               </a:spcBef>
@@ -6503,9 +6662,11 @@
       <p:sp>
         <p:nvSpPr>
           <p:cNvPr id="61" name="Google Shape;61;p14"/>
-          <p:cNvSpPr txBox="1"/>
+          <p:cNvSpPr txBox="1">
+            <a:spLocks noGrp="1"/>
+          </p:cNvSpPr>
           <p:nvPr>
-            <p:ph idx="1" type="body"/>
+            <p:ph type="body" idx="1"/>
           </p:nvPr>
         </p:nvSpPr>
         <p:spPr>
@@ -6518,12 +6679,12 @@
           </a:prstGeom>
         </p:spPr>
         <p:txBody>
-          <a:bodyPr anchorCtr="0" anchor="t" bIns="91425" lIns="91425" spcFirstLastPara="1" rIns="91425" wrap="square" tIns="91425">
+          <a:bodyPr spcFirstLastPara="1" wrap="square" lIns="91425" tIns="91425" rIns="91425" bIns="91425" anchor="t" anchorCtr="0">
             <a:noAutofit/>
           </a:bodyPr>
           <a:lstStyle/>
           <a:p>
-            <a:pPr indent="0" lvl="0" marL="0" rtl="0" algn="l">
+            <a:pPr marL="0" lvl="0" indent="0" algn="l" rtl="0">
               <a:spcBef>
                 <a:spcPts val="0"/>
               </a:spcBef>
@@ -6539,7 +6700,7 @@
             <a:endParaRPr/>
           </a:p>
           <a:p>
-            <a:pPr indent="0" lvl="0" marL="0" rtl="0" algn="l">
+            <a:pPr marL="0" lvl="0" indent="0" algn="l" rtl="0">
               <a:spcBef>
                 <a:spcPts val="1600"/>
               </a:spcBef>
@@ -6555,7 +6716,7 @@
             <a:endParaRPr/>
           </a:p>
           <a:p>
-            <a:pPr indent="0" lvl="0" marL="0" rtl="0" algn="l">
+            <a:pPr marL="0" lvl="0" indent="0" algn="l" rtl="0">
               <a:spcBef>
                 <a:spcPts val="1600"/>
               </a:spcBef>
@@ -6590,11 +6751,11 @@
 </file>
 
 <file path=ppt/slides/slide3.xml><?xml version="1.0" encoding="utf-8"?>
-<p:sld xmlns:a="http://schemas.openxmlformats.org/drawingml/2006/main" xmlns:r="http://schemas.openxmlformats.org/officeDocument/2006/relationships" xmlns:mc="http://schemas.openxmlformats.org/markup-compatibility/2006" xmlns:mv="urn:schemas-microsoft-com:mac:vml" xmlns:p="http://schemas.openxmlformats.org/presentationml/2006/main" xmlns:c="http://schemas.openxmlformats.org/drawingml/2006/chart" xmlns:dgm="http://schemas.openxmlformats.org/drawingml/2006/diagram" xmlns:o="urn:schemas-microsoft-com:office:office" xmlns:v="urn:schemas-microsoft-com:vml" xmlns:pvml="urn:schemas-microsoft-com:office:powerpoint" xmlns:com="http://schemas.openxmlformats.org/drawingml/2006/compatibility" xmlns:p14="http://schemas.microsoft.com/office/powerpoint/2010/main" xmlns:p15="http://schemas.microsoft.com/office/powerpoint/2012/main" xmlns:ahyp="http://schemas.microsoft.com/office/drawing/2018/hyperlinkcolor">
+<p:sld xmlns:a="http://schemas.openxmlformats.org/drawingml/2006/main" xmlns:r="http://schemas.openxmlformats.org/officeDocument/2006/relationships" xmlns:p="http://schemas.openxmlformats.org/presentationml/2006/main">
   <p:cSld>
     <p:spTree>
       <p:nvGrpSpPr>
-        <p:cNvPr id="65" name="Shape 65"/>
+        <p:cNvPr id="1" name="Shape 65"/>
         <p:cNvGrpSpPr/>
         <p:nvPr/>
       </p:nvGrpSpPr>
@@ -6609,7 +6770,9 @@
       <p:sp>
         <p:nvSpPr>
           <p:cNvPr id="66" name="Google Shape;66;p15"/>
-          <p:cNvSpPr txBox="1"/>
+          <p:cNvSpPr txBox="1">
+            <a:spLocks noGrp="1"/>
+          </p:cNvSpPr>
           <p:nvPr>
             <p:ph type="title"/>
           </p:nvPr>
@@ -6624,12 +6787,12 @@
           </a:prstGeom>
         </p:spPr>
         <p:txBody>
-          <a:bodyPr anchorCtr="0" anchor="t" bIns="91425" lIns="91425" spcFirstLastPara="1" rIns="91425" wrap="square" tIns="91425">
+          <a:bodyPr spcFirstLastPara="1" wrap="square" lIns="91425" tIns="91425" rIns="91425" bIns="91425" anchor="t" anchorCtr="0">
             <a:noAutofit/>
           </a:bodyPr>
           <a:lstStyle/>
           <a:p>
-            <a:pPr indent="0" lvl="0" marL="0" rtl="0" algn="l">
+            <a:pPr marL="0" lvl="0" indent="0" algn="l" rtl="0">
               <a:spcBef>
                 <a:spcPts val="0"/>
               </a:spcBef>
@@ -6649,9 +6812,11 @@
       <p:sp>
         <p:nvSpPr>
           <p:cNvPr id="67" name="Google Shape;67;p15"/>
-          <p:cNvSpPr txBox="1"/>
+          <p:cNvSpPr txBox="1">
+            <a:spLocks noGrp="1"/>
+          </p:cNvSpPr>
           <p:nvPr>
-            <p:ph idx="1" type="body"/>
+            <p:ph type="body" idx="1"/>
           </p:nvPr>
         </p:nvSpPr>
         <p:spPr>
@@ -6664,12 +6829,12 @@
           </a:prstGeom>
         </p:spPr>
         <p:txBody>
-          <a:bodyPr anchorCtr="0" anchor="t" bIns="91425" lIns="91425" spcFirstLastPara="1" rIns="91425" wrap="square" tIns="91425">
+          <a:bodyPr spcFirstLastPara="1" wrap="square" lIns="91425" tIns="91425" rIns="91425" bIns="91425" anchor="t" anchorCtr="0">
             <a:noAutofit/>
           </a:bodyPr>
           <a:lstStyle/>
           <a:p>
-            <a:pPr indent="0" lvl="0" marL="0" rtl="0" algn="l">
+            <a:pPr marL="0" lvl="0" indent="0" algn="l" rtl="0">
               <a:spcBef>
                 <a:spcPts val="0"/>
               </a:spcBef>
@@ -6679,7 +6844,7 @@
               <a:buNone/>
             </a:pPr>
             <a:r>
-              <a:rPr b="1" lang="en"/>
+              <a:rPr lang="en" b="1"/>
               <a:t>Stopwords</a:t>
             </a:r>
             <a:r>
@@ -6689,7 +6854,7 @@
             <a:endParaRPr/>
           </a:p>
           <a:p>
-            <a:pPr indent="0" lvl="0" marL="0" rtl="0" algn="l">
+            <a:pPr marL="0" lvl="0" indent="0" algn="l" rtl="0">
               <a:spcBef>
                 <a:spcPts val="1600"/>
               </a:spcBef>
@@ -6699,21 +6864,17 @@
               <a:buNone/>
             </a:pPr>
             <a:r>
-              <a:rPr b="1" lang="en"/>
+              <a:rPr lang="en" b="1"/>
               <a:t>Wildcards</a:t>
             </a:r>
             <a:r>
               <a:rPr lang="en"/>
-              <a:t> - using the </a:t>
-            </a:r>
-            <a:r>
-              <a:rPr lang="en"/>
-              <a:t>asterisk symbol in one’s search term to get multiple variants of a word</a:t>
+              <a:t> - using the asterisk symbol in one’s search term to get multiple variants of a word</a:t>
             </a:r>
             <a:endParaRPr/>
           </a:p>
           <a:p>
-            <a:pPr indent="457200" lvl="0" marL="0" rtl="0" algn="l">
+            <a:pPr marL="0" lvl="0" indent="457200" algn="l" rtl="0">
               <a:spcBef>
                 <a:spcPts val="1600"/>
               </a:spcBef>
@@ -6723,17 +6884,13 @@
               <a:buNone/>
             </a:pPr>
             <a:r>
-              <a:rPr i="1" lang="en" sz="2000"/>
-              <a:t>call* = call, calls, called, calling</a:t>
+              <a:rPr lang="en" sz="2000" i="1"/>
+              <a:t>call* = call, calls, called, calling </a:t>
             </a:r>
-            <a:r>
-              <a:rPr i="1" lang="en" sz="2000"/>
-              <a:t> </a:t>
-            </a:r>
-            <a:endParaRPr i="1" sz="2000"/>
+            <a:endParaRPr sz="2000" i="1"/>
           </a:p>
           <a:p>
-            <a:pPr indent="0" lvl="0" marL="0" rtl="0" algn="l">
+            <a:pPr marL="0" lvl="0" indent="0" algn="l" rtl="0">
               <a:spcBef>
                 <a:spcPts val="1600"/>
               </a:spcBef>
@@ -6743,12 +6900,8 @@
               <a:buNone/>
             </a:pPr>
             <a:r>
-              <a:rPr b="1" lang="en"/>
-              <a:t>Raw/</a:t>
-            </a:r>
-            <a:r>
-              <a:rPr b="1" lang="en"/>
-              <a:t>Relative Frequency</a:t>
+              <a:rPr lang="en" b="1"/>
+              <a:t>Raw/Relative Frequency</a:t>
             </a:r>
             <a:r>
               <a:rPr lang="en"/>
@@ -6767,11 +6920,11 @@
 </file>
 
 <file path=ppt/slides/slide4.xml><?xml version="1.0" encoding="utf-8"?>
-<p:sld xmlns:a="http://schemas.openxmlformats.org/drawingml/2006/main" xmlns:r="http://schemas.openxmlformats.org/officeDocument/2006/relationships" xmlns:mc="http://schemas.openxmlformats.org/markup-compatibility/2006" xmlns:mv="urn:schemas-microsoft-com:mac:vml" xmlns:p="http://schemas.openxmlformats.org/presentationml/2006/main" xmlns:c="http://schemas.openxmlformats.org/drawingml/2006/chart" xmlns:dgm="http://schemas.openxmlformats.org/drawingml/2006/diagram" xmlns:o="urn:schemas-microsoft-com:office:office" xmlns:v="urn:schemas-microsoft-com:vml" xmlns:pvml="urn:schemas-microsoft-com:office:powerpoint" xmlns:com="http://schemas.openxmlformats.org/drawingml/2006/compatibility" xmlns:p14="http://schemas.microsoft.com/office/powerpoint/2010/main" xmlns:p15="http://schemas.microsoft.com/office/powerpoint/2012/main" xmlns:ahyp="http://schemas.microsoft.com/office/drawing/2018/hyperlinkcolor">
+<p:sld xmlns:a="http://schemas.openxmlformats.org/drawingml/2006/main" xmlns:r="http://schemas.openxmlformats.org/officeDocument/2006/relationships" xmlns:p="http://schemas.openxmlformats.org/presentationml/2006/main">
   <p:cSld>
     <p:spTree>
       <p:nvGrpSpPr>
-        <p:cNvPr id="71" name="Shape 71"/>
+        <p:cNvPr id="1" name="Shape 71"/>
         <p:cNvGrpSpPr/>
         <p:nvPr/>
       </p:nvGrpSpPr>
@@ -6786,7 +6939,9 @@
       <p:sp>
         <p:nvSpPr>
           <p:cNvPr id="72" name="Google Shape;72;p16"/>
-          <p:cNvSpPr txBox="1"/>
+          <p:cNvSpPr txBox="1">
+            <a:spLocks noGrp="1"/>
+          </p:cNvSpPr>
           <p:nvPr>
             <p:ph type="title"/>
           </p:nvPr>
@@ -6801,12 +6956,12 @@
           </a:prstGeom>
         </p:spPr>
         <p:txBody>
-          <a:bodyPr anchorCtr="0" anchor="t" bIns="91425" lIns="91425" spcFirstLastPara="1" rIns="91425" wrap="square" tIns="91425">
+          <a:bodyPr spcFirstLastPara="1" wrap="square" lIns="91425" tIns="91425" rIns="91425" bIns="91425" anchor="t" anchorCtr="0">
             <a:noAutofit/>
           </a:bodyPr>
           <a:lstStyle/>
           <a:p>
-            <a:pPr indent="0" lvl="0" marL="0" rtl="0" algn="l">
+            <a:pPr marL="0" lvl="0" indent="0" algn="l" rtl="0">
               <a:spcBef>
                 <a:spcPts val="0"/>
               </a:spcBef>
@@ -6826,9 +6981,11 @@
       <p:sp>
         <p:nvSpPr>
           <p:cNvPr id="73" name="Google Shape;73;p16"/>
-          <p:cNvSpPr txBox="1"/>
+          <p:cNvSpPr txBox="1">
+            <a:spLocks noGrp="1"/>
+          </p:cNvSpPr>
           <p:nvPr>
-            <p:ph idx="1" type="body"/>
+            <p:ph type="body" idx="1"/>
           </p:nvPr>
         </p:nvSpPr>
         <p:spPr>
@@ -6841,12 +6998,12 @@
           </a:prstGeom>
         </p:spPr>
         <p:txBody>
-          <a:bodyPr anchorCtr="0" anchor="t" bIns="91425" lIns="91425" spcFirstLastPara="1" rIns="91425" wrap="square" tIns="91425">
+          <a:bodyPr spcFirstLastPara="1" wrap="square" lIns="91425" tIns="91425" rIns="91425" bIns="91425" anchor="t" anchorCtr="0">
             <a:noAutofit/>
           </a:bodyPr>
           <a:lstStyle/>
           <a:p>
-            <a:pPr indent="0" lvl="0" marL="0" rtl="0" algn="l">
+            <a:pPr marL="0" lvl="0" indent="0" algn="l" rtl="0">
               <a:spcBef>
                 <a:spcPts val="0"/>
               </a:spcBef>
@@ -6861,7 +7018,7 @@
               <a:buNone/>
             </a:pPr>
             <a:r>
-              <a:rPr b="1" lang="en"/>
+              <a:rPr lang="en" b="1"/>
               <a:t>Density</a:t>
             </a:r>
             <a:r>
@@ -6871,7 +7028,7 @@
             <a:endParaRPr/>
           </a:p>
           <a:p>
-            <a:pPr indent="0" lvl="0" marL="0" rtl="0" algn="l">
+            <a:pPr marL="0" lvl="0" indent="0" algn="l" rtl="0">
               <a:spcBef>
                 <a:spcPts val="1600"/>
               </a:spcBef>
@@ -6886,7 +7043,7 @@
               <a:buNone/>
             </a:pPr>
             <a:r>
-              <a:rPr b="1" lang="en"/>
+              <a:rPr lang="en" b="1"/>
               <a:t>Correlation</a:t>
             </a:r>
             <a:r>
@@ -6896,7 +7053,7 @@
             <a:endParaRPr/>
           </a:p>
           <a:p>
-            <a:pPr indent="0" lvl="0" marL="0" rtl="0" algn="l">
+            <a:pPr marL="0" lvl="0" indent="0" algn="l" rtl="0">
               <a:spcBef>
                 <a:spcPts val="1600"/>
               </a:spcBef>
@@ -6905,9 +7062,6 @@
               </a:spcAft>
               <a:buNone/>
             </a:pPr>
-            <a:r>
-              <a:t/>
-            </a:r>
             <a:endParaRPr b="1"/>
           </a:p>
         </p:txBody>
@@ -6921,11 +7075,11 @@
 </file>
 
 <file path=ppt/slides/slide5.xml><?xml version="1.0" encoding="utf-8"?>
-<p:sld xmlns:a="http://schemas.openxmlformats.org/drawingml/2006/main" xmlns:r="http://schemas.openxmlformats.org/officeDocument/2006/relationships" xmlns:mc="http://schemas.openxmlformats.org/markup-compatibility/2006" xmlns:mv="urn:schemas-microsoft-com:mac:vml" xmlns:p="http://schemas.openxmlformats.org/presentationml/2006/main" xmlns:c="http://schemas.openxmlformats.org/drawingml/2006/chart" xmlns:dgm="http://schemas.openxmlformats.org/drawingml/2006/diagram" xmlns:o="urn:schemas-microsoft-com:office:office" xmlns:v="urn:schemas-microsoft-com:vml" xmlns:pvml="urn:schemas-microsoft-com:office:powerpoint" xmlns:com="http://schemas.openxmlformats.org/drawingml/2006/compatibility" xmlns:p14="http://schemas.microsoft.com/office/powerpoint/2010/main" xmlns:p15="http://schemas.microsoft.com/office/powerpoint/2012/main" xmlns:ahyp="http://schemas.microsoft.com/office/drawing/2018/hyperlinkcolor">
+<p:sld xmlns:a="http://schemas.openxmlformats.org/drawingml/2006/main" xmlns:r="http://schemas.openxmlformats.org/officeDocument/2006/relationships" xmlns:p="http://schemas.openxmlformats.org/presentationml/2006/main">
   <p:cSld>
     <p:spTree>
       <p:nvGrpSpPr>
-        <p:cNvPr id="77" name="Shape 77"/>
+        <p:cNvPr id="1" name="Shape 77"/>
         <p:cNvGrpSpPr/>
         <p:nvPr/>
       </p:nvGrpSpPr>
@@ -6940,7 +7094,9 @@
       <p:sp>
         <p:nvSpPr>
           <p:cNvPr id="78" name="Google Shape;78;p17"/>
-          <p:cNvSpPr txBox="1"/>
+          <p:cNvSpPr txBox="1">
+            <a:spLocks noGrp="1"/>
+          </p:cNvSpPr>
           <p:nvPr>
             <p:ph type="title"/>
           </p:nvPr>
@@ -6955,12 +7111,12 @@
           </a:prstGeom>
         </p:spPr>
         <p:txBody>
-          <a:bodyPr anchorCtr="0" anchor="t" bIns="91425" lIns="91425" spcFirstLastPara="1" rIns="91425" wrap="square" tIns="91425">
+          <a:bodyPr spcFirstLastPara="1" wrap="square" lIns="91425" tIns="91425" rIns="91425" bIns="91425" anchor="t" anchorCtr="0">
             <a:noAutofit/>
           </a:bodyPr>
           <a:lstStyle/>
           <a:p>
-            <a:pPr indent="0" lvl="0" marL="0" rtl="0" algn="ctr">
+            <a:pPr marL="0" lvl="0" indent="0" algn="ctr" rtl="0">
               <a:spcBef>
                 <a:spcPts val="0"/>
               </a:spcBef>
@@ -6980,9 +7136,11 @@
       <p:sp>
         <p:nvSpPr>
           <p:cNvPr id="79" name="Google Shape;79;p17"/>
-          <p:cNvSpPr txBox="1"/>
+          <p:cNvSpPr txBox="1">
+            <a:spLocks noGrp="1"/>
+          </p:cNvSpPr>
           <p:nvPr>
-            <p:ph idx="1" type="body"/>
+            <p:ph type="body" idx="1"/>
           </p:nvPr>
         </p:nvSpPr>
         <p:spPr>
@@ -6995,12 +7153,12 @@
           </a:prstGeom>
         </p:spPr>
         <p:txBody>
-          <a:bodyPr anchorCtr="0" anchor="t" bIns="91425" lIns="91425" spcFirstLastPara="1" rIns="91425" wrap="square" tIns="91425">
+          <a:bodyPr spcFirstLastPara="1" wrap="square" lIns="91425" tIns="91425" rIns="91425" bIns="91425" anchor="t" anchorCtr="0">
             <a:noAutofit/>
           </a:bodyPr>
           <a:lstStyle/>
           <a:p>
-            <a:pPr indent="-342900" lvl="0" marL="457200" rtl="0" algn="l">
+            <a:pPr marL="457200" lvl="0" indent="-342900" algn="l" rtl="0">
               <a:spcBef>
                 <a:spcPts val="0"/>
               </a:spcBef>
@@ -7015,7 +7173,7 @@
               <a:buChar char="●"/>
             </a:pPr>
             <a:r>
-              <a:rPr b="1" lang="en">
+              <a:rPr lang="en" b="1">
                 <a:solidFill>
                   <a:schemeClr val="accent5"/>
                 </a:solidFill>
@@ -7027,7 +7185,7 @@
               <a:t>Retrieve the Project Gutenberg text file of </a:t>
             </a:r>
             <a:r>
-              <a:rPr b="1" lang="en" u="sng">
+              <a:rPr lang="en" b="1" u="sng">
                 <a:solidFill>
                   <a:schemeClr val="hlink"/>
                 </a:solidFill>
@@ -7040,7 +7198,7 @@
               <a:t>The Yellow Wallpaper</a:t>
             </a:r>
             <a:r>
-              <a:rPr b="1" lang="en">
+              <a:rPr lang="en" b="1">
                 <a:solidFill>
                   <a:schemeClr val="accent5"/>
                 </a:solidFill>
@@ -7062,7 +7220,7 @@
             </a:endParaRPr>
           </a:p>
           <a:p>
-            <a:pPr indent="0" lvl="0" marL="457200" rtl="0" algn="l">
+            <a:pPr marL="457200" lvl="0" indent="0" algn="l" rtl="0">
               <a:spcBef>
                 <a:spcPts val="1600"/>
               </a:spcBef>
@@ -7071,9 +7229,6 @@
               </a:spcAft>
               <a:buNone/>
             </a:pPr>
-            <a:r>
-              <a:t/>
-            </a:r>
             <a:endParaRPr/>
           </a:p>
         </p:txBody>
@@ -7115,11 +7270,11 @@
 </file>
 
 <file path=ppt/slides/slide6.xml><?xml version="1.0" encoding="utf-8"?>
-<p:sld xmlns:a="http://schemas.openxmlformats.org/drawingml/2006/main" xmlns:r="http://schemas.openxmlformats.org/officeDocument/2006/relationships" xmlns:mc="http://schemas.openxmlformats.org/markup-compatibility/2006" xmlns:mv="urn:schemas-microsoft-com:mac:vml" xmlns:p="http://schemas.openxmlformats.org/presentationml/2006/main" xmlns:c="http://schemas.openxmlformats.org/drawingml/2006/chart" xmlns:dgm="http://schemas.openxmlformats.org/drawingml/2006/diagram" xmlns:o="urn:schemas-microsoft-com:office:office" xmlns:v="urn:schemas-microsoft-com:vml" xmlns:pvml="urn:schemas-microsoft-com:office:powerpoint" xmlns:com="http://schemas.openxmlformats.org/drawingml/2006/compatibility" xmlns:p14="http://schemas.microsoft.com/office/powerpoint/2010/main" xmlns:p15="http://schemas.microsoft.com/office/powerpoint/2012/main" xmlns:ahyp="http://schemas.microsoft.com/office/drawing/2018/hyperlinkcolor">
+<p:sld xmlns:a="http://schemas.openxmlformats.org/drawingml/2006/main" xmlns:r="http://schemas.openxmlformats.org/officeDocument/2006/relationships" xmlns:p="http://schemas.openxmlformats.org/presentationml/2006/main">
   <p:cSld>
     <p:spTree>
       <p:nvGrpSpPr>
-        <p:cNvPr id="84" name="Shape 84"/>
+        <p:cNvPr id="1" name="Shape 84"/>
         <p:cNvGrpSpPr/>
         <p:nvPr/>
       </p:nvGrpSpPr>
@@ -7134,7 +7289,9 @@
       <p:sp>
         <p:nvSpPr>
           <p:cNvPr id="85" name="Google Shape;85;p18"/>
-          <p:cNvSpPr txBox="1"/>
+          <p:cNvSpPr txBox="1">
+            <a:spLocks noGrp="1"/>
+          </p:cNvSpPr>
           <p:nvPr>
             <p:ph type="title"/>
           </p:nvPr>
@@ -7149,12 +7306,12 @@
           </a:prstGeom>
         </p:spPr>
         <p:txBody>
-          <a:bodyPr anchorCtr="0" anchor="t" bIns="91425" lIns="91425" spcFirstLastPara="1" rIns="91425" wrap="square" tIns="91425">
+          <a:bodyPr spcFirstLastPara="1" wrap="square" lIns="91425" tIns="91425" rIns="91425" bIns="91425" anchor="t" anchorCtr="0">
             <a:noAutofit/>
           </a:bodyPr>
           <a:lstStyle/>
           <a:p>
-            <a:pPr indent="0" lvl="0" marL="0" rtl="0" algn="l">
+            <a:pPr marL="0" lvl="0" indent="0" algn="l" rtl="0">
               <a:spcBef>
                 <a:spcPts val="0"/>
               </a:spcBef>
@@ -7187,7 +7344,7 @@
         </p:blipFill>
         <p:spPr>
           <a:xfrm>
-            <a:off x="311700" y="1017725"/>
+            <a:off x="2282092" y="1164959"/>
             <a:ext cx="5343074" cy="3719551"/>
           </a:xfrm>
           <a:prstGeom prst="rect">
@@ -7208,11 +7365,11 @@
 </file>
 
 <file path=ppt/slides/slide7.xml><?xml version="1.0" encoding="utf-8"?>
-<p:sld xmlns:a="http://schemas.openxmlformats.org/drawingml/2006/main" xmlns:r="http://schemas.openxmlformats.org/officeDocument/2006/relationships" xmlns:mc="http://schemas.openxmlformats.org/markup-compatibility/2006" xmlns:mv="urn:schemas-microsoft-com:mac:vml" xmlns:p="http://schemas.openxmlformats.org/presentationml/2006/main" xmlns:c="http://schemas.openxmlformats.org/drawingml/2006/chart" xmlns:dgm="http://schemas.openxmlformats.org/drawingml/2006/diagram" xmlns:o="urn:schemas-microsoft-com:office:office" xmlns:v="urn:schemas-microsoft-com:vml" xmlns:pvml="urn:schemas-microsoft-com:office:powerpoint" xmlns:com="http://schemas.openxmlformats.org/drawingml/2006/compatibility" xmlns:p14="http://schemas.microsoft.com/office/powerpoint/2010/main" xmlns:p15="http://schemas.microsoft.com/office/powerpoint/2012/main" xmlns:ahyp="http://schemas.microsoft.com/office/drawing/2018/hyperlinkcolor">
+<p:sld xmlns:a="http://schemas.openxmlformats.org/drawingml/2006/main" xmlns:r="http://schemas.openxmlformats.org/officeDocument/2006/relationships" xmlns:p="http://schemas.openxmlformats.org/presentationml/2006/main">
   <p:cSld>
     <p:spTree>
       <p:nvGrpSpPr>
-        <p:cNvPr id="90" name="Shape 90"/>
+        <p:cNvPr id="1" name="Shape 90"/>
         <p:cNvGrpSpPr/>
         <p:nvPr/>
       </p:nvGrpSpPr>
@@ -7227,7 +7384,9 @@
       <p:sp>
         <p:nvSpPr>
           <p:cNvPr id="91" name="Google Shape;91;p19"/>
-          <p:cNvSpPr txBox="1"/>
+          <p:cNvSpPr txBox="1">
+            <a:spLocks noGrp="1"/>
+          </p:cNvSpPr>
           <p:nvPr>
             <p:ph type="title"/>
           </p:nvPr>
@@ -7242,12 +7401,12 @@
           </a:prstGeom>
         </p:spPr>
         <p:txBody>
-          <a:bodyPr anchorCtr="0" anchor="t" bIns="91425" lIns="91425" spcFirstLastPara="1" rIns="91425" wrap="square" tIns="91425">
+          <a:bodyPr spcFirstLastPara="1" wrap="square" lIns="91425" tIns="91425" rIns="91425" bIns="91425" anchor="t" anchorCtr="0">
             <a:noAutofit/>
           </a:bodyPr>
           <a:lstStyle/>
           <a:p>
-            <a:pPr indent="0" lvl="0" marL="0" rtl="0" algn="l">
+            <a:pPr marL="0" lvl="0" indent="0" algn="l" rtl="0">
               <a:spcBef>
                 <a:spcPts val="0"/>
               </a:spcBef>
@@ -7280,7 +7439,7 @@
         </p:blipFill>
         <p:spPr>
           <a:xfrm>
-            <a:off x="311700" y="1152474"/>
+            <a:off x="1923524" y="1136976"/>
             <a:ext cx="5746725" cy="3761725"/>
           </a:xfrm>
           <a:prstGeom prst="rect">
@@ -7301,11 +7460,11 @@
 </file>
 
 <file path=ppt/slides/slide8.xml><?xml version="1.0" encoding="utf-8"?>
-<p:sld xmlns:a="http://schemas.openxmlformats.org/drawingml/2006/main" xmlns:r="http://schemas.openxmlformats.org/officeDocument/2006/relationships" xmlns:mc="http://schemas.openxmlformats.org/markup-compatibility/2006" xmlns:mv="urn:schemas-microsoft-com:mac:vml" xmlns:p="http://schemas.openxmlformats.org/presentationml/2006/main" xmlns:c="http://schemas.openxmlformats.org/drawingml/2006/chart" xmlns:dgm="http://schemas.openxmlformats.org/drawingml/2006/diagram" xmlns:o="urn:schemas-microsoft-com:office:office" xmlns:v="urn:schemas-microsoft-com:vml" xmlns:pvml="urn:schemas-microsoft-com:office:powerpoint" xmlns:com="http://schemas.openxmlformats.org/drawingml/2006/compatibility" xmlns:p14="http://schemas.microsoft.com/office/powerpoint/2010/main" xmlns:p15="http://schemas.microsoft.com/office/powerpoint/2012/main" xmlns:ahyp="http://schemas.microsoft.com/office/drawing/2018/hyperlinkcolor">
+<p:sld xmlns:a="http://schemas.openxmlformats.org/drawingml/2006/main" xmlns:r="http://schemas.openxmlformats.org/officeDocument/2006/relationships" xmlns:p="http://schemas.openxmlformats.org/presentationml/2006/main">
   <p:cSld>
     <p:spTree>
       <p:nvGrpSpPr>
-        <p:cNvPr id="96" name="Shape 96"/>
+        <p:cNvPr id="1" name="Shape 96"/>
         <p:cNvGrpSpPr/>
         <p:nvPr/>
       </p:nvGrpSpPr>
@@ -7320,7 +7479,9 @@
       <p:sp>
         <p:nvSpPr>
           <p:cNvPr id="97" name="Google Shape;97;p20"/>
-          <p:cNvSpPr txBox="1"/>
+          <p:cNvSpPr txBox="1">
+            <a:spLocks noGrp="1"/>
+          </p:cNvSpPr>
           <p:nvPr>
             <p:ph type="title"/>
           </p:nvPr>
@@ -7335,12 +7496,12 @@
           </a:prstGeom>
         </p:spPr>
         <p:txBody>
-          <a:bodyPr anchorCtr="0" anchor="t" bIns="91425" lIns="91425" spcFirstLastPara="1" rIns="91425" wrap="square" tIns="91425">
+          <a:bodyPr spcFirstLastPara="1" wrap="square" lIns="91425" tIns="91425" rIns="91425" bIns="91425" anchor="t" anchorCtr="0">
             <a:noAutofit/>
           </a:bodyPr>
           <a:lstStyle/>
           <a:p>
-            <a:pPr indent="0" lvl="0" marL="0" rtl="0" algn="l">
+            <a:pPr marL="0" lvl="0" indent="0" algn="l" rtl="0">
               <a:spcBef>
                 <a:spcPts val="0"/>
               </a:spcBef>
@@ -7394,11 +7555,11 @@
 </file>
 
 <file path=ppt/slides/slide9.xml><?xml version="1.0" encoding="utf-8"?>
-<p:sld xmlns:a="http://schemas.openxmlformats.org/drawingml/2006/main" xmlns:r="http://schemas.openxmlformats.org/officeDocument/2006/relationships" xmlns:mc="http://schemas.openxmlformats.org/markup-compatibility/2006" xmlns:mv="urn:schemas-microsoft-com:mac:vml" xmlns:p="http://schemas.openxmlformats.org/presentationml/2006/main" xmlns:c="http://schemas.openxmlformats.org/drawingml/2006/chart" xmlns:dgm="http://schemas.openxmlformats.org/drawingml/2006/diagram" xmlns:o="urn:schemas-microsoft-com:office:office" xmlns:v="urn:schemas-microsoft-com:vml" xmlns:pvml="urn:schemas-microsoft-com:office:powerpoint" xmlns:com="http://schemas.openxmlformats.org/drawingml/2006/compatibility" xmlns:p14="http://schemas.microsoft.com/office/powerpoint/2010/main" xmlns:p15="http://schemas.microsoft.com/office/powerpoint/2012/main" xmlns:ahyp="http://schemas.microsoft.com/office/drawing/2018/hyperlinkcolor">
+<p:sld xmlns:a="http://schemas.openxmlformats.org/drawingml/2006/main" xmlns:r="http://schemas.openxmlformats.org/officeDocument/2006/relationships" xmlns:p="http://schemas.openxmlformats.org/presentationml/2006/main">
   <p:cSld>
     <p:spTree>
       <p:nvGrpSpPr>
-        <p:cNvPr id="102" name="Shape 102"/>
+        <p:cNvPr id="1" name="Shape 102"/>
         <p:cNvGrpSpPr/>
         <p:nvPr/>
       </p:nvGrpSpPr>
@@ -7413,7 +7574,9 @@
       <p:sp>
         <p:nvSpPr>
           <p:cNvPr id="103" name="Google Shape;103;p21"/>
-          <p:cNvSpPr txBox="1"/>
+          <p:cNvSpPr txBox="1">
+            <a:spLocks noGrp="1"/>
+          </p:cNvSpPr>
           <p:nvPr>
             <p:ph type="title"/>
           </p:nvPr>
@@ -7428,12 +7591,12 @@
           </a:prstGeom>
         </p:spPr>
         <p:txBody>
-          <a:bodyPr anchorCtr="0" anchor="t" bIns="91425" lIns="91425" spcFirstLastPara="1" rIns="91425" wrap="square" tIns="91425">
+          <a:bodyPr spcFirstLastPara="1" wrap="square" lIns="91425" tIns="91425" rIns="91425" bIns="91425" anchor="t" anchorCtr="0">
             <a:noAutofit/>
           </a:bodyPr>
           <a:lstStyle/>
           <a:p>
-            <a:pPr indent="0" lvl="0" marL="0" rtl="0" algn="l">
+            <a:pPr marL="0" lvl="0" indent="0" algn="l" rtl="0">
               <a:spcBef>
                 <a:spcPts val="0"/>
               </a:spcBef>
@@ -7487,7 +7650,7 @@
 </file>
 
 <file path=ppt/theme/theme1.xml><?xml version="1.0" encoding="utf-8"?>
-<a:theme xmlns:a="http://schemas.openxmlformats.org/drawingml/2006/main" xmlns:r="http://schemas.openxmlformats.org/officeDocument/2006/relationships" name="Simple Light">
+<a:theme xmlns:a="http://schemas.openxmlformats.org/drawingml/2006/main" name="Simple Light">
   <a:themeElements>
     <a:clrScheme name="Simple Light">
       <a:dk1>
@@ -7762,11 +7925,13 @@
       </a:bgFillStyleLst>
     </a:fmtScheme>
   </a:themeElements>
+  <a:objectDefaults/>
+  <a:extraClrSchemeLst/>
 </a:theme>
 </file>
 
 <file path=ppt/theme/theme2.xml><?xml version="1.0" encoding="utf-8"?>
-<a:theme xmlns:a="http://schemas.openxmlformats.org/drawingml/2006/main" xmlns:r="http://schemas.openxmlformats.org/officeDocument/2006/relationships">
+<a:theme xmlns:a="http://schemas.openxmlformats.org/drawingml/2006/main">
   <a:themeElements>
     <a:clrScheme name="Default">
       <a:dk1>
@@ -8041,5 +8206,7 @@
       </a:bgFillStyleLst>
     </a:fmtScheme>
   </a:themeElements>
+  <a:objectDefaults/>
+  <a:extraClrSchemeLst/>
 </a:theme>
 </file>